--- a/Minor Project Presentation.pptx
+++ b/Minor Project Presentation.pptx
@@ -2,71 +2,75 @@
 <file path=ppt/presentation.xml><?xml version="1.0" encoding="utf-8"?>
 <p:presentation xmlns:a="http://schemas.openxmlformats.org/drawingml/2006/main" xmlns:r="http://schemas.openxmlformats.org/officeDocument/2006/relationships" xmlns:mc="http://schemas.openxmlformats.org/markup-compatibility/2006" xmlns:mv="urn:schemas-microsoft-com:mac:vml" xmlns:p="http://schemas.openxmlformats.org/presentationml/2006/main" xmlns:c="http://schemas.openxmlformats.org/drawingml/2006/chart" xmlns:dgm="http://schemas.openxmlformats.org/drawingml/2006/diagram" xmlns:o="urn:schemas-microsoft-com:office:office" xmlns:v="urn:schemas-microsoft-com:vml" xmlns:pvml="urn:schemas-microsoft-com:office:powerpoint" xmlns:com="http://schemas.openxmlformats.org/drawingml/2006/compatibility" xmlns:p14="http://schemas.microsoft.com/office/powerpoint/2010/main" xmlns:p15="http://schemas.microsoft.com/office/powerpoint/2012/main" xmlns:ahyp="http://schemas.microsoft.com/office/drawing/2018/hyperlinkcolor" autoCompressPictures="0" embedTrueTypeFonts="1" strictFirstAndLastChars="0" saveSubsetFonts="1">
   <p:sldMasterIdLst>
-    <p:sldMasterId id="2147483659" r:id="rId4"/>
+    <p:sldMasterId id="2147483659" r:id="rId5"/>
   </p:sldMasterIdLst>
   <p:notesMasterIdLst>
-    <p:notesMasterId r:id="rId5"/>
+    <p:notesMasterId r:id="rId6"/>
   </p:notesMasterIdLst>
   <p:sldIdLst>
-    <p:sldId id="256" r:id="rId6"/>
-    <p:sldId id="257" r:id="rId7"/>
-    <p:sldId id="258" r:id="rId8"/>
-    <p:sldId id="259" r:id="rId9"/>
-    <p:sldId id="260" r:id="rId10"/>
-    <p:sldId id="261" r:id="rId11"/>
-    <p:sldId id="262" r:id="rId12"/>
-    <p:sldId id="263" r:id="rId13"/>
-    <p:sldId id="264" r:id="rId14"/>
-    <p:sldId id="265" r:id="rId15"/>
-    <p:sldId id="266" r:id="rId16"/>
-    <p:sldId id="267" r:id="rId17"/>
-    <p:sldId id="268" r:id="rId18"/>
-    <p:sldId id="269" r:id="rId19"/>
-    <p:sldId id="270" r:id="rId20"/>
-    <p:sldId id="271" r:id="rId21"/>
-    <p:sldId id="272" r:id="rId22"/>
-    <p:sldId id="273" r:id="rId23"/>
-    <p:sldId id="274" r:id="rId24"/>
-    <p:sldId id="275" r:id="rId25"/>
-    <p:sldId id="276" r:id="rId26"/>
-    <p:sldId id="277" r:id="rId27"/>
-    <p:sldId id="278" r:id="rId28"/>
-    <p:sldId id="279" r:id="rId29"/>
-    <p:sldId id="280" r:id="rId30"/>
-    <p:sldId id="281" r:id="rId31"/>
-    <p:sldId id="282" r:id="rId32"/>
-    <p:sldId id="283" r:id="rId33"/>
-    <p:sldId id="284" r:id="rId34"/>
-    <p:sldId id="285" r:id="rId35"/>
-    <p:sldId id="286" r:id="rId36"/>
-    <p:sldId id="287" r:id="rId37"/>
-    <p:sldId id="288" r:id="rId38"/>
-    <p:sldId id="289" r:id="rId39"/>
-    <p:sldId id="290" r:id="rId40"/>
+    <p:sldId id="256" r:id="rId7"/>
+    <p:sldId id="257" r:id="rId8"/>
+    <p:sldId id="258" r:id="rId9"/>
+    <p:sldId id="259" r:id="rId10"/>
+    <p:sldId id="260" r:id="rId11"/>
+    <p:sldId id="261" r:id="rId12"/>
+    <p:sldId id="262" r:id="rId13"/>
+    <p:sldId id="263" r:id="rId14"/>
+    <p:sldId id="264" r:id="rId15"/>
+    <p:sldId id="265" r:id="rId16"/>
+    <p:sldId id="266" r:id="rId17"/>
+    <p:sldId id="267" r:id="rId18"/>
+    <p:sldId id="268" r:id="rId19"/>
+    <p:sldId id="269" r:id="rId20"/>
+    <p:sldId id="270" r:id="rId21"/>
+    <p:sldId id="271" r:id="rId22"/>
+    <p:sldId id="272" r:id="rId23"/>
+    <p:sldId id="273" r:id="rId24"/>
+    <p:sldId id="274" r:id="rId25"/>
+    <p:sldId id="275" r:id="rId26"/>
+    <p:sldId id="276" r:id="rId27"/>
+    <p:sldId id="277" r:id="rId28"/>
+    <p:sldId id="278" r:id="rId29"/>
+    <p:sldId id="279" r:id="rId30"/>
+    <p:sldId id="280" r:id="rId31"/>
+    <p:sldId id="281" r:id="rId32"/>
+    <p:sldId id="282" r:id="rId33"/>
+    <p:sldId id="283" r:id="rId34"/>
+    <p:sldId id="284" r:id="rId35"/>
+    <p:sldId id="285" r:id="rId36"/>
+    <p:sldId id="286" r:id="rId37"/>
+    <p:sldId id="287" r:id="rId38"/>
+    <p:sldId id="288" r:id="rId39"/>
+    <p:sldId id="289" r:id="rId40"/>
+    <p:sldId id="290" r:id="rId41"/>
+    <p:sldId id="291" r:id="rId42"/>
+    <p:sldId id="292" r:id="rId43"/>
+    <p:sldId id="293" r:id="rId44"/>
+    <p:sldId id="294" r:id="rId45"/>
   </p:sldIdLst>
   <p:sldSz cy="5143500" cx="9144000"/>
   <p:notesSz cx="6858000" cy="9144000"/>
   <p:embeddedFontLst>
     <p:embeddedFont>
       <p:font typeface="Raleway"/>
-      <p:regular r:id="rId41"/>
-      <p:bold r:id="rId42"/>
-      <p:italic r:id="rId43"/>
-      <p:boldItalic r:id="rId44"/>
+      <p:regular r:id="rId46"/>
+      <p:bold r:id="rId47"/>
+      <p:italic r:id="rId48"/>
+      <p:boldItalic r:id="rId49"/>
     </p:embeddedFont>
     <p:embeddedFont>
       <p:font typeface="Lato"/>
-      <p:regular r:id="rId45"/>
-      <p:bold r:id="rId46"/>
-      <p:italic r:id="rId47"/>
-      <p:boldItalic r:id="rId48"/>
+      <p:regular r:id="rId50"/>
+      <p:bold r:id="rId51"/>
+      <p:italic r:id="rId52"/>
+      <p:boldItalic r:id="rId53"/>
     </p:embeddedFont>
     <p:embeddedFont>
       <p:font typeface="Raleway Thin"/>
-      <p:regular r:id="rId49"/>
-      <p:bold r:id="rId50"/>
-      <p:italic r:id="rId51"/>
-      <p:boldItalic r:id="rId52"/>
+      <p:regular r:id="rId54"/>
+      <p:bold r:id="rId55"/>
+      <p:italic r:id="rId56"/>
+      <p:boldItalic r:id="rId57"/>
     </p:embeddedFont>
   </p:embeddedFontLst>
   <p:defaultTextStyle>
@@ -847,7 +851,7 @@
   <p:cSld>
     <p:spTree>
       <p:nvGrpSpPr>
-        <p:cNvPr id="137" name="Shape 137"/>
+        <p:cNvPr id="136" name="Shape 136"/>
         <p:cNvGrpSpPr/>
         <p:nvPr/>
       </p:nvGrpSpPr>
@@ -861,7 +865,7 @@
       </p:grpSpPr>
       <p:sp>
         <p:nvSpPr>
-          <p:cNvPr id="138" name="Google Shape;138;gcc7a6306cc_0_10:notes"/>
+          <p:cNvPr id="137" name="Google Shape;137;gcc7a6306cc_0_3:notes"/>
           <p:cNvSpPr/>
           <p:nvPr>
             <p:ph idx="2" type="sldImg"/>
@@ -896,7 +900,7 @@
       </p:sp>
       <p:sp>
         <p:nvSpPr>
-          <p:cNvPr id="139" name="Google Shape;139;gcc7a6306cc_0_10:notes"/>
+          <p:cNvPr id="138" name="Google Shape;138;gcc7a6306cc_0_3:notes"/>
           <p:cNvSpPr txBox="1"/>
           <p:nvPr>
             <p:ph idx="1" type="body"/>
@@ -946,7 +950,7 @@
   <p:cSld>
     <p:spTree>
       <p:nvGrpSpPr>
-        <p:cNvPr id="143" name="Shape 143"/>
+        <p:cNvPr id="142" name="Shape 142"/>
         <p:cNvGrpSpPr/>
         <p:nvPr/>
       </p:nvGrpSpPr>
@@ -960,7 +964,7 @@
       </p:grpSpPr>
       <p:sp>
         <p:nvSpPr>
-          <p:cNvPr id="144" name="Google Shape;144;gcf6af3afe7_1_0:notes"/>
+          <p:cNvPr id="143" name="Google Shape;143;gcc7a6306cc_0_10:notes"/>
           <p:cNvSpPr/>
           <p:nvPr>
             <p:ph idx="2" type="sldImg"/>
@@ -995,7 +999,7 @@
       </p:sp>
       <p:sp>
         <p:nvSpPr>
-          <p:cNvPr id="145" name="Google Shape;145;gcf6af3afe7_1_0:notes"/>
+          <p:cNvPr id="144" name="Google Shape;144;gcc7a6306cc_0_10:notes"/>
           <p:cNvSpPr txBox="1"/>
           <p:nvPr>
             <p:ph idx="1" type="body"/>
@@ -1045,7 +1049,7 @@
   <p:cSld>
     <p:spTree>
       <p:nvGrpSpPr>
-        <p:cNvPr id="149" name="Shape 149"/>
+        <p:cNvPr id="148" name="Shape 148"/>
         <p:cNvGrpSpPr/>
         <p:nvPr/>
       </p:nvGrpSpPr>
@@ -1059,7 +1063,7 @@
       </p:grpSpPr>
       <p:sp>
         <p:nvSpPr>
-          <p:cNvPr id="150" name="Google Shape;150;gcf6af3afe7_1_7:notes"/>
+          <p:cNvPr id="149" name="Google Shape;149;gcf6af3afe7_1_0:notes"/>
           <p:cNvSpPr/>
           <p:nvPr>
             <p:ph idx="2" type="sldImg"/>
@@ -1094,7 +1098,7 @@
       </p:sp>
       <p:sp>
         <p:nvSpPr>
-          <p:cNvPr id="151" name="Google Shape;151;gcf6af3afe7_1_7:notes"/>
+          <p:cNvPr id="150" name="Google Shape;150;gcf6af3afe7_1_0:notes"/>
           <p:cNvSpPr txBox="1"/>
           <p:nvPr>
             <p:ph idx="1" type="body"/>
@@ -1144,7 +1148,7 @@
   <p:cSld>
     <p:spTree>
       <p:nvGrpSpPr>
-        <p:cNvPr id="155" name="Shape 155"/>
+        <p:cNvPr id="154" name="Shape 154"/>
         <p:cNvGrpSpPr/>
         <p:nvPr/>
       </p:nvGrpSpPr>
@@ -1158,7 +1162,7 @@
       </p:grpSpPr>
       <p:sp>
         <p:nvSpPr>
-          <p:cNvPr id="156" name="Google Shape;156;gcc6c194391_0_519:notes"/>
+          <p:cNvPr id="155" name="Google Shape;155;gcf6af3afe7_1_7:notes"/>
           <p:cNvSpPr/>
           <p:nvPr>
             <p:ph idx="2" type="sldImg"/>
@@ -1193,7 +1197,7 @@
       </p:sp>
       <p:sp>
         <p:nvSpPr>
-          <p:cNvPr id="157" name="Google Shape;157;gcc6c194391_0_519:notes"/>
+          <p:cNvPr id="156" name="Google Shape;156;gcf6af3afe7_1_7:notes"/>
           <p:cNvSpPr txBox="1"/>
           <p:nvPr>
             <p:ph idx="1" type="body"/>
@@ -1243,7 +1247,7 @@
   <p:cSld>
     <p:spTree>
       <p:nvGrpSpPr>
-        <p:cNvPr id="161" name="Shape 161"/>
+        <p:cNvPr id="160" name="Shape 160"/>
         <p:cNvGrpSpPr/>
         <p:nvPr/>
       </p:nvGrpSpPr>
@@ -1257,7 +1261,7 @@
       </p:grpSpPr>
       <p:sp>
         <p:nvSpPr>
-          <p:cNvPr id="162" name="Google Shape;162;gcc6c194391_0_531:notes"/>
+          <p:cNvPr id="161" name="Google Shape;161;gcc6c194391_0_519:notes"/>
           <p:cNvSpPr/>
           <p:nvPr>
             <p:ph idx="2" type="sldImg"/>
@@ -1292,7 +1296,7 @@
       </p:sp>
       <p:sp>
         <p:nvSpPr>
-          <p:cNvPr id="163" name="Google Shape;163;gcc6c194391_0_531:notes"/>
+          <p:cNvPr id="162" name="Google Shape;162;gcc6c194391_0_519:notes"/>
           <p:cNvSpPr txBox="1"/>
           <p:nvPr>
             <p:ph idx="1" type="body"/>
@@ -1342,7 +1346,7 @@
   <p:cSld>
     <p:spTree>
       <p:nvGrpSpPr>
-        <p:cNvPr id="168" name="Shape 168"/>
+        <p:cNvPr id="166" name="Shape 166"/>
         <p:cNvGrpSpPr/>
         <p:nvPr/>
       </p:nvGrpSpPr>
@@ -1356,7 +1360,7 @@
       </p:grpSpPr>
       <p:sp>
         <p:nvSpPr>
-          <p:cNvPr id="169" name="Google Shape;169;gcc6c194391_0_537:notes"/>
+          <p:cNvPr id="167" name="Google Shape;167;gcc6c194391_0_531:notes"/>
           <p:cNvSpPr/>
           <p:nvPr>
             <p:ph idx="2" type="sldImg"/>
@@ -1391,7 +1395,7 @@
       </p:sp>
       <p:sp>
         <p:nvSpPr>
-          <p:cNvPr id="170" name="Google Shape;170;gcc6c194391_0_537:notes"/>
+          <p:cNvPr id="168" name="Google Shape;168;gcc6c194391_0_531:notes"/>
           <p:cNvSpPr txBox="1"/>
           <p:nvPr>
             <p:ph idx="1" type="body"/>
@@ -1441,7 +1445,7 @@
   <p:cSld>
     <p:spTree>
       <p:nvGrpSpPr>
-        <p:cNvPr id="175" name="Shape 175"/>
+        <p:cNvPr id="173" name="Shape 173"/>
         <p:cNvGrpSpPr/>
         <p:nvPr/>
       </p:nvGrpSpPr>
@@ -1455,7 +1459,7 @@
       </p:grpSpPr>
       <p:sp>
         <p:nvSpPr>
-          <p:cNvPr id="176" name="Google Shape;176;gcc6c194391_0_543:notes"/>
+          <p:cNvPr id="174" name="Google Shape;174;gcc6c194391_0_537:notes"/>
           <p:cNvSpPr/>
           <p:nvPr>
             <p:ph idx="2" type="sldImg"/>
@@ -1490,7 +1494,7 @@
       </p:sp>
       <p:sp>
         <p:nvSpPr>
-          <p:cNvPr id="177" name="Google Shape;177;gcc6c194391_0_543:notes"/>
+          <p:cNvPr id="175" name="Google Shape;175;gcc6c194391_0_537:notes"/>
           <p:cNvSpPr txBox="1"/>
           <p:nvPr>
             <p:ph idx="1" type="body"/>
@@ -1540,7 +1544,7 @@
   <p:cSld>
     <p:spTree>
       <p:nvGrpSpPr>
-        <p:cNvPr id="182" name="Shape 182"/>
+        <p:cNvPr id="180" name="Shape 180"/>
         <p:cNvGrpSpPr/>
         <p:nvPr/>
       </p:nvGrpSpPr>
@@ -1554,7 +1558,7 @@
       </p:grpSpPr>
       <p:sp>
         <p:nvSpPr>
-          <p:cNvPr id="183" name="Google Shape;183;gcf6af3afe7_1_14:notes"/>
+          <p:cNvPr id="181" name="Google Shape;181;gcc6c194391_0_543:notes"/>
           <p:cNvSpPr/>
           <p:nvPr>
             <p:ph idx="2" type="sldImg"/>
@@ -1589,7 +1593,7 @@
       </p:sp>
       <p:sp>
         <p:nvSpPr>
-          <p:cNvPr id="184" name="Google Shape;184;gcf6af3afe7_1_14:notes"/>
+          <p:cNvPr id="182" name="Google Shape;182;gcc6c194391_0_543:notes"/>
           <p:cNvSpPr txBox="1"/>
           <p:nvPr>
             <p:ph idx="1" type="body"/>
@@ -1639,7 +1643,7 @@
   <p:cSld>
     <p:spTree>
       <p:nvGrpSpPr>
-        <p:cNvPr id="188" name="Shape 188"/>
+        <p:cNvPr id="187" name="Shape 187"/>
         <p:cNvGrpSpPr/>
         <p:nvPr/>
       </p:nvGrpSpPr>
@@ -1653,7 +1657,7 @@
       </p:grpSpPr>
       <p:sp>
         <p:nvSpPr>
-          <p:cNvPr id="189" name="Google Shape;189;gcf6af3afe7_1_21:notes"/>
+          <p:cNvPr id="188" name="Google Shape;188;gcf6af3afe7_1_14:notes"/>
           <p:cNvSpPr/>
           <p:nvPr>
             <p:ph idx="2" type="sldImg"/>
@@ -1688,7 +1692,7 @@
       </p:sp>
       <p:sp>
         <p:nvSpPr>
-          <p:cNvPr id="190" name="Google Shape;190;gcf6af3afe7_1_21:notes"/>
+          <p:cNvPr id="189" name="Google Shape;189;gcf6af3afe7_1_14:notes"/>
           <p:cNvSpPr txBox="1"/>
           <p:nvPr>
             <p:ph idx="1" type="body"/>
@@ -1738,7 +1742,7 @@
   <p:cSld>
     <p:spTree>
       <p:nvGrpSpPr>
-        <p:cNvPr id="194" name="Shape 194"/>
+        <p:cNvPr id="193" name="Shape 193"/>
         <p:cNvGrpSpPr/>
         <p:nvPr/>
       </p:nvGrpSpPr>
@@ -1752,7 +1756,7 @@
       </p:grpSpPr>
       <p:sp>
         <p:nvSpPr>
-          <p:cNvPr id="195" name="Google Shape;195;gcf6af3afe7_1_31:notes"/>
+          <p:cNvPr id="194" name="Google Shape;194;gcf6af3afe7_1_21:notes"/>
           <p:cNvSpPr/>
           <p:nvPr>
             <p:ph idx="2" type="sldImg"/>
@@ -1787,7 +1791,7 @@
       </p:sp>
       <p:sp>
         <p:nvSpPr>
-          <p:cNvPr id="196" name="Google Shape;196;gcf6af3afe7_1_31:notes"/>
+          <p:cNvPr id="195" name="Google Shape;195;gcf6af3afe7_1_21:notes"/>
           <p:cNvSpPr txBox="1"/>
           <p:nvPr>
             <p:ph idx="1" type="body"/>
@@ -1936,7 +1940,7 @@
   <p:cSld>
     <p:spTree>
       <p:nvGrpSpPr>
-        <p:cNvPr id="201" name="Shape 201"/>
+        <p:cNvPr id="199" name="Shape 199"/>
         <p:cNvGrpSpPr/>
         <p:nvPr/>
       </p:nvGrpSpPr>
@@ -1950,7 +1954,7 @@
       </p:grpSpPr>
       <p:sp>
         <p:nvSpPr>
-          <p:cNvPr id="202" name="Google Shape;202;gcf6af3afe7_1_39:notes"/>
+          <p:cNvPr id="200" name="Google Shape;200;gcf6af3afe7_1_31:notes"/>
           <p:cNvSpPr/>
           <p:nvPr>
             <p:ph idx="2" type="sldImg"/>
@@ -1985,7 +1989,7 @@
       </p:sp>
       <p:sp>
         <p:nvSpPr>
-          <p:cNvPr id="203" name="Google Shape;203;gcf6af3afe7_1_39:notes"/>
+          <p:cNvPr id="201" name="Google Shape;201;gcf6af3afe7_1_31:notes"/>
           <p:cNvSpPr txBox="1"/>
           <p:nvPr>
             <p:ph idx="1" type="body"/>
@@ -2035,7 +2039,7 @@
   <p:cSld>
     <p:spTree>
       <p:nvGrpSpPr>
-        <p:cNvPr id="208" name="Shape 208"/>
+        <p:cNvPr id="206" name="Shape 206"/>
         <p:cNvGrpSpPr/>
         <p:nvPr/>
       </p:nvGrpSpPr>
@@ -2049,7 +2053,7 @@
       </p:grpSpPr>
       <p:sp>
         <p:nvSpPr>
-          <p:cNvPr id="209" name="Google Shape;209;gcf6af3afe7_1_44:notes"/>
+          <p:cNvPr id="207" name="Google Shape;207;gcf6af3afe7_1_39:notes"/>
           <p:cNvSpPr/>
           <p:nvPr>
             <p:ph idx="2" type="sldImg"/>
@@ -2084,7 +2088,7 @@
       </p:sp>
       <p:sp>
         <p:nvSpPr>
-          <p:cNvPr id="210" name="Google Shape;210;gcf6af3afe7_1_44:notes"/>
+          <p:cNvPr id="208" name="Google Shape;208;gcf6af3afe7_1_39:notes"/>
           <p:cNvSpPr txBox="1"/>
           <p:nvPr>
             <p:ph idx="1" type="body"/>
@@ -2134,7 +2138,7 @@
   <p:cSld>
     <p:spTree>
       <p:nvGrpSpPr>
-        <p:cNvPr id="215" name="Shape 215"/>
+        <p:cNvPr id="213" name="Shape 213"/>
         <p:cNvGrpSpPr/>
         <p:nvPr/>
       </p:nvGrpSpPr>
@@ -2148,7 +2152,7 @@
       </p:grpSpPr>
       <p:sp>
         <p:nvSpPr>
-          <p:cNvPr id="216" name="Google Shape;216;gcf6af3afe7_1_51:notes"/>
+          <p:cNvPr id="214" name="Google Shape;214;gcf6af3afe7_1_44:notes"/>
           <p:cNvSpPr/>
           <p:nvPr>
             <p:ph idx="2" type="sldImg"/>
@@ -2183,7 +2187,7 @@
       </p:sp>
       <p:sp>
         <p:nvSpPr>
-          <p:cNvPr id="217" name="Google Shape;217;gcf6af3afe7_1_51:notes"/>
+          <p:cNvPr id="215" name="Google Shape;215;gcf6af3afe7_1_44:notes"/>
           <p:cNvSpPr txBox="1"/>
           <p:nvPr>
             <p:ph idx="1" type="body"/>
@@ -2233,7 +2237,7 @@
   <p:cSld>
     <p:spTree>
       <p:nvGrpSpPr>
-        <p:cNvPr id="221" name="Shape 221"/>
+        <p:cNvPr id="220" name="Shape 220"/>
         <p:cNvGrpSpPr/>
         <p:nvPr/>
       </p:nvGrpSpPr>
@@ -2247,7 +2251,7 @@
       </p:grpSpPr>
       <p:sp>
         <p:nvSpPr>
-          <p:cNvPr id="222" name="Google Shape;222;gcf6af3afe7_1_57:notes"/>
+          <p:cNvPr id="221" name="Google Shape;221;gcf6af3afe7_1_51:notes"/>
           <p:cNvSpPr/>
           <p:nvPr>
             <p:ph idx="2" type="sldImg"/>
@@ -2282,7 +2286,7 @@
       </p:sp>
       <p:sp>
         <p:nvSpPr>
-          <p:cNvPr id="223" name="Google Shape;223;gcf6af3afe7_1_57:notes"/>
+          <p:cNvPr id="222" name="Google Shape;222;gcf6af3afe7_1_51:notes"/>
           <p:cNvSpPr txBox="1"/>
           <p:nvPr>
             <p:ph idx="1" type="body"/>
@@ -2332,7 +2336,7 @@
   <p:cSld>
     <p:spTree>
       <p:nvGrpSpPr>
-        <p:cNvPr id="227" name="Shape 227"/>
+        <p:cNvPr id="226" name="Shape 226"/>
         <p:cNvGrpSpPr/>
         <p:nvPr/>
       </p:nvGrpSpPr>
@@ -2346,7 +2350,7 @@
       </p:grpSpPr>
       <p:sp>
         <p:nvSpPr>
-          <p:cNvPr id="228" name="Google Shape;228;gcf6af3afe7_1_62:notes"/>
+          <p:cNvPr id="227" name="Google Shape;227;gcf6af3afe7_1_57:notes"/>
           <p:cNvSpPr/>
           <p:nvPr>
             <p:ph idx="2" type="sldImg"/>
@@ -2381,7 +2385,7 @@
       </p:sp>
       <p:sp>
         <p:nvSpPr>
-          <p:cNvPr id="229" name="Google Shape;229;gcf6af3afe7_1_62:notes"/>
+          <p:cNvPr id="228" name="Google Shape;228;gcf6af3afe7_1_57:notes"/>
           <p:cNvSpPr txBox="1"/>
           <p:nvPr>
             <p:ph idx="1" type="body"/>
@@ -2431,7 +2435,7 @@
   <p:cSld>
     <p:spTree>
       <p:nvGrpSpPr>
-        <p:cNvPr id="234" name="Shape 234"/>
+        <p:cNvPr id="232" name="Shape 232"/>
         <p:cNvGrpSpPr/>
         <p:nvPr/>
       </p:nvGrpSpPr>
@@ -2445,7 +2449,7 @@
       </p:grpSpPr>
       <p:sp>
         <p:nvSpPr>
-          <p:cNvPr id="235" name="Google Shape;235;gcf6af3afe7_1_74:notes"/>
+          <p:cNvPr id="233" name="Google Shape;233;gcf6af3afe7_1_62:notes"/>
           <p:cNvSpPr/>
           <p:nvPr>
             <p:ph idx="2" type="sldImg"/>
@@ -2480,7 +2484,7 @@
       </p:sp>
       <p:sp>
         <p:nvSpPr>
-          <p:cNvPr id="236" name="Google Shape;236;gcf6af3afe7_1_74:notes"/>
+          <p:cNvPr id="234" name="Google Shape;234;gcf6af3afe7_1_62:notes"/>
           <p:cNvSpPr txBox="1"/>
           <p:nvPr>
             <p:ph idx="1" type="body"/>
@@ -2530,7 +2534,7 @@
   <p:cSld>
     <p:spTree>
       <p:nvGrpSpPr>
-        <p:cNvPr id="241" name="Shape 241"/>
+        <p:cNvPr id="239" name="Shape 239"/>
         <p:cNvGrpSpPr/>
         <p:nvPr/>
       </p:nvGrpSpPr>
@@ -2544,7 +2548,7 @@
       </p:grpSpPr>
       <p:sp>
         <p:nvSpPr>
-          <p:cNvPr id="242" name="Google Shape;242;gcf6af3afe7_1_81:notes"/>
+          <p:cNvPr id="240" name="Google Shape;240;gcf6af3afe7_1_74:notes"/>
           <p:cNvSpPr/>
           <p:nvPr>
             <p:ph idx="2" type="sldImg"/>
@@ -2579,7 +2583,7 @@
       </p:sp>
       <p:sp>
         <p:nvSpPr>
-          <p:cNvPr id="243" name="Google Shape;243;gcf6af3afe7_1_81:notes"/>
+          <p:cNvPr id="241" name="Google Shape;241;gcf6af3afe7_1_74:notes"/>
           <p:cNvSpPr txBox="1"/>
           <p:nvPr>
             <p:ph idx="1" type="body"/>
@@ -2629,7 +2633,7 @@
   <p:cSld>
     <p:spTree>
       <p:nvGrpSpPr>
-        <p:cNvPr id="247" name="Shape 247"/>
+        <p:cNvPr id="246" name="Shape 246"/>
         <p:cNvGrpSpPr/>
         <p:nvPr/>
       </p:nvGrpSpPr>
@@ -2643,7 +2647,7 @@
       </p:grpSpPr>
       <p:sp>
         <p:nvSpPr>
-          <p:cNvPr id="248" name="Google Shape;248;gcf6af3afe7_1_86:notes"/>
+          <p:cNvPr id="247" name="Google Shape;247;gcf6af3afe7_1_81:notes"/>
           <p:cNvSpPr/>
           <p:nvPr>
             <p:ph idx="2" type="sldImg"/>
@@ -2678,7 +2682,7 @@
       </p:sp>
       <p:sp>
         <p:nvSpPr>
-          <p:cNvPr id="249" name="Google Shape;249;gcf6af3afe7_1_86:notes"/>
+          <p:cNvPr id="248" name="Google Shape;248;gcf6af3afe7_1_81:notes"/>
           <p:cNvSpPr txBox="1"/>
           <p:nvPr>
             <p:ph idx="1" type="body"/>
@@ -2728,7 +2732,7 @@
   <p:cSld>
     <p:spTree>
       <p:nvGrpSpPr>
-        <p:cNvPr id="254" name="Shape 254"/>
+        <p:cNvPr id="252" name="Shape 252"/>
         <p:cNvGrpSpPr/>
         <p:nvPr/>
       </p:nvGrpSpPr>
@@ -2742,7 +2746,7 @@
       </p:grpSpPr>
       <p:sp>
         <p:nvSpPr>
-          <p:cNvPr id="255" name="Google Shape;255;gcc7a6306cc_0_17:notes"/>
+          <p:cNvPr id="253" name="Google Shape;253;gcf6af3afe7_1_86:notes"/>
           <p:cNvSpPr/>
           <p:nvPr>
             <p:ph idx="2" type="sldImg"/>
@@ -2777,7 +2781,7 @@
       </p:sp>
       <p:sp>
         <p:nvSpPr>
-          <p:cNvPr id="256" name="Google Shape;256;gcc7a6306cc_0_17:notes"/>
+          <p:cNvPr id="254" name="Google Shape;254;gcf6af3afe7_1_86:notes"/>
           <p:cNvSpPr txBox="1"/>
           <p:nvPr>
             <p:ph idx="1" type="body"/>
@@ -2827,7 +2831,7 @@
   <p:cSld>
     <p:spTree>
       <p:nvGrpSpPr>
-        <p:cNvPr id="260" name="Shape 260"/>
+        <p:cNvPr id="259" name="Shape 259"/>
         <p:cNvGrpSpPr/>
         <p:nvPr/>
       </p:nvGrpSpPr>
@@ -2841,7 +2845,7 @@
       </p:grpSpPr>
       <p:sp>
         <p:nvSpPr>
-          <p:cNvPr id="261" name="Google Shape;261;gcc7a6306cc_0_22:notes"/>
+          <p:cNvPr id="260" name="Google Shape;260;gcc7a6306cc_0_17:notes"/>
           <p:cNvSpPr/>
           <p:nvPr>
             <p:ph idx="2" type="sldImg"/>
@@ -2876,7 +2880,7 @@
       </p:sp>
       <p:sp>
         <p:nvSpPr>
-          <p:cNvPr id="262" name="Google Shape;262;gcc7a6306cc_0_22:notes"/>
+          <p:cNvPr id="261" name="Google Shape;261;gcc7a6306cc_0_17:notes"/>
           <p:cNvSpPr txBox="1"/>
           <p:nvPr>
             <p:ph idx="1" type="body"/>
@@ -3025,7 +3029,7 @@
   <p:cSld>
     <p:spTree>
       <p:nvGrpSpPr>
-        <p:cNvPr id="267" name="Shape 267"/>
+        <p:cNvPr id="265" name="Shape 265"/>
         <p:cNvGrpSpPr/>
         <p:nvPr/>
       </p:nvGrpSpPr>
@@ -3039,7 +3043,7 @@
       </p:grpSpPr>
       <p:sp>
         <p:nvSpPr>
-          <p:cNvPr id="268" name="Google Shape;268;gcc6c194391_0_579:notes"/>
+          <p:cNvPr id="266" name="Google Shape;266;gcc7a6306cc_0_22:notes"/>
           <p:cNvSpPr/>
           <p:nvPr>
             <p:ph idx="2" type="sldImg"/>
@@ -3074,7 +3078,7 @@
       </p:sp>
       <p:sp>
         <p:nvSpPr>
-          <p:cNvPr id="269" name="Google Shape;269;gcc6c194391_0_579:notes"/>
+          <p:cNvPr id="267" name="Google Shape;267;gcc7a6306cc_0_22:notes"/>
           <p:cNvSpPr txBox="1"/>
           <p:nvPr>
             <p:ph idx="1" type="body"/>
@@ -3124,7 +3128,7 @@
   <p:cSld>
     <p:spTree>
       <p:nvGrpSpPr>
-        <p:cNvPr id="274" name="Shape 274"/>
+        <p:cNvPr id="272" name="Shape 272"/>
         <p:cNvGrpSpPr/>
         <p:nvPr/>
       </p:nvGrpSpPr>
@@ -3138,7 +3142,7 @@
       </p:grpSpPr>
       <p:sp>
         <p:nvSpPr>
-          <p:cNvPr id="275" name="Google Shape;275;gcc6c194391_0_549:notes"/>
+          <p:cNvPr id="273" name="Google Shape;273;ge00070409f_0_0:notes"/>
           <p:cNvSpPr/>
           <p:nvPr>
             <p:ph idx="2" type="sldImg"/>
@@ -3173,7 +3177,7 @@
       </p:sp>
       <p:sp>
         <p:nvSpPr>
-          <p:cNvPr id="276" name="Google Shape;276;gcc6c194391_0_549:notes"/>
+          <p:cNvPr id="274" name="Google Shape;274;ge00070409f_0_0:notes"/>
           <p:cNvSpPr txBox="1"/>
           <p:nvPr>
             <p:ph idx="1" type="body"/>
@@ -3223,7 +3227,7 @@
   <p:cSld>
     <p:spTree>
       <p:nvGrpSpPr>
-        <p:cNvPr id="281" name="Shape 281"/>
+        <p:cNvPr id="279" name="Shape 279"/>
         <p:cNvGrpSpPr/>
         <p:nvPr/>
       </p:nvGrpSpPr>
@@ -3237,7 +3241,7 @@
       </p:grpSpPr>
       <p:sp>
         <p:nvSpPr>
-          <p:cNvPr id="282" name="Google Shape;282;gcc6c194391_0_557:notes"/>
+          <p:cNvPr id="280" name="Google Shape;280;ge00070409f_0_6:notes"/>
           <p:cNvSpPr/>
           <p:nvPr>
             <p:ph idx="2" type="sldImg"/>
@@ -3272,7 +3276,7 @@
       </p:sp>
       <p:sp>
         <p:nvSpPr>
-          <p:cNvPr id="283" name="Google Shape;283;gcc6c194391_0_557:notes"/>
+          <p:cNvPr id="281" name="Google Shape;281;ge00070409f_0_6:notes"/>
           <p:cNvSpPr txBox="1"/>
           <p:nvPr>
             <p:ph idx="1" type="body"/>
@@ -3322,7 +3326,7 @@
   <p:cSld>
     <p:spTree>
       <p:nvGrpSpPr>
-        <p:cNvPr id="288" name="Shape 288"/>
+        <p:cNvPr id="285" name="Shape 285"/>
         <p:cNvGrpSpPr/>
         <p:nvPr/>
       </p:nvGrpSpPr>
@@ -3336,7 +3340,7 @@
       </p:grpSpPr>
       <p:sp>
         <p:nvSpPr>
-          <p:cNvPr id="289" name="Google Shape;289;gcc6c194391_0_563:notes"/>
+          <p:cNvPr id="286" name="Google Shape;286;ge00070409f_0_11:notes"/>
           <p:cNvSpPr/>
           <p:nvPr>
             <p:ph idx="2" type="sldImg"/>
@@ -3371,7 +3375,7 @@
       </p:sp>
       <p:sp>
         <p:nvSpPr>
-          <p:cNvPr id="290" name="Google Shape;290;gcc6c194391_0_563:notes"/>
+          <p:cNvPr id="287" name="Google Shape;287;ge00070409f_0_11:notes"/>
           <p:cNvSpPr txBox="1"/>
           <p:nvPr>
             <p:ph idx="1" type="body"/>
@@ -3421,7 +3425,7 @@
   <p:cSld>
     <p:spTree>
       <p:nvGrpSpPr>
-        <p:cNvPr id="295" name="Shape 295"/>
+        <p:cNvPr id="291" name="Shape 291"/>
         <p:cNvGrpSpPr/>
         <p:nvPr/>
       </p:nvGrpSpPr>
@@ -3435,7 +3439,7 @@
       </p:grpSpPr>
       <p:sp>
         <p:nvSpPr>
-          <p:cNvPr id="296" name="Google Shape;296;gcc6c194391_0_597:notes"/>
+          <p:cNvPr id="292" name="Google Shape;292;ge00070409f_0_16:notes"/>
           <p:cNvSpPr/>
           <p:nvPr>
             <p:ph idx="2" type="sldImg"/>
@@ -3470,7 +3474,7 @@
       </p:sp>
       <p:sp>
         <p:nvSpPr>
-          <p:cNvPr id="297" name="Google Shape;297;gcc6c194391_0_597:notes"/>
+          <p:cNvPr id="293" name="Google Shape;293;ge00070409f_0_16:notes"/>
           <p:cNvSpPr txBox="1"/>
           <p:nvPr>
             <p:ph idx="1" type="body"/>
@@ -3520,7 +3524,7 @@
   <p:cSld>
     <p:spTree>
       <p:nvGrpSpPr>
-        <p:cNvPr id="302" name="Shape 302"/>
+        <p:cNvPr id="298" name="Shape 298"/>
         <p:cNvGrpSpPr/>
         <p:nvPr/>
       </p:nvGrpSpPr>
@@ -3534,7 +3538,7 @@
       </p:grpSpPr>
       <p:sp>
         <p:nvSpPr>
-          <p:cNvPr id="303" name="Google Shape;303;gcc7a6306cc_0_28:notes"/>
+          <p:cNvPr id="299" name="Google Shape;299;ge00070409f_0_24:notes"/>
           <p:cNvSpPr/>
           <p:nvPr>
             <p:ph idx="2" type="sldImg"/>
@@ -3569,7 +3573,403 @@
       </p:sp>
       <p:sp>
         <p:nvSpPr>
-          <p:cNvPr id="304" name="Google Shape;304;gcc7a6306cc_0_28:notes"/>
+          <p:cNvPr id="300" name="Google Shape;300;ge00070409f_0_24:notes"/>
+          <p:cNvSpPr txBox="1"/>
+          <p:nvPr>
+            <p:ph idx="1" type="body"/>
+          </p:nvPr>
+        </p:nvSpPr>
+        <p:spPr>
+          <a:xfrm>
+            <a:off x="685800" y="4343400"/>
+            <a:ext cx="5486400" cy="4114800"/>
+          </a:xfrm>
+          <a:prstGeom prst="rect">
+            <a:avLst/>
+          </a:prstGeom>
+        </p:spPr>
+        <p:txBody>
+          <a:bodyPr anchorCtr="0" anchor="t" bIns="91425" lIns="91425" spcFirstLastPara="1" rIns="91425" wrap="square" tIns="91425">
+            <a:noAutofit/>
+          </a:bodyPr>
+          <a:lstStyle/>
+          <a:p>
+            <a:pPr indent="0" lvl="0" marL="0" rtl="0" algn="l">
+              <a:spcBef>
+                <a:spcPts val="0"/>
+              </a:spcBef>
+              <a:spcAft>
+                <a:spcPts val="0"/>
+              </a:spcAft>
+              <a:buNone/>
+            </a:pPr>
+            <a:r>
+              <a:t/>
+            </a:r>
+            <a:endParaRPr/>
+          </a:p>
+        </p:txBody>
+      </p:sp>
+    </p:spTree>
+  </p:cSld>
+  <p:clrMapOvr>
+    <a:masterClrMapping/>
+  </p:clrMapOvr>
+</p:notes>
+</file>
+
+<file path=ppt/notesSlides/notesSlide36.xml><?xml version="1.0" encoding="utf-8"?>
+<p:notes xmlns:a="http://schemas.openxmlformats.org/drawingml/2006/main" xmlns:r="http://schemas.openxmlformats.org/officeDocument/2006/relationships" xmlns:mc="http://schemas.openxmlformats.org/markup-compatibility/2006" xmlns:mv="urn:schemas-microsoft-com:mac:vml" xmlns:p="http://schemas.openxmlformats.org/presentationml/2006/main" xmlns:c="http://schemas.openxmlformats.org/drawingml/2006/chart" xmlns:dgm="http://schemas.openxmlformats.org/drawingml/2006/diagram" xmlns:o="urn:schemas-microsoft-com:office:office" xmlns:v="urn:schemas-microsoft-com:vml" xmlns:pvml="urn:schemas-microsoft-com:office:powerpoint" xmlns:com="http://schemas.openxmlformats.org/drawingml/2006/compatibility" xmlns:p14="http://schemas.microsoft.com/office/powerpoint/2010/main" xmlns:p15="http://schemas.microsoft.com/office/powerpoint/2012/main" xmlns:ahyp="http://schemas.microsoft.com/office/drawing/2018/hyperlinkcolor" showMasterPhAnim="0" showMasterSp="0">
+  <p:cSld>
+    <p:spTree>
+      <p:nvGrpSpPr>
+        <p:cNvPr id="305" name="Shape 305"/>
+        <p:cNvGrpSpPr/>
+        <p:nvPr/>
+      </p:nvGrpSpPr>
+      <p:grpSpPr>
+        <a:xfrm>
+          <a:off x="0" y="0"/>
+          <a:ext cx="0" cy="0"/>
+          <a:chOff x="0" y="0"/>
+          <a:chExt cx="0" cy="0"/>
+        </a:xfrm>
+      </p:grpSpPr>
+      <p:sp>
+        <p:nvSpPr>
+          <p:cNvPr id="306" name="Google Shape;306;ge00070409f_0_31:notes"/>
+          <p:cNvSpPr/>
+          <p:nvPr>
+            <p:ph idx="2" type="sldImg"/>
+          </p:nvPr>
+        </p:nvSpPr>
+        <p:spPr>
+          <a:xfrm>
+            <a:off x="381300" y="685800"/>
+            <a:ext cx="6096000" cy="3429000"/>
+          </a:xfrm>
+          <a:custGeom>
+            <a:rect b="b" l="l" r="r" t="t"/>
+            <a:pathLst>
+              <a:path extrusionOk="0" h="120000" w="120000">
+                <a:moveTo>
+                  <a:pt x="0" y="0"/>
+                </a:moveTo>
+                <a:lnTo>
+                  <a:pt x="120000" y="0"/>
+                </a:lnTo>
+                <a:lnTo>
+                  <a:pt x="120000" y="120000"/>
+                </a:lnTo>
+                <a:lnTo>
+                  <a:pt x="0" y="120000"/>
+                </a:lnTo>
+                <a:close/>
+              </a:path>
+            </a:pathLst>
+          </a:custGeom>
+        </p:spPr>
+      </p:sp>
+      <p:sp>
+        <p:nvSpPr>
+          <p:cNvPr id="307" name="Google Shape;307;ge00070409f_0_31:notes"/>
+          <p:cNvSpPr txBox="1"/>
+          <p:nvPr>
+            <p:ph idx="1" type="body"/>
+          </p:nvPr>
+        </p:nvSpPr>
+        <p:spPr>
+          <a:xfrm>
+            <a:off x="685800" y="4343400"/>
+            <a:ext cx="5486400" cy="4114800"/>
+          </a:xfrm>
+          <a:prstGeom prst="rect">
+            <a:avLst/>
+          </a:prstGeom>
+        </p:spPr>
+        <p:txBody>
+          <a:bodyPr anchorCtr="0" anchor="t" bIns="91425" lIns="91425" spcFirstLastPara="1" rIns="91425" wrap="square" tIns="91425">
+            <a:noAutofit/>
+          </a:bodyPr>
+          <a:lstStyle/>
+          <a:p>
+            <a:pPr indent="0" lvl="0" marL="0" rtl="0" algn="l">
+              <a:spcBef>
+                <a:spcPts val="0"/>
+              </a:spcBef>
+              <a:spcAft>
+                <a:spcPts val="0"/>
+              </a:spcAft>
+              <a:buNone/>
+            </a:pPr>
+            <a:r>
+              <a:t/>
+            </a:r>
+            <a:endParaRPr/>
+          </a:p>
+        </p:txBody>
+      </p:sp>
+    </p:spTree>
+  </p:cSld>
+  <p:clrMapOvr>
+    <a:masterClrMapping/>
+  </p:clrMapOvr>
+</p:notes>
+</file>
+
+<file path=ppt/notesSlides/notesSlide37.xml><?xml version="1.0" encoding="utf-8"?>
+<p:notes xmlns:a="http://schemas.openxmlformats.org/drawingml/2006/main" xmlns:r="http://schemas.openxmlformats.org/officeDocument/2006/relationships" xmlns:mc="http://schemas.openxmlformats.org/markup-compatibility/2006" xmlns:mv="urn:schemas-microsoft-com:mac:vml" xmlns:p="http://schemas.openxmlformats.org/presentationml/2006/main" xmlns:c="http://schemas.openxmlformats.org/drawingml/2006/chart" xmlns:dgm="http://schemas.openxmlformats.org/drawingml/2006/diagram" xmlns:o="urn:schemas-microsoft-com:office:office" xmlns:v="urn:schemas-microsoft-com:vml" xmlns:pvml="urn:schemas-microsoft-com:office:powerpoint" xmlns:com="http://schemas.openxmlformats.org/drawingml/2006/compatibility" xmlns:p14="http://schemas.microsoft.com/office/powerpoint/2010/main" xmlns:p15="http://schemas.microsoft.com/office/powerpoint/2012/main" xmlns:ahyp="http://schemas.microsoft.com/office/drawing/2018/hyperlinkcolor" showMasterPhAnim="0" showMasterSp="0">
+  <p:cSld>
+    <p:spTree>
+      <p:nvGrpSpPr>
+        <p:cNvPr id="312" name="Shape 312"/>
+        <p:cNvGrpSpPr/>
+        <p:nvPr/>
+      </p:nvGrpSpPr>
+      <p:grpSpPr>
+        <a:xfrm>
+          <a:off x="0" y="0"/>
+          <a:ext cx="0" cy="0"/>
+          <a:chOff x="0" y="0"/>
+          <a:chExt cx="0" cy="0"/>
+        </a:xfrm>
+      </p:grpSpPr>
+      <p:sp>
+        <p:nvSpPr>
+          <p:cNvPr id="313" name="Google Shape;313;ge00070409f_0_60:notes"/>
+          <p:cNvSpPr/>
+          <p:nvPr>
+            <p:ph idx="2" type="sldImg"/>
+          </p:nvPr>
+        </p:nvSpPr>
+        <p:spPr>
+          <a:xfrm>
+            <a:off x="381300" y="685800"/>
+            <a:ext cx="6096000" cy="3429000"/>
+          </a:xfrm>
+          <a:custGeom>
+            <a:rect b="b" l="l" r="r" t="t"/>
+            <a:pathLst>
+              <a:path extrusionOk="0" h="120000" w="120000">
+                <a:moveTo>
+                  <a:pt x="0" y="0"/>
+                </a:moveTo>
+                <a:lnTo>
+                  <a:pt x="120000" y="0"/>
+                </a:lnTo>
+                <a:lnTo>
+                  <a:pt x="120000" y="120000"/>
+                </a:lnTo>
+                <a:lnTo>
+                  <a:pt x="0" y="120000"/>
+                </a:lnTo>
+                <a:close/>
+              </a:path>
+            </a:pathLst>
+          </a:custGeom>
+        </p:spPr>
+      </p:sp>
+      <p:sp>
+        <p:nvSpPr>
+          <p:cNvPr id="314" name="Google Shape;314;ge00070409f_0_60:notes"/>
+          <p:cNvSpPr txBox="1"/>
+          <p:nvPr>
+            <p:ph idx="1" type="body"/>
+          </p:nvPr>
+        </p:nvSpPr>
+        <p:spPr>
+          <a:xfrm>
+            <a:off x="685800" y="4343400"/>
+            <a:ext cx="5486400" cy="4114800"/>
+          </a:xfrm>
+          <a:prstGeom prst="rect">
+            <a:avLst/>
+          </a:prstGeom>
+        </p:spPr>
+        <p:txBody>
+          <a:bodyPr anchorCtr="0" anchor="t" bIns="91425" lIns="91425" spcFirstLastPara="1" rIns="91425" wrap="square" tIns="91425">
+            <a:noAutofit/>
+          </a:bodyPr>
+          <a:lstStyle/>
+          <a:p>
+            <a:pPr indent="0" lvl="0" marL="0" rtl="0" algn="l">
+              <a:spcBef>
+                <a:spcPts val="0"/>
+              </a:spcBef>
+              <a:spcAft>
+                <a:spcPts val="0"/>
+              </a:spcAft>
+              <a:buNone/>
+            </a:pPr>
+            <a:r>
+              <a:t/>
+            </a:r>
+            <a:endParaRPr/>
+          </a:p>
+        </p:txBody>
+      </p:sp>
+    </p:spTree>
+  </p:cSld>
+  <p:clrMapOvr>
+    <a:masterClrMapping/>
+  </p:clrMapOvr>
+</p:notes>
+</file>
+
+<file path=ppt/notesSlides/notesSlide38.xml><?xml version="1.0" encoding="utf-8"?>
+<p:notes xmlns:a="http://schemas.openxmlformats.org/drawingml/2006/main" xmlns:r="http://schemas.openxmlformats.org/officeDocument/2006/relationships" xmlns:mc="http://schemas.openxmlformats.org/markup-compatibility/2006" xmlns:mv="urn:schemas-microsoft-com:mac:vml" xmlns:p="http://schemas.openxmlformats.org/presentationml/2006/main" xmlns:c="http://schemas.openxmlformats.org/drawingml/2006/chart" xmlns:dgm="http://schemas.openxmlformats.org/drawingml/2006/diagram" xmlns:o="urn:schemas-microsoft-com:office:office" xmlns:v="urn:schemas-microsoft-com:vml" xmlns:pvml="urn:schemas-microsoft-com:office:powerpoint" xmlns:com="http://schemas.openxmlformats.org/drawingml/2006/compatibility" xmlns:p14="http://schemas.microsoft.com/office/powerpoint/2010/main" xmlns:p15="http://schemas.microsoft.com/office/powerpoint/2012/main" xmlns:ahyp="http://schemas.microsoft.com/office/drawing/2018/hyperlinkcolor" showMasterPhAnim="0" showMasterSp="0">
+  <p:cSld>
+    <p:spTree>
+      <p:nvGrpSpPr>
+        <p:cNvPr id="319" name="Shape 319"/>
+        <p:cNvGrpSpPr/>
+        <p:nvPr/>
+      </p:nvGrpSpPr>
+      <p:grpSpPr>
+        <a:xfrm>
+          <a:off x="0" y="0"/>
+          <a:ext cx="0" cy="0"/>
+          <a:chOff x="0" y="0"/>
+          <a:chExt cx="0" cy="0"/>
+        </a:xfrm>
+      </p:grpSpPr>
+      <p:sp>
+        <p:nvSpPr>
+          <p:cNvPr id="320" name="Google Shape;320;ge00070409f_0_67:notes"/>
+          <p:cNvSpPr/>
+          <p:nvPr>
+            <p:ph idx="2" type="sldImg"/>
+          </p:nvPr>
+        </p:nvSpPr>
+        <p:spPr>
+          <a:xfrm>
+            <a:off x="381300" y="685800"/>
+            <a:ext cx="6096000" cy="3429000"/>
+          </a:xfrm>
+          <a:custGeom>
+            <a:rect b="b" l="l" r="r" t="t"/>
+            <a:pathLst>
+              <a:path extrusionOk="0" h="120000" w="120000">
+                <a:moveTo>
+                  <a:pt x="0" y="0"/>
+                </a:moveTo>
+                <a:lnTo>
+                  <a:pt x="120000" y="0"/>
+                </a:lnTo>
+                <a:lnTo>
+                  <a:pt x="120000" y="120000"/>
+                </a:lnTo>
+                <a:lnTo>
+                  <a:pt x="0" y="120000"/>
+                </a:lnTo>
+                <a:close/>
+              </a:path>
+            </a:pathLst>
+          </a:custGeom>
+        </p:spPr>
+      </p:sp>
+      <p:sp>
+        <p:nvSpPr>
+          <p:cNvPr id="321" name="Google Shape;321;ge00070409f_0_67:notes"/>
+          <p:cNvSpPr txBox="1"/>
+          <p:nvPr>
+            <p:ph idx="1" type="body"/>
+          </p:nvPr>
+        </p:nvSpPr>
+        <p:spPr>
+          <a:xfrm>
+            <a:off x="685800" y="4343400"/>
+            <a:ext cx="5486400" cy="4114800"/>
+          </a:xfrm>
+          <a:prstGeom prst="rect">
+            <a:avLst/>
+          </a:prstGeom>
+        </p:spPr>
+        <p:txBody>
+          <a:bodyPr anchorCtr="0" anchor="t" bIns="91425" lIns="91425" spcFirstLastPara="1" rIns="91425" wrap="square" tIns="91425">
+            <a:noAutofit/>
+          </a:bodyPr>
+          <a:lstStyle/>
+          <a:p>
+            <a:pPr indent="0" lvl="0" marL="0" rtl="0" algn="l">
+              <a:spcBef>
+                <a:spcPts val="0"/>
+              </a:spcBef>
+              <a:spcAft>
+                <a:spcPts val="0"/>
+              </a:spcAft>
+              <a:buNone/>
+            </a:pPr>
+            <a:r>
+              <a:t/>
+            </a:r>
+            <a:endParaRPr/>
+          </a:p>
+        </p:txBody>
+      </p:sp>
+    </p:spTree>
+  </p:cSld>
+  <p:clrMapOvr>
+    <a:masterClrMapping/>
+  </p:clrMapOvr>
+</p:notes>
+</file>
+
+<file path=ppt/notesSlides/notesSlide39.xml><?xml version="1.0" encoding="utf-8"?>
+<p:notes xmlns:a="http://schemas.openxmlformats.org/drawingml/2006/main" xmlns:r="http://schemas.openxmlformats.org/officeDocument/2006/relationships" xmlns:mc="http://schemas.openxmlformats.org/markup-compatibility/2006" xmlns:mv="urn:schemas-microsoft-com:mac:vml" xmlns:p="http://schemas.openxmlformats.org/presentationml/2006/main" xmlns:c="http://schemas.openxmlformats.org/drawingml/2006/chart" xmlns:dgm="http://schemas.openxmlformats.org/drawingml/2006/diagram" xmlns:o="urn:schemas-microsoft-com:office:office" xmlns:v="urn:schemas-microsoft-com:vml" xmlns:pvml="urn:schemas-microsoft-com:office:powerpoint" xmlns:com="http://schemas.openxmlformats.org/drawingml/2006/compatibility" xmlns:p14="http://schemas.microsoft.com/office/powerpoint/2010/main" xmlns:p15="http://schemas.microsoft.com/office/powerpoint/2012/main" xmlns:ahyp="http://schemas.microsoft.com/office/drawing/2018/hyperlinkcolor" showMasterPhAnim="0" showMasterSp="0">
+  <p:cSld>
+    <p:spTree>
+      <p:nvGrpSpPr>
+        <p:cNvPr id="326" name="Shape 326"/>
+        <p:cNvGrpSpPr/>
+        <p:nvPr/>
+      </p:nvGrpSpPr>
+      <p:grpSpPr>
+        <a:xfrm>
+          <a:off x="0" y="0"/>
+          <a:ext cx="0" cy="0"/>
+          <a:chOff x="0" y="0"/>
+          <a:chExt cx="0" cy="0"/>
+        </a:xfrm>
+      </p:grpSpPr>
+      <p:sp>
+        <p:nvSpPr>
+          <p:cNvPr id="327" name="Google Shape;327;ge00070409f_0_76:notes"/>
+          <p:cNvSpPr/>
+          <p:nvPr>
+            <p:ph idx="2" type="sldImg"/>
+          </p:nvPr>
+        </p:nvSpPr>
+        <p:spPr>
+          <a:xfrm>
+            <a:off x="381300" y="685800"/>
+            <a:ext cx="6096000" cy="3429000"/>
+          </a:xfrm>
+          <a:custGeom>
+            <a:rect b="b" l="l" r="r" t="t"/>
+            <a:pathLst>
+              <a:path extrusionOk="0" h="120000" w="120000">
+                <a:moveTo>
+                  <a:pt x="0" y="0"/>
+                </a:moveTo>
+                <a:lnTo>
+                  <a:pt x="120000" y="0"/>
+                </a:lnTo>
+                <a:lnTo>
+                  <a:pt x="120000" y="120000"/>
+                </a:lnTo>
+                <a:lnTo>
+                  <a:pt x="0" y="120000"/>
+                </a:lnTo>
+                <a:close/>
+              </a:path>
+            </a:pathLst>
+          </a:custGeom>
+        </p:spPr>
+      </p:sp>
+      <p:sp>
+        <p:nvSpPr>
+          <p:cNvPr id="328" name="Google Shape;328;ge00070409f_0_76:notes"/>
           <p:cNvSpPr txBox="1"/>
           <p:nvPr>
             <p:ph idx="1" type="body"/>
@@ -3930,7 +4330,7 @@
       </p:grpSpPr>
       <p:sp>
         <p:nvSpPr>
-          <p:cNvPr id="119" name="Google Shape;119;gcc6c194391_0_591:notes"/>
+          <p:cNvPr id="119" name="Google Shape;119;ge0c75eb178_10_0:notes"/>
           <p:cNvSpPr/>
           <p:nvPr>
             <p:ph idx="2" type="sldImg"/>
@@ -3965,7 +4365,7 @@
       </p:sp>
       <p:sp>
         <p:nvSpPr>
-          <p:cNvPr id="120" name="Google Shape;120;gcc6c194391_0_591:notes"/>
+          <p:cNvPr id="120" name="Google Shape;120;ge0c75eb178_10_0:notes"/>
           <p:cNvSpPr txBox="1"/>
           <p:nvPr>
             <p:ph idx="1" type="body"/>
@@ -4015,7 +4415,7 @@
   <p:cSld>
     <p:spTree>
       <p:nvGrpSpPr>
-        <p:cNvPr id="125" name="Shape 125"/>
+        <p:cNvPr id="123" name="Shape 123"/>
         <p:cNvGrpSpPr/>
         <p:nvPr/>
       </p:nvGrpSpPr>
@@ -4029,7 +4429,7 @@
       </p:grpSpPr>
       <p:sp>
         <p:nvSpPr>
-          <p:cNvPr id="126" name="Google Shape;126;gcc6c194391_0_525:notes"/>
+          <p:cNvPr id="124" name="Google Shape;124;gcc6c194391_0_591:notes"/>
           <p:cNvSpPr/>
           <p:nvPr>
             <p:ph idx="2" type="sldImg"/>
@@ -4064,7 +4464,7 @@
       </p:sp>
       <p:sp>
         <p:nvSpPr>
-          <p:cNvPr id="127" name="Google Shape;127;gcc6c194391_0_525:notes"/>
+          <p:cNvPr id="125" name="Google Shape;125;gcc6c194391_0_591:notes"/>
           <p:cNvSpPr txBox="1"/>
           <p:nvPr>
             <p:ph idx="1" type="body"/>
@@ -4114,7 +4514,7 @@
   <p:cSld>
     <p:spTree>
       <p:nvGrpSpPr>
-        <p:cNvPr id="131" name="Shape 131"/>
+        <p:cNvPr id="130" name="Shape 130"/>
         <p:cNvGrpSpPr/>
         <p:nvPr/>
       </p:nvGrpSpPr>
@@ -4128,7 +4528,7 @@
       </p:grpSpPr>
       <p:sp>
         <p:nvSpPr>
-          <p:cNvPr id="132" name="Google Shape;132;gcc7a6306cc_0_3:notes"/>
+          <p:cNvPr id="131" name="Google Shape;131;gcc6c194391_0_525:notes"/>
           <p:cNvSpPr/>
           <p:nvPr>
             <p:ph idx="2" type="sldImg"/>
@@ -4163,7 +4563,7 @@
       </p:sp>
       <p:sp>
         <p:nvSpPr>
-          <p:cNvPr id="133" name="Google Shape;133;gcc7a6306cc_0_3:notes"/>
+          <p:cNvPr id="132" name="Google Shape;132;gcc6c194391_0_525:notes"/>
           <p:cNvSpPr txBox="1"/>
           <p:nvPr>
             <p:ph idx="1" type="body"/>
@@ -10665,7 +11065,7 @@
   <p:cSld>
     <p:spTree>
       <p:nvGrpSpPr>
-        <p:cNvPr id="140" name="Shape 140"/>
+        <p:cNvPr id="139" name="Shape 139"/>
         <p:cNvGrpSpPr/>
         <p:nvPr/>
       </p:nvGrpSpPr>
@@ -10679,7 +11079,7 @@
       </p:grpSpPr>
       <p:sp>
         <p:nvSpPr>
-          <p:cNvPr id="141" name="Google Shape;141;p22"/>
+          <p:cNvPr id="140" name="Google Shape;140;p22"/>
           <p:cNvSpPr txBox="1"/>
           <p:nvPr>
             <p:ph type="title"/>
@@ -10719,7 +11119,7 @@
       </p:sp>
       <p:sp>
         <p:nvSpPr>
-          <p:cNvPr id="142" name="Google Shape;142;p22"/>
+          <p:cNvPr id="141" name="Google Shape;141;p22"/>
           <p:cNvSpPr txBox="1"/>
           <p:nvPr>
             <p:ph idx="1" type="body"/>
@@ -10736,7 +11136,7 @@
         </p:spPr>
         <p:txBody>
           <a:bodyPr anchorCtr="0" anchor="t" bIns="91425" lIns="91425" spcFirstLastPara="1" rIns="91425" wrap="square" tIns="91425">
-            <a:normAutofit lnSpcReduction="10000"/>
+            <a:normAutofit fontScale="77500"/>
           </a:bodyPr>
           <a:lstStyle/>
           <a:p>
@@ -10750,7 +11150,7 @@
               <a:buNone/>
             </a:pPr>
             <a:r>
-              <a:rPr b="1" lang="en" sz="1500">
+              <a:rPr b="1" lang="en" sz="1725">
                 <a:solidFill>
                   <a:srgbClr val="000000"/>
                 </a:solidFill>
@@ -10759,10 +11159,21 @@
                 <a:cs typeface="Raleway"/>
                 <a:sym typeface="Raleway"/>
               </a:rPr>
-              <a:t>COVID-19 Prediction and Detection Using Deep Learning - Moutaz Alazab, Albara Awajan, Abdelwadood Mesleh, Ajith Abraham, Vansh Jatana, Salah Alhyari</a:t>
+              <a:t>Automatic COVID-19 Detection from X-Ray images using Ensemble Learning with Convolutional Neural Network AMIT KUMAR DAS, SAYANTANI GHOSH, SAMIRUDDIN THUNDER , ROHIT DUTTA , SACHIN AGARWAL  and AMLAN CHAKRABARTI </a:t>
             </a:r>
             <a:br>
-              <a:rPr lang="en" sz="1500">
+              <a:rPr b="1" lang="en" sz="1725">
+                <a:solidFill>
+                  <a:srgbClr val="000000"/>
+                </a:solidFill>
+                <a:latin typeface="Raleway"/>
+                <a:ea typeface="Raleway"/>
+                <a:cs typeface="Raleway"/>
+                <a:sym typeface="Raleway"/>
+              </a:rPr>
+            </a:br>
+            <a:r>
+              <a:rPr lang="en" sz="1725">
                 <a:solidFill>
                   <a:srgbClr val="000000"/>
                 </a:solidFill>
@@ -10771,20 +11182,9 @@
                 <a:cs typeface="Raleway Thin"/>
                 <a:sym typeface="Raleway Thin"/>
               </a:rPr>
-            </a:br>
-            <a:r>
-              <a:rPr lang="en" sz="1500">
-                <a:solidFill>
-                  <a:srgbClr val="000000"/>
-                </a:solidFill>
-                <a:latin typeface="Raleway Thin"/>
-                <a:ea typeface="Raleway Thin"/>
-                <a:cs typeface="Raleway Thin"/>
-                <a:sym typeface="Raleway Thin"/>
-              </a:rPr>
-              <a:t>Findings: A diagnosis model using VGG16 was proposed to detect COVID-19 using chest X-ray images. The model allows the rapid and reliable detection of COVID-19, enabling it to achieve an F-measure of 99% using an augmented dataset. In a future study, we will consider diagnosing COVID-19 in chest CT scan images using the VGG-XX versions and compare their performances using larger datasets.</a:t>
-            </a:r>
-            <a:endParaRPr sz="1500">
+              <a:t>Findings: three state-of-the-art deep learning models, DenseNet201, Resnet50V2 and, Inceptionv3 have been adopted and ensembled. The proposed model has achieved a classification accuracy of 95.7%. Even more important fact is it has given a sensitivity of 98%.</a:t>
+            </a:r>
+            <a:endParaRPr sz="1725">
               <a:solidFill>
                 <a:srgbClr val="000000"/>
               </a:solidFill>
@@ -10793,6 +11193,21 @@
               <a:cs typeface="Raleway Thin"/>
               <a:sym typeface="Raleway Thin"/>
             </a:endParaRPr>
+          </a:p>
+          <a:p>
+            <a:pPr indent="0" lvl="0" marL="0" rtl="0" algn="l">
+              <a:spcBef>
+                <a:spcPts val="1200"/>
+              </a:spcBef>
+              <a:spcAft>
+                <a:spcPts val="0"/>
+              </a:spcAft>
+              <a:buNone/>
+            </a:pPr>
+            <a:r>
+              <a:t/>
+            </a:r>
+            <a:endParaRPr/>
           </a:p>
           <a:p>
             <a:pPr indent="0" lvl="0" marL="0" rtl="0" algn="l">
@@ -10824,7 +11239,7 @@
   <p:cSld>
     <p:spTree>
       <p:nvGrpSpPr>
-        <p:cNvPr id="146" name="Shape 146"/>
+        <p:cNvPr id="145" name="Shape 145"/>
         <p:cNvGrpSpPr/>
         <p:nvPr/>
       </p:nvGrpSpPr>
@@ -10838,7 +11253,7 @@
       </p:grpSpPr>
       <p:sp>
         <p:nvSpPr>
-          <p:cNvPr id="147" name="Google Shape;147;p23"/>
+          <p:cNvPr id="146" name="Google Shape;146;p23"/>
           <p:cNvSpPr txBox="1"/>
           <p:nvPr>
             <p:ph type="title"/>
@@ -10870,7 +11285,7 @@
             </a:pPr>
             <a:r>
               <a:rPr lang="en"/>
-              <a:t>Datasets</a:t>
+              <a:t>Research Paper</a:t>
             </a:r>
             <a:endParaRPr/>
           </a:p>
@@ -10878,7 +11293,7 @@
       </p:sp>
       <p:sp>
         <p:nvSpPr>
-          <p:cNvPr id="148" name="Google Shape;148;p23"/>
+          <p:cNvPr id="147" name="Google Shape;147;p23"/>
           <p:cNvSpPr txBox="1"/>
           <p:nvPr>
             <p:ph idx="1" type="body"/>
@@ -10895,7 +11310,7 @@
         </p:spPr>
         <p:txBody>
           <a:bodyPr anchorCtr="0" anchor="t" bIns="91425" lIns="91425" spcFirstLastPara="1" rIns="91425" wrap="square" tIns="91425">
-            <a:normAutofit/>
+            <a:normAutofit lnSpcReduction="10000"/>
           </a:bodyPr>
           <a:lstStyle/>
           <a:p>
@@ -10909,65 +11324,52 @@
               <a:buNone/>
             </a:pPr>
             <a:r>
-              <a:rPr lang="en"/>
-              <a:t>There are two datasets used in this research work, one for the Data Visualisation part with the help of Tableau (by Salesforce) and the other one is for the CNN trained model for which Python is used - </a:t>
-            </a:r>
-            <a:endParaRPr/>
+              <a:rPr b="1" lang="en" sz="1500">
+                <a:solidFill>
+                  <a:srgbClr val="000000"/>
+                </a:solidFill>
+                <a:latin typeface="Raleway"/>
+                <a:ea typeface="Raleway"/>
+                <a:cs typeface="Raleway"/>
+                <a:sym typeface="Raleway"/>
+              </a:rPr>
+              <a:t>COVID-19 Prediction and Detection Using Deep Learning - Moutaz Alazab, Albara Awajan, Abdelwadood Mesleh, Ajith Abraham, Vansh Jatana, Salah Alhyari</a:t>
+            </a:r>
+            <a:br>
+              <a:rPr lang="en" sz="1500">
+                <a:solidFill>
+                  <a:srgbClr val="000000"/>
+                </a:solidFill>
+                <a:latin typeface="Raleway Thin"/>
+                <a:ea typeface="Raleway Thin"/>
+                <a:cs typeface="Raleway Thin"/>
+                <a:sym typeface="Raleway Thin"/>
+              </a:rPr>
+            </a:br>
+            <a:r>
+              <a:rPr lang="en" sz="1500">
+                <a:solidFill>
+                  <a:srgbClr val="000000"/>
+                </a:solidFill>
+                <a:latin typeface="Raleway Thin"/>
+                <a:ea typeface="Raleway Thin"/>
+                <a:cs typeface="Raleway Thin"/>
+                <a:sym typeface="Raleway Thin"/>
+              </a:rPr>
+              <a:t>Findings: A diagnosis model using VGG16 was proposed to detect COVID-19 using chest X-ray images. The model allows the rapid and reliable detection of COVID-19, enabling it to achieve an F-measure of 99% using an augmented dataset. In a future study, we will consider diagnosing COVID-19 in chest CT scan images using the VGG-XX versions and compare their performances using larger datasets.</a:t>
+            </a:r>
+            <a:endParaRPr sz="1500">
+              <a:solidFill>
+                <a:srgbClr val="000000"/>
+              </a:solidFill>
+              <a:latin typeface="Raleway Thin"/>
+              <a:ea typeface="Raleway Thin"/>
+              <a:cs typeface="Raleway Thin"/>
+              <a:sym typeface="Raleway Thin"/>
+            </a:endParaRPr>
           </a:p>
           <a:p>
-            <a:pPr indent="-311150" lvl="0" marL="457200" rtl="0" algn="just">
-              <a:spcBef>
-                <a:spcPts val="1200"/>
-              </a:spcBef>
-              <a:spcAft>
-                <a:spcPts val="0"/>
-              </a:spcAft>
-              <a:buSzPts val="1300"/>
-              <a:buAutoNum type="arabicPeriod"/>
-            </a:pPr>
-            <a:r>
-              <a:rPr lang="en"/>
-              <a:t>Our World in Data - </a:t>
-            </a:r>
-            <a:r>
-              <a:rPr lang="en" u="sng">
-                <a:solidFill>
-                  <a:schemeClr val="hlink"/>
-                </a:solidFill>
-                <a:hlinkClick r:id="rId3"/>
-              </a:rPr>
-              <a:t>https://ourworldindata.org/coronavirus-source-data</a:t>
-            </a:r>
-            <a:endParaRPr/>
-          </a:p>
-          <a:p>
-            <a:pPr indent="-311150" lvl="0" marL="457200" rtl="0" algn="just">
-              <a:spcBef>
-                <a:spcPts val="0"/>
-              </a:spcBef>
-              <a:spcAft>
-                <a:spcPts val="0"/>
-              </a:spcAft>
-              <a:buSzPts val="1300"/>
-              <a:buAutoNum type="arabicPeriod"/>
-            </a:pPr>
-            <a:r>
-              <a:rPr lang="en"/>
-              <a:t>Kaggle - </a:t>
-            </a:r>
-            <a:r>
-              <a:rPr lang="en" u="sng">
-                <a:solidFill>
-                  <a:schemeClr val="hlink"/>
-                </a:solidFill>
-                <a:hlinkClick r:id="rId4"/>
-              </a:rPr>
-              <a:t>https://www.kaggle.com/tawsifurrahman/covid19-radiography-database</a:t>
-            </a:r>
-            <a:endParaRPr/>
-          </a:p>
-          <a:p>
-            <a:pPr indent="0" lvl="0" marL="457200" rtl="0" algn="l">
+            <a:pPr indent="0" lvl="0" marL="0" rtl="0" algn="l">
               <a:spcBef>
                 <a:spcPts val="1200"/>
               </a:spcBef>
@@ -10996,7 +11398,7 @@
   <p:cSld>
     <p:spTree>
       <p:nvGrpSpPr>
-        <p:cNvPr id="152" name="Shape 152"/>
+        <p:cNvPr id="151" name="Shape 151"/>
         <p:cNvGrpSpPr/>
         <p:nvPr/>
       </p:nvGrpSpPr>
@@ -11010,7 +11412,7 @@
       </p:grpSpPr>
       <p:sp>
         <p:nvSpPr>
-          <p:cNvPr id="153" name="Google Shape;153;p24"/>
+          <p:cNvPr id="152" name="Google Shape;152;p24"/>
           <p:cNvSpPr txBox="1"/>
           <p:nvPr>
             <p:ph type="title"/>
@@ -11042,7 +11444,7 @@
             </a:pPr>
             <a:r>
               <a:rPr lang="en"/>
-              <a:t>Dataset - For Data Visualisation</a:t>
+              <a:t>Datasets</a:t>
             </a:r>
             <a:endParaRPr/>
           </a:p>
@@ -11050,7 +11452,7 @@
       </p:sp>
       <p:sp>
         <p:nvSpPr>
-          <p:cNvPr id="154" name="Google Shape;154;p24"/>
+          <p:cNvPr id="153" name="Google Shape;153;p24"/>
           <p:cNvSpPr txBox="1"/>
           <p:nvPr>
             <p:ph idx="1" type="body"/>
@@ -11076,13 +11478,158 @@
                 <a:spcPts val="0"/>
               </a:spcBef>
               <a:spcAft>
+                <a:spcPts val="0"/>
+              </a:spcAft>
+              <a:buNone/>
+            </a:pPr>
+            <a:r>
+              <a:rPr lang="en">
+                <a:solidFill>
+                  <a:schemeClr val="dk2"/>
+                </a:solidFill>
+              </a:rPr>
+              <a:t>There are three datasets used in this research work, one for the Data Visualisation part with the help of Tableau (by Salesforce) and the other two are for the CNN trained model for which Python is used - </a:t>
+            </a:r>
+            <a:endParaRPr>
+              <a:solidFill>
+                <a:schemeClr val="dk2"/>
+              </a:solidFill>
+            </a:endParaRPr>
+          </a:p>
+          <a:p>
+            <a:pPr indent="-311150" lvl="0" marL="457200" rtl="0" algn="just">
+              <a:spcBef>
                 <a:spcPts val="1200"/>
-              </a:spcAft>
-              <a:buNone/>
+              </a:spcBef>
+              <a:spcAft>
+                <a:spcPts val="0"/>
+              </a:spcAft>
+              <a:buClr>
+                <a:schemeClr val="dk2"/>
+              </a:buClr>
+              <a:buSzPts val="1300"/>
+              <a:buAutoNum type="arabicPeriod"/>
             </a:pPr>
             <a:r>
-              <a:rPr lang="en"/>
-              <a:t>The dataset being used for Data Visualisation and Analysis is OWID (Our World In Data) which is a scientific online publication that focuses on large global problems such as poverty, disease, hunger, etc. This dataset contains tuples of about 80,000+ which gets updated on a daily basis, and the set is time-series data for the countries in the world (193), provided with their population and population density as well. The important attributes of this dataset that have come to our use are the daily report on the covid19 cases, deaths, tests done, and vaccinations.</a:t>
+              <a:rPr lang="en">
+                <a:solidFill>
+                  <a:schemeClr val="dk2"/>
+                </a:solidFill>
+              </a:rPr>
+              <a:t>Our World in Data - </a:t>
+            </a:r>
+            <a:r>
+              <a:rPr lang="en" u="sng">
+                <a:solidFill>
+                  <a:schemeClr val="dk2"/>
+                </a:solidFill>
+                <a:hlinkClick r:id="rId3">
+                  <a:extLst>
+                    <a:ext uri="{A12FA001-AC4F-418D-AE19-62706E023703}">
+                      <ahyp:hlinkClr val="tx"/>
+                    </a:ext>
+                  </a:extLst>
+                </a:hlinkClick>
+              </a:rPr>
+              <a:t>https://ourworldindata.org/coronavirus-source-data</a:t>
+            </a:r>
+            <a:endParaRPr>
+              <a:solidFill>
+                <a:schemeClr val="dk2"/>
+              </a:solidFill>
+            </a:endParaRPr>
+          </a:p>
+          <a:p>
+            <a:pPr indent="-311150" lvl="0" marL="457200" rtl="0" algn="just">
+              <a:spcBef>
+                <a:spcPts val="0"/>
+              </a:spcBef>
+              <a:spcAft>
+                <a:spcPts val="0"/>
+              </a:spcAft>
+              <a:buClr>
+                <a:schemeClr val="dk2"/>
+              </a:buClr>
+              <a:buSzPts val="1300"/>
+              <a:buAutoNum type="arabicPeriod"/>
+            </a:pPr>
+            <a:r>
+              <a:rPr lang="en">
+                <a:solidFill>
+                  <a:schemeClr val="dk2"/>
+                </a:solidFill>
+              </a:rPr>
+              <a:t>Kaggle - </a:t>
+            </a:r>
+            <a:r>
+              <a:rPr lang="en" u="sng">
+                <a:solidFill>
+                  <a:schemeClr val="dk2"/>
+                </a:solidFill>
+                <a:hlinkClick r:id="rId4">
+                  <a:extLst>
+                    <a:ext uri="{A12FA001-AC4F-418D-AE19-62706E023703}">
+                      <ahyp:hlinkClr val="tx"/>
+                    </a:ext>
+                  </a:extLst>
+                </a:hlinkClick>
+              </a:rPr>
+              <a:t>https://www.kaggle.com/tawsifurrahman/covid19-radiography-database</a:t>
+            </a:r>
+            <a:endParaRPr>
+              <a:solidFill>
+                <a:schemeClr val="dk2"/>
+              </a:solidFill>
+            </a:endParaRPr>
+          </a:p>
+          <a:p>
+            <a:pPr indent="-311150" lvl="0" marL="457200" rtl="0" algn="just">
+              <a:spcBef>
+                <a:spcPts val="0"/>
+              </a:spcBef>
+              <a:spcAft>
+                <a:spcPts val="0"/>
+              </a:spcAft>
+              <a:buClr>
+                <a:schemeClr val="dk2"/>
+              </a:buClr>
+              <a:buSzPts val="1300"/>
+              <a:buAutoNum type="arabicPeriod"/>
+            </a:pPr>
+            <a:r>
+              <a:rPr lang="en">
+                <a:solidFill>
+                  <a:schemeClr val="dk2"/>
+                </a:solidFill>
+              </a:rPr>
+              <a:t>Kaggle - </a:t>
+            </a:r>
+            <a:r>
+              <a:rPr lang="en" u="sng">
+                <a:solidFill>
+                  <a:schemeClr val="dk2"/>
+                </a:solidFill>
+              </a:rPr>
+              <a:t>https://www.kaggle.com/paultimothymooney/chest-xray-pneumonia</a:t>
+            </a:r>
+            <a:endParaRPr u="sng">
+              <a:solidFill>
+                <a:schemeClr val="dk2"/>
+              </a:solidFill>
+            </a:endParaRPr>
+          </a:p>
+          <a:p>
+            <a:pPr indent="0" lvl="0" marL="457200" rtl="0" algn="l">
+              <a:spcBef>
+                <a:spcPts val="1200"/>
+              </a:spcBef>
+              <a:spcAft>
+                <a:spcPts val="1200"/>
+              </a:spcAft>
+              <a:buNone/>
+            </a:pPr>
+            <a:r>
+              <a:t/>
             </a:r>
             <a:endParaRPr/>
           </a:p>
@@ -11101,7 +11648,7 @@
   <p:cSld>
     <p:spTree>
       <p:nvGrpSpPr>
-        <p:cNvPr id="158" name="Shape 158"/>
+        <p:cNvPr id="157" name="Shape 157"/>
         <p:cNvGrpSpPr/>
         <p:nvPr/>
       </p:nvGrpSpPr>
@@ -11115,7 +11662,7 @@
       </p:grpSpPr>
       <p:sp>
         <p:nvSpPr>
-          <p:cNvPr id="159" name="Google Shape;159;p25"/>
+          <p:cNvPr id="158" name="Google Shape;158;p25"/>
           <p:cNvSpPr txBox="1"/>
           <p:nvPr>
             <p:ph type="title"/>
@@ -11147,7 +11694,7 @@
             </a:pPr>
             <a:r>
               <a:rPr lang="en"/>
-              <a:t>Dataset - For CNN Model</a:t>
+              <a:t>Dataset - For Data Visualisation</a:t>
             </a:r>
             <a:endParaRPr/>
           </a:p>
@@ -11155,7 +11702,7 @@
       </p:sp>
       <p:sp>
         <p:nvSpPr>
-          <p:cNvPr id="160" name="Google Shape;160;p25"/>
+          <p:cNvPr id="159" name="Google Shape;159;p25"/>
           <p:cNvSpPr txBox="1"/>
           <p:nvPr>
             <p:ph idx="1" type="body"/>
@@ -11172,7 +11719,112 @@
         </p:spPr>
         <p:txBody>
           <a:bodyPr anchorCtr="0" anchor="t" bIns="91425" lIns="91425" spcFirstLastPara="1" rIns="91425" wrap="square" tIns="91425">
-            <a:normAutofit lnSpcReduction="10000"/>
+            <a:normAutofit/>
+          </a:bodyPr>
+          <a:lstStyle/>
+          <a:p>
+            <a:pPr indent="0" lvl="0" marL="0" rtl="0" algn="just">
+              <a:spcBef>
+                <a:spcPts val="0"/>
+              </a:spcBef>
+              <a:spcAft>
+                <a:spcPts val="1200"/>
+              </a:spcAft>
+              <a:buNone/>
+            </a:pPr>
+            <a:r>
+              <a:rPr lang="en"/>
+              <a:t>The dataset being used for Data Visualisation and Analysis is OWID (Our World In Data) which is a scientific online publication that focuses on large global problems such as poverty, disease, hunger, etc. This dataset contains tuples of about 80,000+ which gets updated on a daily basis, and the set is time-series data for the countries in the world (193), provided with their population and population density as well. The important attributes of this dataset that have come to our use are the daily report on the covid19 cases, deaths, tests done, and vaccinations.</a:t>
+            </a:r>
+            <a:endParaRPr/>
+          </a:p>
+        </p:txBody>
+      </p:sp>
+    </p:spTree>
+  </p:cSld>
+  <p:clrMapOvr>
+    <a:masterClrMapping/>
+  </p:clrMapOvr>
+</p:sld>
+</file>
+
+<file path=ppt/slides/slide14.xml><?xml version="1.0" encoding="utf-8"?>
+<p:sld xmlns:a="http://schemas.openxmlformats.org/drawingml/2006/main" xmlns:r="http://schemas.openxmlformats.org/officeDocument/2006/relationships" xmlns:mc="http://schemas.openxmlformats.org/markup-compatibility/2006" xmlns:mv="urn:schemas-microsoft-com:mac:vml" xmlns:p="http://schemas.openxmlformats.org/presentationml/2006/main" xmlns:c="http://schemas.openxmlformats.org/drawingml/2006/chart" xmlns:dgm="http://schemas.openxmlformats.org/drawingml/2006/diagram" xmlns:o="urn:schemas-microsoft-com:office:office" xmlns:v="urn:schemas-microsoft-com:vml" xmlns:pvml="urn:schemas-microsoft-com:office:powerpoint" xmlns:com="http://schemas.openxmlformats.org/drawingml/2006/compatibility" xmlns:p14="http://schemas.microsoft.com/office/powerpoint/2010/main" xmlns:p15="http://schemas.microsoft.com/office/powerpoint/2012/main" xmlns:ahyp="http://schemas.microsoft.com/office/drawing/2018/hyperlinkcolor">
+  <p:cSld>
+    <p:spTree>
+      <p:nvGrpSpPr>
+        <p:cNvPr id="163" name="Shape 163"/>
+        <p:cNvGrpSpPr/>
+        <p:nvPr/>
+      </p:nvGrpSpPr>
+      <p:grpSpPr>
+        <a:xfrm>
+          <a:off x="0" y="0"/>
+          <a:ext cx="0" cy="0"/>
+          <a:chOff x="0" y="0"/>
+          <a:chExt cx="0" cy="0"/>
+        </a:xfrm>
+      </p:grpSpPr>
+      <p:sp>
+        <p:nvSpPr>
+          <p:cNvPr id="164" name="Google Shape;164;p26"/>
+          <p:cNvSpPr txBox="1"/>
+          <p:nvPr>
+            <p:ph type="title"/>
+          </p:nvPr>
+        </p:nvSpPr>
+        <p:spPr>
+          <a:xfrm>
+            <a:off x="729450" y="1318650"/>
+            <a:ext cx="7688700" cy="535200"/>
+          </a:xfrm>
+          <a:prstGeom prst="rect">
+            <a:avLst/>
+          </a:prstGeom>
+        </p:spPr>
+        <p:txBody>
+          <a:bodyPr anchorCtr="0" anchor="t" bIns="91425" lIns="91425" spcFirstLastPara="1" rIns="91425" wrap="square" tIns="91425">
+            <a:normAutofit fontScale="90000"/>
+          </a:bodyPr>
+          <a:lstStyle/>
+          <a:p>
+            <a:pPr indent="0" lvl="0" marL="0" rtl="0" algn="l">
+              <a:spcBef>
+                <a:spcPts val="0"/>
+              </a:spcBef>
+              <a:spcAft>
+                <a:spcPts val="0"/>
+              </a:spcAft>
+              <a:buNone/>
+            </a:pPr>
+            <a:r>
+              <a:rPr lang="en"/>
+              <a:t>Dataset - For Predictions</a:t>
+            </a:r>
+            <a:endParaRPr/>
+          </a:p>
+        </p:txBody>
+      </p:sp>
+      <p:sp>
+        <p:nvSpPr>
+          <p:cNvPr id="165" name="Google Shape;165;p26"/>
+          <p:cNvSpPr txBox="1"/>
+          <p:nvPr>
+            <p:ph idx="1" type="body"/>
+          </p:nvPr>
+        </p:nvSpPr>
+        <p:spPr>
+          <a:xfrm>
+            <a:off x="729450" y="2078875"/>
+            <a:ext cx="7688700" cy="2261100"/>
+          </a:xfrm>
+          <a:prstGeom prst="rect">
+            <a:avLst/>
+          </a:prstGeom>
+        </p:spPr>
+        <p:txBody>
+          <a:bodyPr anchorCtr="0" anchor="t" bIns="91425" lIns="91425" spcFirstLastPara="1" rIns="91425" wrap="square" tIns="91425">
+            <a:normAutofit lnSpcReduction="20000"/>
           </a:bodyPr>
           <a:lstStyle/>
           <a:p>
@@ -11195,7 +11847,7 @@
                 <a:cs typeface="Raleway Thin"/>
                 <a:sym typeface="Raleway Thin"/>
               </a:rPr>
-              <a:t>The dataset being used for training purposes it the COVID-19 Radiology Dataset from Kaggle. The dataset comprises of 3 classes of chest X-rays namely: Normal, Viral Pneumonia and COVID-19. The total number of X-rays available for COVID is: 3616 , Viral Pneumonia : 1346 and 10,192 Normal X-rays. </a:t>
+              <a:t>The dataset being used for training purposes it the COVID-19 Radiology Dataset and Pneumonia Detection Dataset from Kaggle. The dataset comprises of 3 classes of chest X-rays namely: Normal, Viral Pneumonia and COVID-19. The total number of X-rays available for COVID is: 3616 , Viral Pneumonia : 1346 and 10,192 Normal X-rays. </a:t>
             </a:r>
             <a:r>
               <a:rPr lang="en" sz="1400">
@@ -11240,7 +11892,7 @@
                 <a:cs typeface="Raleway Thin"/>
                 <a:sym typeface="Raleway Thin"/>
               </a:rPr>
-              <a:t> 2019 Dataset developed by Joseph Paul Cohen and Paul Morrison, and Lan Dao in GitHub [2] and images extracted from 43 different publications.</a:t>
+              <a:t> 2019 Dataset developed by Joseph Paul Cohen and Paul Morrison, and Lan Dao in GitHub [3] and images extracted from 43 different publications.</a:t>
             </a:r>
             <a:br>
               <a:rPr lang="en" sz="1400">
@@ -11305,12 +11957,12 @@
 </p:sld>
 </file>
 
-<file path=ppt/slides/slide14.xml><?xml version="1.0" encoding="utf-8"?>
+<file path=ppt/slides/slide15.xml><?xml version="1.0" encoding="utf-8"?>
 <p:sld xmlns:a="http://schemas.openxmlformats.org/drawingml/2006/main" xmlns:r="http://schemas.openxmlformats.org/officeDocument/2006/relationships" xmlns:mc="http://schemas.openxmlformats.org/markup-compatibility/2006" xmlns:mv="urn:schemas-microsoft-com:mac:vml" xmlns:p="http://schemas.openxmlformats.org/presentationml/2006/main" xmlns:c="http://schemas.openxmlformats.org/drawingml/2006/chart" xmlns:dgm="http://schemas.openxmlformats.org/drawingml/2006/diagram" xmlns:o="urn:schemas-microsoft-com:office:office" xmlns:v="urn:schemas-microsoft-com:vml" xmlns:pvml="urn:schemas-microsoft-com:office:powerpoint" xmlns:com="http://schemas.openxmlformats.org/drawingml/2006/compatibility" xmlns:p14="http://schemas.microsoft.com/office/powerpoint/2010/main" xmlns:p15="http://schemas.microsoft.com/office/powerpoint/2012/main" xmlns:ahyp="http://schemas.microsoft.com/office/drawing/2018/hyperlinkcolor">
   <p:cSld>
     <p:spTree>
       <p:nvGrpSpPr>
-        <p:cNvPr id="164" name="Shape 164"/>
+        <p:cNvPr id="169" name="Shape 169"/>
         <p:cNvGrpSpPr/>
         <p:nvPr/>
       </p:nvGrpSpPr>
@@ -11324,7 +11976,7 @@
       </p:grpSpPr>
       <p:sp>
         <p:nvSpPr>
-          <p:cNvPr id="165" name="Google Shape;165;p26"/>
+          <p:cNvPr id="170" name="Google Shape;170;p27"/>
           <p:cNvSpPr txBox="1"/>
           <p:nvPr>
             <p:ph type="title"/>
@@ -11364,7 +12016,7 @@
       </p:sp>
       <p:sp>
         <p:nvSpPr>
-          <p:cNvPr id="166" name="Google Shape;166;p26"/>
+          <p:cNvPr id="171" name="Google Shape;171;p27"/>
           <p:cNvSpPr txBox="1"/>
           <p:nvPr>
             <p:ph idx="1" type="body"/>
@@ -11403,7 +12055,7 @@
       </p:sp>
       <p:pic>
         <p:nvPicPr>
-          <p:cNvPr id="167" name="Google Shape;167;p26"/>
+          <p:cNvPr id="172" name="Google Shape;172;p27"/>
           <p:cNvPicPr preferRelativeResize="0"/>
           <p:nvPr/>
         </p:nvPicPr>
@@ -11419,138 +12071,6 @@
           <a:xfrm>
             <a:off x="2505077" y="1528265"/>
             <a:ext cx="3362325" cy="3362325"/>
-          </a:xfrm>
-          <a:prstGeom prst="rect">
-            <a:avLst/>
-          </a:prstGeom>
-          <a:noFill/>
-          <a:ln>
-            <a:noFill/>
-          </a:ln>
-        </p:spPr>
-      </p:pic>
-    </p:spTree>
-  </p:cSld>
-  <p:clrMapOvr>
-    <a:masterClrMapping/>
-  </p:clrMapOvr>
-</p:sld>
-</file>
-
-<file path=ppt/slides/slide15.xml><?xml version="1.0" encoding="utf-8"?>
-<p:sld xmlns:a="http://schemas.openxmlformats.org/drawingml/2006/main" xmlns:r="http://schemas.openxmlformats.org/officeDocument/2006/relationships" xmlns:mc="http://schemas.openxmlformats.org/markup-compatibility/2006" xmlns:mv="urn:schemas-microsoft-com:mac:vml" xmlns:p="http://schemas.openxmlformats.org/presentationml/2006/main" xmlns:c="http://schemas.openxmlformats.org/drawingml/2006/chart" xmlns:dgm="http://schemas.openxmlformats.org/drawingml/2006/diagram" xmlns:o="urn:schemas-microsoft-com:office:office" xmlns:v="urn:schemas-microsoft-com:vml" xmlns:pvml="urn:schemas-microsoft-com:office:powerpoint" xmlns:com="http://schemas.openxmlformats.org/drawingml/2006/compatibility" xmlns:p14="http://schemas.microsoft.com/office/powerpoint/2010/main" xmlns:p15="http://schemas.microsoft.com/office/powerpoint/2012/main" xmlns:ahyp="http://schemas.microsoft.com/office/drawing/2018/hyperlinkcolor">
-  <p:cSld>
-    <p:spTree>
-      <p:nvGrpSpPr>
-        <p:cNvPr id="171" name="Shape 171"/>
-        <p:cNvGrpSpPr/>
-        <p:nvPr/>
-      </p:nvGrpSpPr>
-      <p:grpSpPr>
-        <a:xfrm>
-          <a:off x="0" y="0"/>
-          <a:ext cx="0" cy="0"/>
-          <a:chOff x="0" y="0"/>
-          <a:chExt cx="0" cy="0"/>
-        </a:xfrm>
-      </p:grpSpPr>
-      <p:sp>
-        <p:nvSpPr>
-          <p:cNvPr id="172" name="Google Shape;172;p27"/>
-          <p:cNvSpPr txBox="1"/>
-          <p:nvPr>
-            <p:ph type="title"/>
-          </p:nvPr>
-        </p:nvSpPr>
-        <p:spPr>
-          <a:xfrm>
-            <a:off x="2272500" y="879300"/>
-            <a:ext cx="7688700" cy="535200"/>
-          </a:xfrm>
-          <a:prstGeom prst="rect">
-            <a:avLst/>
-          </a:prstGeom>
-        </p:spPr>
-        <p:txBody>
-          <a:bodyPr anchorCtr="0" anchor="t" bIns="91425" lIns="91425" spcFirstLastPara="1" rIns="91425" wrap="square" tIns="91425">
-            <a:normAutofit fontScale="90000"/>
-          </a:bodyPr>
-          <a:lstStyle/>
-          <a:p>
-            <a:pPr indent="0" lvl="0" marL="0" rtl="0" algn="l">
-              <a:spcBef>
-                <a:spcPts val="0"/>
-              </a:spcBef>
-              <a:spcAft>
-                <a:spcPts val="0"/>
-              </a:spcAft>
-              <a:buNone/>
-            </a:pPr>
-            <a:r>
-              <a:rPr lang="en"/>
-              <a:t>Viral Pneumonia Lung X-Ray</a:t>
-            </a:r>
-            <a:endParaRPr/>
-          </a:p>
-        </p:txBody>
-      </p:sp>
-      <p:sp>
-        <p:nvSpPr>
-          <p:cNvPr id="173" name="Google Shape;173;p27"/>
-          <p:cNvSpPr txBox="1"/>
-          <p:nvPr>
-            <p:ph idx="1" type="body"/>
-          </p:nvPr>
-        </p:nvSpPr>
-        <p:spPr>
-          <a:xfrm>
-            <a:off x="729450" y="2078875"/>
-            <a:ext cx="7688700" cy="2261100"/>
-          </a:xfrm>
-          <a:prstGeom prst="rect">
-            <a:avLst/>
-          </a:prstGeom>
-        </p:spPr>
-        <p:txBody>
-          <a:bodyPr anchorCtr="0" anchor="t" bIns="91425" lIns="91425" spcFirstLastPara="1" rIns="91425" wrap="square" tIns="91425">
-            <a:normAutofit/>
-          </a:bodyPr>
-          <a:lstStyle/>
-          <a:p>
-            <a:pPr indent="0" lvl="0" marL="0" rtl="0" algn="l">
-              <a:spcBef>
-                <a:spcPts val="0"/>
-              </a:spcBef>
-              <a:spcAft>
-                <a:spcPts val="1200"/>
-              </a:spcAft>
-              <a:buNone/>
-            </a:pPr>
-            <a:r>
-              <a:t/>
-            </a:r>
-            <a:endParaRPr/>
-          </a:p>
-        </p:txBody>
-      </p:sp>
-      <p:pic>
-        <p:nvPicPr>
-          <p:cNvPr id="174" name="Google Shape;174;p27"/>
-          <p:cNvPicPr preferRelativeResize="0"/>
-          <p:nvPr/>
-        </p:nvPicPr>
-        <p:blipFill>
-          <a:blip r:embed="rId3">
-            <a:alphaModFix/>
-          </a:blip>
-          <a:stretch>
-            <a:fillRect/>
-          </a:stretch>
-        </p:blipFill>
-        <p:spPr>
-          <a:xfrm>
-            <a:off x="2615403" y="1514128"/>
-            <a:ext cx="3509175" cy="3509175"/>
           </a:xfrm>
           <a:prstGeom prst="rect">
             <a:avLst/>
@@ -11574,7 +12094,7 @@
   <p:cSld>
     <p:spTree>
       <p:nvGrpSpPr>
-        <p:cNvPr id="178" name="Shape 178"/>
+        <p:cNvPr id="176" name="Shape 176"/>
         <p:cNvGrpSpPr/>
         <p:nvPr/>
       </p:nvGrpSpPr>
@@ -11588,7 +12108,7 @@
       </p:grpSpPr>
       <p:sp>
         <p:nvSpPr>
-          <p:cNvPr id="179" name="Google Shape;179;p28"/>
+          <p:cNvPr id="177" name="Google Shape;177;p28"/>
           <p:cNvSpPr txBox="1"/>
           <p:nvPr>
             <p:ph type="title"/>
@@ -11596,7 +12116,7 @@
         </p:nvSpPr>
         <p:spPr>
           <a:xfrm>
-            <a:off x="2851150" y="675725"/>
+            <a:off x="2272500" y="879300"/>
             <a:ext cx="7688700" cy="535200"/>
           </a:xfrm>
           <a:prstGeom prst="rect">
@@ -11620,7 +12140,7 @@
             </a:pPr>
             <a:r>
               <a:rPr lang="en"/>
-              <a:t>Normal Lung X-Ray</a:t>
+              <a:t>Viral Pneumonia Lung X-Ray</a:t>
             </a:r>
             <a:endParaRPr/>
           </a:p>
@@ -11628,7 +12148,7 @@
       </p:sp>
       <p:sp>
         <p:nvSpPr>
-          <p:cNvPr id="180" name="Google Shape;180;p28"/>
+          <p:cNvPr id="178" name="Google Shape;178;p28"/>
           <p:cNvSpPr txBox="1"/>
           <p:nvPr>
             <p:ph idx="1" type="body"/>
@@ -11667,7 +12187,7 @@
       </p:sp>
       <p:pic>
         <p:nvPicPr>
-          <p:cNvPr id="181" name="Google Shape;181;p28"/>
+          <p:cNvPr id="179" name="Google Shape;179;p28"/>
           <p:cNvPicPr preferRelativeResize="0"/>
           <p:nvPr/>
         </p:nvPicPr>
@@ -11681,8 +12201,8 @@
         </p:blipFill>
         <p:spPr>
           <a:xfrm>
-            <a:off x="2574125" y="1478750"/>
-            <a:ext cx="3480225" cy="3480225"/>
+            <a:off x="2615403" y="1514128"/>
+            <a:ext cx="3509175" cy="3509175"/>
           </a:xfrm>
           <a:prstGeom prst="rect">
             <a:avLst/>
@@ -11706,7 +12226,7 @@
   <p:cSld>
     <p:spTree>
       <p:nvGrpSpPr>
-        <p:cNvPr id="185" name="Shape 185"/>
+        <p:cNvPr id="183" name="Shape 183"/>
         <p:cNvGrpSpPr/>
         <p:nvPr/>
       </p:nvGrpSpPr>
@@ -11720,7 +12240,7 @@
       </p:grpSpPr>
       <p:sp>
         <p:nvSpPr>
-          <p:cNvPr id="186" name="Google Shape;186;p29"/>
+          <p:cNvPr id="184" name="Google Shape;184;p29"/>
           <p:cNvSpPr txBox="1"/>
           <p:nvPr>
             <p:ph type="title"/>
@@ -11728,7 +12248,7 @@
         </p:nvSpPr>
         <p:spPr>
           <a:xfrm>
-            <a:off x="729450" y="1318650"/>
+            <a:off x="2851150" y="675725"/>
             <a:ext cx="7688700" cy="535200"/>
           </a:xfrm>
           <a:prstGeom prst="rect">
@@ -11752,7 +12272,7 @@
             </a:pPr>
             <a:r>
               <a:rPr lang="en"/>
-              <a:t>Data Visualisation</a:t>
+              <a:t>Normal Lung X-Ray</a:t>
             </a:r>
             <a:endParaRPr/>
           </a:p>
@@ -11760,7 +12280,7 @@
       </p:sp>
       <p:sp>
         <p:nvSpPr>
-          <p:cNvPr id="187" name="Google Shape;187;p29"/>
+          <p:cNvPr id="185" name="Google Shape;185;p29"/>
           <p:cNvSpPr txBox="1"/>
           <p:nvPr>
             <p:ph idx="1" type="body"/>
@@ -11781,23 +12301,50 @@
           </a:bodyPr>
           <a:lstStyle/>
           <a:p>
-            <a:pPr indent="0" lvl="0" marL="0" rtl="0" algn="just">
-              <a:spcBef>
+            <a:pPr indent="0" lvl="0" marL="0" rtl="0" algn="l">
+              <a:spcBef>
+                <a:spcPts val="0"/>
+              </a:spcBef>
+              <a:spcAft>
                 <a:spcPts val="1200"/>
-              </a:spcBef>
-              <a:spcAft>
-                <a:spcPts val="1200"/>
               </a:spcAft>
               <a:buNone/>
             </a:pPr>
             <a:r>
-              <a:rPr lang="en" sz="1308"/>
-              <a:t>Data Visualization is a graphical representation of data using charts, graphs, tables, and maps, etc. This technique is imperative as it allows us to see the trends and patterns in the data more clearly and effectively, which results in a better understanding of the data. These data visualization tools and techniques come to use even more when dealing with Big Data to analyze it and make data-driven decisions. In this study of Covid19, the software used for Data Visualization in Tableau. As far as Covid19 is concerned, it is very important to know the status of the spread factor across the world before moving ahead towards getting a conclusion with the help of the CNN Model.</a:t>
-            </a:r>
-            <a:endParaRPr sz="1308"/>
+              <a:t/>
+            </a:r>
+            <a:endParaRPr/>
           </a:p>
         </p:txBody>
       </p:sp>
+      <p:pic>
+        <p:nvPicPr>
+          <p:cNvPr id="186" name="Google Shape;186;p29"/>
+          <p:cNvPicPr preferRelativeResize="0"/>
+          <p:nvPr/>
+        </p:nvPicPr>
+        <p:blipFill>
+          <a:blip r:embed="rId3">
+            <a:alphaModFix/>
+          </a:blip>
+          <a:stretch>
+            <a:fillRect/>
+          </a:stretch>
+        </p:blipFill>
+        <p:spPr>
+          <a:xfrm>
+            <a:off x="2574125" y="1478750"/>
+            <a:ext cx="3480225" cy="3480225"/>
+          </a:xfrm>
+          <a:prstGeom prst="rect">
+            <a:avLst/>
+          </a:prstGeom>
+          <a:noFill/>
+          <a:ln>
+            <a:noFill/>
+          </a:ln>
+        </p:spPr>
+      </p:pic>
     </p:spTree>
   </p:cSld>
   <p:clrMapOvr>
@@ -11811,7 +12358,7 @@
   <p:cSld>
     <p:spTree>
       <p:nvGrpSpPr>
-        <p:cNvPr id="191" name="Shape 191"/>
+        <p:cNvPr id="190" name="Shape 190"/>
         <p:cNvGrpSpPr/>
         <p:nvPr/>
       </p:nvGrpSpPr>
@@ -11825,7 +12372,7 @@
       </p:grpSpPr>
       <p:sp>
         <p:nvSpPr>
-          <p:cNvPr id="192" name="Google Shape;192;p30"/>
+          <p:cNvPr id="191" name="Google Shape;191;p30"/>
           <p:cNvSpPr txBox="1"/>
           <p:nvPr>
             <p:ph type="title"/>
@@ -11857,7 +12404,7 @@
             </a:pPr>
             <a:r>
               <a:rPr lang="en"/>
-              <a:t>Spatial Analysis</a:t>
+              <a:t>Data Visualization</a:t>
             </a:r>
             <a:endParaRPr/>
           </a:p>
@@ -11865,7 +12412,7 @@
       </p:sp>
       <p:sp>
         <p:nvSpPr>
-          <p:cNvPr id="193" name="Google Shape;193;p30"/>
+          <p:cNvPr id="192" name="Google Shape;192;p30"/>
           <p:cNvSpPr txBox="1"/>
           <p:nvPr>
             <p:ph idx="1" type="body"/>
@@ -11888,101 +12435,18 @@
           <a:p>
             <a:pPr indent="0" lvl="0" marL="0" rtl="0" algn="just">
               <a:spcBef>
-                <a:spcPts val="0"/>
-              </a:spcBef>
-              <a:spcAft>
-                <a:spcPts val="0"/>
+                <a:spcPts val="1200"/>
+              </a:spcBef>
+              <a:spcAft>
+                <a:spcPts val="1200"/>
               </a:spcAft>
               <a:buNone/>
             </a:pPr>
             <a:r>
-              <a:rPr lang="en">
-                <a:highlight>
-                  <a:srgbClr val="FFFFFF"/>
-                </a:highlight>
-              </a:rPr>
-              <a:t>Spatial analysis includes any of the formal techniques which studies entities using their topological, geometric, or geographic properties. Here we have done it on three parameters -</a:t>
-            </a:r>
-            <a:endParaRPr>
-              <a:highlight>
-                <a:srgbClr val="FFFFFF"/>
-              </a:highlight>
-            </a:endParaRPr>
-          </a:p>
-          <a:p>
-            <a:pPr indent="-311150" lvl="0" marL="457200" rtl="0" algn="just">
-              <a:spcBef>
-                <a:spcPts val="1200"/>
-              </a:spcBef>
-              <a:spcAft>
-                <a:spcPts val="0"/>
-              </a:spcAft>
-              <a:buSzPts val="1300"/>
-              <a:buAutoNum type="arabicPeriod"/>
-            </a:pPr>
-            <a:r>
-              <a:rPr lang="en">
-                <a:highlight>
-                  <a:srgbClr val="FFFFFF"/>
-                </a:highlight>
-              </a:rPr>
-              <a:t>Total Confirmed Cases</a:t>
-            </a:r>
-            <a:endParaRPr>
-              <a:highlight>
-                <a:srgbClr val="FFFFFF"/>
-              </a:highlight>
-            </a:endParaRPr>
-          </a:p>
-          <a:p>
-            <a:pPr indent="-311150" lvl="0" marL="457200" rtl="0" algn="just">
-              <a:spcBef>
-                <a:spcPts val="0"/>
-              </a:spcBef>
-              <a:spcAft>
-                <a:spcPts val="0"/>
-              </a:spcAft>
-              <a:buSzPts val="1300"/>
-              <a:buAutoNum type="arabicPeriod"/>
-            </a:pPr>
-            <a:r>
-              <a:rPr lang="en">
-                <a:highlight>
-                  <a:srgbClr val="FFFFFF"/>
-                </a:highlight>
-              </a:rPr>
-              <a:t>Total Deaths</a:t>
-            </a:r>
-            <a:endParaRPr>
-              <a:highlight>
-                <a:srgbClr val="FFFFFF"/>
-              </a:highlight>
-            </a:endParaRPr>
-          </a:p>
-          <a:p>
-            <a:pPr indent="-311150" lvl="0" marL="457200" rtl="0" algn="just">
-              <a:spcBef>
-                <a:spcPts val="0"/>
-              </a:spcBef>
-              <a:spcAft>
-                <a:spcPts val="0"/>
-              </a:spcAft>
-              <a:buSzPts val="1300"/>
-              <a:buAutoNum type="arabicPeriod"/>
-            </a:pPr>
-            <a:r>
-              <a:rPr lang="en">
-                <a:highlight>
-                  <a:srgbClr val="FFFFFF"/>
-                </a:highlight>
-              </a:rPr>
-              <a:t>Total Vaccinations</a:t>
-            </a:r>
-            <a:endParaRPr>
-              <a:highlight>
-                <a:srgbClr val="FFFFFF"/>
-              </a:highlight>
-            </a:endParaRPr>
+              <a:rPr lang="en" sz="1308"/>
+              <a:t>Data Visualization is a graphical representation of data using charts, graphs, tables, and maps, etc. This technique is imperative as it allows us to see the trends and patterns in the data more clearly and effectively, which results in a better understanding of the data. These data visualization tools and techniques come to use even more when dealing with Big Data to analyze it and make data-driven decisions. In this study of Covid19, the software used for Data Visualization in Tableau. As far as Covid19 is concerned, it is very important to know the status of the spread factor across the world before moving ahead towards getting a conclusion with the help of the CNN Model.</a:t>
+            </a:r>
+            <a:endParaRPr sz="1308"/>
           </a:p>
         </p:txBody>
       </p:sp>
@@ -11999,7 +12463,7 @@
   <p:cSld>
     <p:spTree>
       <p:nvGrpSpPr>
-        <p:cNvPr id="197" name="Shape 197"/>
+        <p:cNvPr id="196" name="Shape 196"/>
         <p:cNvGrpSpPr/>
         <p:nvPr/>
       </p:nvGrpSpPr>
@@ -12013,7 +12477,7 @@
       </p:grpSpPr>
       <p:sp>
         <p:nvSpPr>
-          <p:cNvPr id="198" name="Google Shape;198;p31"/>
+          <p:cNvPr id="197" name="Google Shape;197;p31"/>
           <p:cNvSpPr txBox="1"/>
           <p:nvPr>
             <p:ph type="title"/>
@@ -12044,7 +12508,8 @@
               <a:buNone/>
             </a:pPr>
             <a:r>
-              <a:t/>
+              <a:rPr lang="en"/>
+              <a:t>Spatial Analysis</a:t>
             </a:r>
             <a:endParaRPr/>
           </a:p>
@@ -12052,7 +12517,7 @@
       </p:sp>
       <p:sp>
         <p:nvSpPr>
-          <p:cNvPr id="199" name="Google Shape;199;p31"/>
+          <p:cNvPr id="198" name="Google Shape;198;p31"/>
           <p:cNvSpPr txBox="1"/>
           <p:nvPr>
             <p:ph idx="1" type="body"/>
@@ -12073,50 +12538,106 @@
           </a:bodyPr>
           <a:lstStyle/>
           <a:p>
-            <a:pPr indent="0" lvl="0" marL="0" rtl="0" algn="l">
-              <a:spcBef>
-                <a:spcPts val="0"/>
-              </a:spcBef>
-              <a:spcAft>
+            <a:pPr indent="0" lvl="0" marL="0" rtl="0" algn="just">
+              <a:spcBef>
+                <a:spcPts val="0"/>
+              </a:spcBef>
+              <a:spcAft>
+                <a:spcPts val="0"/>
+              </a:spcAft>
+              <a:buNone/>
+            </a:pPr>
+            <a:r>
+              <a:rPr lang="en">
+                <a:highlight>
+                  <a:srgbClr val="FFFFFF"/>
+                </a:highlight>
+              </a:rPr>
+              <a:t>Spatial analysis includes any of the formal techniques which studies entities using their topological, geometric, or geographic properties. Here we have done it on three parameters -</a:t>
+            </a:r>
+            <a:endParaRPr>
+              <a:highlight>
+                <a:srgbClr val="FFFFFF"/>
+              </a:highlight>
+            </a:endParaRPr>
+          </a:p>
+          <a:p>
+            <a:pPr indent="-311150" lvl="0" marL="457200" rtl="0" algn="just">
+              <a:spcBef>
                 <a:spcPts val="1200"/>
-              </a:spcAft>
-              <a:buNone/>
+              </a:spcBef>
+              <a:spcAft>
+                <a:spcPts val="0"/>
+              </a:spcAft>
+              <a:buSzPts val="1300"/>
+              <a:buAutoNum type="arabicPeriod"/>
             </a:pPr>
             <a:r>
-              <a:t/>
-            </a:r>
-            <a:endParaRPr/>
+              <a:rPr lang="en">
+                <a:highlight>
+                  <a:srgbClr val="FFFFFF"/>
+                </a:highlight>
+              </a:rPr>
+              <a:t>Total Confirmed Cases</a:t>
+            </a:r>
+            <a:endParaRPr>
+              <a:highlight>
+                <a:srgbClr val="FFFFFF"/>
+              </a:highlight>
+            </a:endParaRPr>
+          </a:p>
+          <a:p>
+            <a:pPr indent="-311150" lvl="0" marL="457200" rtl="0" algn="just">
+              <a:spcBef>
+                <a:spcPts val="0"/>
+              </a:spcBef>
+              <a:spcAft>
+                <a:spcPts val="0"/>
+              </a:spcAft>
+              <a:buSzPts val="1300"/>
+              <a:buAutoNum type="arabicPeriod"/>
+            </a:pPr>
+            <a:r>
+              <a:rPr lang="en">
+                <a:highlight>
+                  <a:srgbClr val="FFFFFF"/>
+                </a:highlight>
+              </a:rPr>
+              <a:t>Total Deaths</a:t>
+            </a:r>
+            <a:endParaRPr>
+              <a:highlight>
+                <a:srgbClr val="FFFFFF"/>
+              </a:highlight>
+            </a:endParaRPr>
+          </a:p>
+          <a:p>
+            <a:pPr indent="-311150" lvl="0" marL="457200" rtl="0" algn="just">
+              <a:spcBef>
+                <a:spcPts val="0"/>
+              </a:spcBef>
+              <a:spcAft>
+                <a:spcPts val="0"/>
+              </a:spcAft>
+              <a:buSzPts val="1300"/>
+              <a:buAutoNum type="arabicPeriod"/>
+            </a:pPr>
+            <a:r>
+              <a:rPr lang="en">
+                <a:highlight>
+                  <a:srgbClr val="FFFFFF"/>
+                </a:highlight>
+              </a:rPr>
+              <a:t>Total Vaccinations</a:t>
+            </a:r>
+            <a:endParaRPr>
+              <a:highlight>
+                <a:srgbClr val="FFFFFF"/>
+              </a:highlight>
+            </a:endParaRPr>
           </a:p>
         </p:txBody>
       </p:sp>
-      <p:pic>
-        <p:nvPicPr>
-          <p:cNvPr id="200" name="Google Shape;200;p31"/>
-          <p:cNvPicPr preferRelativeResize="0"/>
-          <p:nvPr/>
-        </p:nvPicPr>
-        <p:blipFill>
-          <a:blip r:embed="rId3">
-            <a:alphaModFix/>
-          </a:blip>
-          <a:stretch>
-            <a:fillRect/>
-          </a:stretch>
-        </p:blipFill>
-        <p:spPr>
-          <a:xfrm>
-            <a:off x="227522" y="0"/>
-            <a:ext cx="8688958" cy="5143501"/>
-          </a:xfrm>
-          <a:prstGeom prst="rect">
-            <a:avLst/>
-          </a:prstGeom>
-          <a:noFill/>
-          <a:ln>
-            <a:noFill/>
-          </a:ln>
-        </p:spPr>
-      </p:pic>
     </p:spTree>
   </p:cSld>
   <p:clrMapOvr>
@@ -12272,7 +12793,7 @@
   <p:cSld>
     <p:spTree>
       <p:nvGrpSpPr>
-        <p:cNvPr id="204" name="Shape 204"/>
+        <p:cNvPr id="202" name="Shape 202"/>
         <p:cNvGrpSpPr/>
         <p:nvPr/>
       </p:nvGrpSpPr>
@@ -12286,7 +12807,7 @@
       </p:grpSpPr>
       <p:sp>
         <p:nvSpPr>
-          <p:cNvPr id="205" name="Google Shape;205;p32"/>
+          <p:cNvPr id="203" name="Google Shape;203;p32"/>
           <p:cNvSpPr txBox="1"/>
           <p:nvPr>
             <p:ph type="title"/>
@@ -12325,7 +12846,7 @@
       </p:sp>
       <p:sp>
         <p:nvSpPr>
-          <p:cNvPr id="206" name="Google Shape;206;p32"/>
+          <p:cNvPr id="204" name="Google Shape;204;p32"/>
           <p:cNvSpPr txBox="1"/>
           <p:nvPr>
             <p:ph idx="1" type="body"/>
@@ -12364,7 +12885,7 @@
       </p:sp>
       <p:pic>
         <p:nvPicPr>
-          <p:cNvPr id="207" name="Google Shape;207;p32"/>
+          <p:cNvPr id="205" name="Google Shape;205;p32"/>
           <p:cNvPicPr preferRelativeResize="0"/>
           <p:nvPr/>
         </p:nvPicPr>
@@ -12378,8 +12899,8 @@
         </p:blipFill>
         <p:spPr>
           <a:xfrm>
-            <a:off x="186045" y="0"/>
-            <a:ext cx="8771910" cy="5143499"/>
+            <a:off x="227522" y="0"/>
+            <a:ext cx="8688958" cy="5143501"/>
           </a:xfrm>
           <a:prstGeom prst="rect">
             <a:avLst/>
@@ -12403,7 +12924,7 @@
   <p:cSld>
     <p:spTree>
       <p:nvGrpSpPr>
-        <p:cNvPr id="211" name="Shape 211"/>
+        <p:cNvPr id="209" name="Shape 209"/>
         <p:cNvGrpSpPr/>
         <p:nvPr/>
       </p:nvGrpSpPr>
@@ -12417,7 +12938,7 @@
       </p:grpSpPr>
       <p:sp>
         <p:nvSpPr>
-          <p:cNvPr id="212" name="Google Shape;212;p33"/>
+          <p:cNvPr id="210" name="Google Shape;210;p33"/>
           <p:cNvSpPr txBox="1"/>
           <p:nvPr>
             <p:ph type="title"/>
@@ -12456,7 +12977,7 @@
       </p:sp>
       <p:sp>
         <p:nvSpPr>
-          <p:cNvPr id="213" name="Google Shape;213;p33"/>
+          <p:cNvPr id="211" name="Google Shape;211;p33"/>
           <p:cNvSpPr txBox="1"/>
           <p:nvPr>
             <p:ph idx="1" type="body"/>
@@ -12495,7 +13016,7 @@
       </p:sp>
       <p:pic>
         <p:nvPicPr>
-          <p:cNvPr id="214" name="Google Shape;214;p33"/>
+          <p:cNvPr id="212" name="Google Shape;212;p33"/>
           <p:cNvPicPr preferRelativeResize="0"/>
           <p:nvPr/>
         </p:nvPicPr>
@@ -12509,8 +13030,8 @@
         </p:blipFill>
         <p:spPr>
           <a:xfrm>
-            <a:off x="173556" y="0"/>
-            <a:ext cx="8796887" cy="5143499"/>
+            <a:off x="186045" y="0"/>
+            <a:ext cx="8771910" cy="5143499"/>
           </a:xfrm>
           <a:prstGeom prst="rect">
             <a:avLst/>
@@ -12534,7 +13055,7 @@
   <p:cSld>
     <p:spTree>
       <p:nvGrpSpPr>
-        <p:cNvPr id="218" name="Shape 218"/>
+        <p:cNvPr id="216" name="Shape 216"/>
         <p:cNvGrpSpPr/>
         <p:nvPr/>
       </p:nvGrpSpPr>
@@ -12548,7 +13069,7 @@
       </p:grpSpPr>
       <p:sp>
         <p:nvSpPr>
-          <p:cNvPr id="219" name="Google Shape;219;p34"/>
+          <p:cNvPr id="217" name="Google Shape;217;p34"/>
           <p:cNvSpPr txBox="1"/>
           <p:nvPr>
             <p:ph type="title"/>
@@ -12579,8 +13100,7 @@
               <a:buNone/>
             </a:pPr>
             <a:r>
-              <a:rPr lang="en"/>
-              <a:t>Time-Series Analysis (Continent-Wise)</a:t>
+              <a:t/>
             </a:r>
             <a:endParaRPr/>
           </a:p>
@@ -12588,7 +13108,7 @@
       </p:sp>
       <p:sp>
         <p:nvSpPr>
-          <p:cNvPr id="220" name="Google Shape;220;p34"/>
+          <p:cNvPr id="218" name="Google Shape;218;p34"/>
           <p:cNvSpPr txBox="1"/>
           <p:nvPr>
             <p:ph idx="1" type="body"/>
@@ -12609,106 +13129,50 @@
           </a:bodyPr>
           <a:lstStyle/>
           <a:p>
-            <a:pPr indent="0" lvl="0" marL="0" rtl="0" algn="just">
-              <a:spcBef>
-                <a:spcPts val="0"/>
-              </a:spcBef>
-              <a:spcAft>
-                <a:spcPts val="0"/>
+            <a:pPr indent="0" lvl="0" marL="0" rtl="0" algn="l">
+              <a:spcBef>
+                <a:spcPts val="0"/>
+              </a:spcBef>
+              <a:spcAft>
+                <a:spcPts val="1200"/>
               </a:spcAft>
               <a:buNone/>
             </a:pPr>
             <a:r>
-              <a:rPr lang="en">
-                <a:highlight>
-                  <a:srgbClr val="FFFFFF"/>
-                </a:highlight>
-              </a:rPr>
-              <a:t>Time series analysis is a statistical technique that deals with time series data, or trend analysis. Time series data means that data is in a series of particular time periods or intervals. Here we have used this technique for 3 trends we could look for -</a:t>
-            </a:r>
-            <a:endParaRPr>
-              <a:highlight>
-                <a:srgbClr val="FFFFFF"/>
-              </a:highlight>
-            </a:endParaRPr>
-          </a:p>
-          <a:p>
-            <a:pPr indent="-311150" lvl="0" marL="457200" rtl="0" algn="just">
-              <a:spcBef>
-                <a:spcPts val="1200"/>
-              </a:spcBef>
-              <a:spcAft>
-                <a:spcPts val="0"/>
-              </a:spcAft>
-              <a:buSzPts val="1300"/>
-              <a:buAutoNum type="arabicPeriod"/>
-            </a:pPr>
-            <a:r>
-              <a:rPr lang="en">
-                <a:highlight>
-                  <a:srgbClr val="FFFFFF"/>
-                </a:highlight>
-              </a:rPr>
-              <a:t>New Covid19 Cases</a:t>
-            </a:r>
-            <a:endParaRPr>
-              <a:highlight>
-                <a:srgbClr val="FFFFFF"/>
-              </a:highlight>
-            </a:endParaRPr>
-          </a:p>
-          <a:p>
-            <a:pPr indent="-311150" lvl="0" marL="457200" rtl="0" algn="just">
-              <a:spcBef>
-                <a:spcPts val="0"/>
-              </a:spcBef>
-              <a:spcAft>
-                <a:spcPts val="0"/>
-              </a:spcAft>
-              <a:buSzPts val="1300"/>
-              <a:buAutoNum type="arabicPeriod"/>
-            </a:pPr>
-            <a:r>
-              <a:rPr lang="en">
-                <a:highlight>
-                  <a:srgbClr val="FFFFFF"/>
-                </a:highlight>
-              </a:rPr>
-              <a:t>Comparison b/w New Cases and Deaths</a:t>
-            </a:r>
-            <a:endParaRPr>
-              <a:highlight>
-                <a:srgbClr val="FFFFFF"/>
-              </a:highlight>
-            </a:endParaRPr>
-          </a:p>
-          <a:p>
-            <a:pPr indent="-311150" lvl="0" marL="457200" rtl="0" algn="just">
-              <a:spcBef>
-                <a:spcPts val="0"/>
-              </a:spcBef>
-              <a:spcAft>
-                <a:spcPts val="0"/>
-              </a:spcAft>
-              <a:buSzPts val="1300"/>
-              <a:buAutoNum type="arabicPeriod"/>
-            </a:pPr>
-            <a:r>
-              <a:rPr lang="en">
-                <a:highlight>
-                  <a:srgbClr val="FFFFFF"/>
-                </a:highlight>
-              </a:rPr>
-              <a:t>Comparison b/w New Vaccinations and New Vaccinations per million</a:t>
-            </a:r>
-            <a:endParaRPr>
-              <a:highlight>
-                <a:srgbClr val="FFFFFF"/>
-              </a:highlight>
-            </a:endParaRPr>
+              <a:t/>
+            </a:r>
+            <a:endParaRPr/>
           </a:p>
         </p:txBody>
       </p:sp>
+      <p:pic>
+        <p:nvPicPr>
+          <p:cNvPr id="219" name="Google Shape;219;p34"/>
+          <p:cNvPicPr preferRelativeResize="0"/>
+          <p:nvPr/>
+        </p:nvPicPr>
+        <p:blipFill>
+          <a:blip r:embed="rId3">
+            <a:alphaModFix/>
+          </a:blip>
+          <a:stretch>
+            <a:fillRect/>
+          </a:stretch>
+        </p:blipFill>
+        <p:spPr>
+          <a:xfrm>
+            <a:off x="173556" y="0"/>
+            <a:ext cx="8796887" cy="5143499"/>
+          </a:xfrm>
+          <a:prstGeom prst="rect">
+            <a:avLst/>
+          </a:prstGeom>
+          <a:noFill/>
+          <a:ln>
+            <a:noFill/>
+          </a:ln>
+        </p:spPr>
+      </p:pic>
     </p:spTree>
   </p:cSld>
   <p:clrMapOvr>
@@ -12722,7 +13186,7 @@
   <p:cSld>
     <p:spTree>
       <p:nvGrpSpPr>
-        <p:cNvPr id="224" name="Shape 224"/>
+        <p:cNvPr id="223" name="Shape 223"/>
         <p:cNvGrpSpPr/>
         <p:nvPr/>
       </p:nvGrpSpPr>
@@ -12736,7 +13200,7 @@
       </p:grpSpPr>
       <p:sp>
         <p:nvSpPr>
-          <p:cNvPr id="225" name="Google Shape;225;p35"/>
+          <p:cNvPr id="224" name="Google Shape;224;p35"/>
           <p:cNvSpPr txBox="1"/>
           <p:nvPr>
             <p:ph type="title"/>
@@ -12768,7 +13232,7 @@
             </a:pPr>
             <a:r>
               <a:rPr lang="en"/>
-              <a:t>New Covid19 Cases</a:t>
+              <a:t>Time-Series Analysis (Continent-Wise)</a:t>
             </a:r>
             <a:endParaRPr/>
           </a:p>
@@ -12776,7 +13240,7 @@
       </p:sp>
       <p:sp>
         <p:nvSpPr>
-          <p:cNvPr id="226" name="Google Shape;226;p35"/>
+          <p:cNvPr id="225" name="Google Shape;225;p35"/>
           <p:cNvSpPr txBox="1"/>
           <p:nvPr>
             <p:ph idx="1" type="body"/>
@@ -12802,15 +13266,98 @@
                 <a:spcPts val="0"/>
               </a:spcBef>
               <a:spcAft>
+                <a:spcPts val="0"/>
+              </a:spcAft>
+              <a:buNone/>
+            </a:pPr>
+            <a:r>
+              <a:rPr lang="en">
+                <a:highlight>
+                  <a:srgbClr val="FFFFFF"/>
+                </a:highlight>
+              </a:rPr>
+              <a:t>Time series analysis is a statistical technique that deals with time series data, or trend analysis. Time series data means that data is in a series of particular time periods or intervals. Here we have used this technique for 3 trends we could look for -</a:t>
+            </a:r>
+            <a:endParaRPr>
+              <a:highlight>
+                <a:srgbClr val="FFFFFF"/>
+              </a:highlight>
+            </a:endParaRPr>
+          </a:p>
+          <a:p>
+            <a:pPr indent="-311150" lvl="0" marL="457200" rtl="0" algn="just">
+              <a:spcBef>
                 <a:spcPts val="1200"/>
-              </a:spcAft>
-              <a:buNone/>
+              </a:spcBef>
+              <a:spcAft>
+                <a:spcPts val="0"/>
+              </a:spcAft>
+              <a:buSzPts val="1300"/>
+              <a:buAutoNum type="arabicPeriod"/>
             </a:pPr>
             <a:r>
-              <a:rPr lang="en"/>
-              <a:t>The graph shown in the next slide helps us visually analyze the Active Covid19 Cases trends for all the continents. From which we can clearly see that at the end of 2020 the cases were highest in Europe and North America. In Asia, there is a different kind of pattern to be seen in which in January - February 2021 the cases were dropping by a lot, but after March started, The cases in Asia has peaked never like before and it is still increasing as we speak. This increase in Asia currently indicates a second wave of Covid19 for which there could be many reasons like the Mutant State of Covid19 Traces, Lack of precaution, etc.</a:t>
-            </a:r>
-            <a:endParaRPr/>
+              <a:rPr lang="en">
+                <a:highlight>
+                  <a:srgbClr val="FFFFFF"/>
+                </a:highlight>
+              </a:rPr>
+              <a:t>New Covid19 Cases</a:t>
+            </a:r>
+            <a:endParaRPr>
+              <a:highlight>
+                <a:srgbClr val="FFFFFF"/>
+              </a:highlight>
+            </a:endParaRPr>
+          </a:p>
+          <a:p>
+            <a:pPr indent="-311150" lvl="0" marL="457200" rtl="0" algn="just">
+              <a:spcBef>
+                <a:spcPts val="0"/>
+              </a:spcBef>
+              <a:spcAft>
+                <a:spcPts val="0"/>
+              </a:spcAft>
+              <a:buSzPts val="1300"/>
+              <a:buAutoNum type="arabicPeriod"/>
+            </a:pPr>
+            <a:r>
+              <a:rPr lang="en">
+                <a:highlight>
+                  <a:srgbClr val="FFFFFF"/>
+                </a:highlight>
+              </a:rPr>
+              <a:t>Comparison b/w New Cases and Deaths</a:t>
+            </a:r>
+            <a:endParaRPr>
+              <a:highlight>
+                <a:srgbClr val="FFFFFF"/>
+              </a:highlight>
+            </a:endParaRPr>
+          </a:p>
+          <a:p>
+            <a:pPr indent="-311150" lvl="0" marL="457200" rtl="0" algn="just">
+              <a:spcBef>
+                <a:spcPts val="0"/>
+              </a:spcBef>
+              <a:spcAft>
+                <a:spcPts val="0"/>
+              </a:spcAft>
+              <a:buSzPts val="1300"/>
+              <a:buAutoNum type="arabicPeriod"/>
+            </a:pPr>
+            <a:r>
+              <a:rPr lang="en">
+                <a:highlight>
+                  <a:srgbClr val="FFFFFF"/>
+                </a:highlight>
+              </a:rPr>
+              <a:t>Comparison b/w New Vaccinations and New Vaccinations per million</a:t>
+            </a:r>
+            <a:endParaRPr>
+              <a:highlight>
+                <a:srgbClr val="FFFFFF"/>
+              </a:highlight>
+            </a:endParaRPr>
           </a:p>
         </p:txBody>
       </p:sp>
@@ -12827,7 +13374,7 @@
   <p:cSld>
     <p:spTree>
       <p:nvGrpSpPr>
-        <p:cNvPr id="230" name="Shape 230"/>
+        <p:cNvPr id="229" name="Shape 229"/>
         <p:cNvGrpSpPr/>
         <p:nvPr/>
       </p:nvGrpSpPr>
@@ -12841,7 +13388,7 @@
       </p:grpSpPr>
       <p:sp>
         <p:nvSpPr>
-          <p:cNvPr id="231" name="Google Shape;231;p36"/>
+          <p:cNvPr id="230" name="Google Shape;230;p36"/>
           <p:cNvSpPr txBox="1"/>
           <p:nvPr>
             <p:ph type="title"/>
@@ -12872,7 +13419,8 @@
               <a:buNone/>
             </a:pPr>
             <a:r>
-              <a:t/>
+              <a:rPr lang="en"/>
+              <a:t>New Covid19 Cases</a:t>
             </a:r>
             <a:endParaRPr/>
           </a:p>
@@ -12880,7 +13428,7 @@
       </p:sp>
       <p:sp>
         <p:nvSpPr>
-          <p:cNvPr id="232" name="Google Shape;232;p36"/>
+          <p:cNvPr id="231" name="Google Shape;231;p36"/>
           <p:cNvSpPr txBox="1"/>
           <p:nvPr>
             <p:ph idx="1" type="body"/>
@@ -12901,7 +13449,7 @@
           </a:bodyPr>
           <a:lstStyle/>
           <a:p>
-            <a:pPr indent="0" lvl="0" marL="0" rtl="0" algn="l">
+            <a:pPr indent="0" lvl="0" marL="0" rtl="0" algn="just">
               <a:spcBef>
                 <a:spcPts val="0"/>
               </a:spcBef>
@@ -12911,40 +13459,13 @@
               <a:buNone/>
             </a:pPr>
             <a:r>
-              <a:t/>
+              <a:rPr lang="en"/>
+              <a:t>The graph shown in the next slide helps us visually analyze the Active Covid19 Cases trends for all the continents. From which we can clearly see that at the end of 2020 the cases were highest in Europe and North America. In Asia, there is a different kind of pattern to be seen in which in January - February 2021 the cases were dropping by a lot, but after March started, The cases in Asia has peaked never like before and it is still increasing as we speak. This increase in Asia currently indicates a second wave of Covid19 for which there could be many reasons like the Mutant State of Covid19 Traces, Lack of precaution, etc.</a:t>
             </a:r>
             <a:endParaRPr/>
           </a:p>
         </p:txBody>
       </p:sp>
-      <p:pic>
-        <p:nvPicPr>
-          <p:cNvPr id="233" name="Google Shape;233;p36"/>
-          <p:cNvPicPr preferRelativeResize="0"/>
-          <p:nvPr/>
-        </p:nvPicPr>
-        <p:blipFill>
-          <a:blip r:embed="rId3">
-            <a:alphaModFix/>
-          </a:blip>
-          <a:stretch>
-            <a:fillRect/>
-          </a:stretch>
-        </p:blipFill>
-        <p:spPr>
-          <a:xfrm>
-            <a:off x="0" y="97136"/>
-            <a:ext cx="9143998" cy="4949227"/>
-          </a:xfrm>
-          <a:prstGeom prst="rect">
-            <a:avLst/>
-          </a:prstGeom>
-          <a:noFill/>
-          <a:ln>
-            <a:noFill/>
-          </a:ln>
-        </p:spPr>
-      </p:pic>
     </p:spTree>
   </p:cSld>
   <p:clrMapOvr>
@@ -12958,7 +13479,7 @@
   <p:cSld>
     <p:spTree>
       <p:nvGrpSpPr>
-        <p:cNvPr id="237" name="Shape 237"/>
+        <p:cNvPr id="235" name="Shape 235"/>
         <p:cNvGrpSpPr/>
         <p:nvPr/>
       </p:nvGrpSpPr>
@@ -12972,7 +13493,7 @@
       </p:grpSpPr>
       <p:sp>
         <p:nvSpPr>
-          <p:cNvPr id="238" name="Google Shape;238;p37"/>
+          <p:cNvPr id="236" name="Google Shape;236;p37"/>
           <p:cNvSpPr txBox="1"/>
           <p:nvPr>
             <p:ph type="title"/>
@@ -13011,7 +13532,7 @@
       </p:sp>
       <p:sp>
         <p:nvSpPr>
-          <p:cNvPr id="239" name="Google Shape;239;p37"/>
+          <p:cNvPr id="237" name="Google Shape;237;p37"/>
           <p:cNvSpPr txBox="1"/>
           <p:nvPr>
             <p:ph idx="1" type="body"/>
@@ -13050,7 +13571,7 @@
       </p:sp>
       <p:pic>
         <p:nvPicPr>
-          <p:cNvPr id="240" name="Google Shape;240;p37"/>
+          <p:cNvPr id="238" name="Google Shape;238;p37"/>
           <p:cNvPicPr preferRelativeResize="0"/>
           <p:nvPr/>
         </p:nvPicPr>
@@ -13064,8 +13585,8 @@
         </p:blipFill>
         <p:spPr>
           <a:xfrm>
-            <a:off x="0" y="92482"/>
-            <a:ext cx="9144000" cy="4958536"/>
+            <a:off x="0" y="97136"/>
+            <a:ext cx="9143998" cy="4949227"/>
           </a:xfrm>
           <a:prstGeom prst="rect">
             <a:avLst/>
@@ -13089,7 +13610,7 @@
   <p:cSld>
     <p:spTree>
       <p:nvGrpSpPr>
-        <p:cNvPr id="244" name="Shape 244"/>
+        <p:cNvPr id="242" name="Shape 242"/>
         <p:cNvGrpSpPr/>
         <p:nvPr/>
       </p:nvGrpSpPr>
@@ -13103,7 +13624,7 @@
       </p:grpSpPr>
       <p:sp>
         <p:nvSpPr>
-          <p:cNvPr id="245" name="Google Shape;245;p38"/>
+          <p:cNvPr id="243" name="Google Shape;243;p38"/>
           <p:cNvSpPr txBox="1"/>
           <p:nvPr>
             <p:ph type="title"/>
@@ -13134,8 +13655,7 @@
               <a:buNone/>
             </a:pPr>
             <a:r>
-              <a:rPr lang="en"/>
-              <a:t>Comparison b/w New Vaccines &amp; Vaccines per Million</a:t>
+              <a:t/>
             </a:r>
             <a:endParaRPr/>
           </a:p>
@@ -13143,7 +13663,7 @@
       </p:sp>
       <p:sp>
         <p:nvSpPr>
-          <p:cNvPr id="246" name="Google Shape;246;p38"/>
+          <p:cNvPr id="244" name="Google Shape;244;p38"/>
           <p:cNvSpPr txBox="1"/>
           <p:nvPr>
             <p:ph idx="1" type="body"/>
@@ -13151,8 +13671,8 @@
         </p:nvSpPr>
         <p:spPr>
           <a:xfrm>
-            <a:off x="729450" y="2205775"/>
-            <a:ext cx="7688700" cy="2134200"/>
+            <a:off x="729450" y="2078875"/>
+            <a:ext cx="7688700" cy="2261100"/>
           </a:xfrm>
           <a:prstGeom prst="rect">
             <a:avLst/>
@@ -13164,7 +13684,7 @@
           </a:bodyPr>
           <a:lstStyle/>
           <a:p>
-            <a:pPr indent="0" lvl="0" marL="0" rtl="0" algn="just">
+            <a:pPr indent="0" lvl="0" marL="0" rtl="0" algn="l">
               <a:spcBef>
                 <a:spcPts val="0"/>
               </a:spcBef>
@@ -13174,13 +13694,40 @@
               <a:buNone/>
             </a:pPr>
             <a:r>
-              <a:rPr lang="en"/>
-              <a:t>The graph shown in the next slide helps us visually analyze the difference between New Vaccinations and New Vaccinations per million. From which you can observe like suppose for Asia, the increase in new vaccinations is drastic and has spiked even more since March 2021. But, if we take a look at New Vaccinations per Million then it comes 3rd to 4th among the six continents (Antarctica not included), this is due to the population in Asia is 456 crores, which is more than half of the world population. This means that the increase in vaccinations should increase even more to meet up with the population of the continent.</a:t>
+              <a:t/>
             </a:r>
             <a:endParaRPr/>
           </a:p>
         </p:txBody>
       </p:sp>
+      <p:pic>
+        <p:nvPicPr>
+          <p:cNvPr id="245" name="Google Shape;245;p38"/>
+          <p:cNvPicPr preferRelativeResize="0"/>
+          <p:nvPr/>
+        </p:nvPicPr>
+        <p:blipFill>
+          <a:blip r:embed="rId3">
+            <a:alphaModFix/>
+          </a:blip>
+          <a:stretch>
+            <a:fillRect/>
+          </a:stretch>
+        </p:blipFill>
+        <p:spPr>
+          <a:xfrm>
+            <a:off x="0" y="92482"/>
+            <a:ext cx="9144000" cy="4958536"/>
+          </a:xfrm>
+          <a:prstGeom prst="rect">
+            <a:avLst/>
+          </a:prstGeom>
+          <a:noFill/>
+          <a:ln>
+            <a:noFill/>
+          </a:ln>
+        </p:spPr>
+      </p:pic>
     </p:spTree>
   </p:cSld>
   <p:clrMapOvr>
@@ -13194,7 +13741,7 @@
   <p:cSld>
     <p:spTree>
       <p:nvGrpSpPr>
-        <p:cNvPr id="250" name="Shape 250"/>
+        <p:cNvPr id="249" name="Shape 249"/>
         <p:cNvGrpSpPr/>
         <p:nvPr/>
       </p:nvGrpSpPr>
@@ -13208,7 +13755,7 @@
       </p:grpSpPr>
       <p:sp>
         <p:nvSpPr>
-          <p:cNvPr id="251" name="Google Shape;251;p39"/>
+          <p:cNvPr id="250" name="Google Shape;250;p39"/>
           <p:cNvSpPr txBox="1"/>
           <p:nvPr>
             <p:ph type="title"/>
@@ -13239,7 +13786,8 @@
               <a:buNone/>
             </a:pPr>
             <a:r>
-              <a:t/>
+              <a:rPr lang="en"/>
+              <a:t>Comparison b/w New Vaccines &amp; Vaccines per Million</a:t>
             </a:r>
             <a:endParaRPr/>
           </a:p>
@@ -13247,7 +13795,7 @@
       </p:sp>
       <p:sp>
         <p:nvSpPr>
-          <p:cNvPr id="252" name="Google Shape;252;p39"/>
+          <p:cNvPr id="251" name="Google Shape;251;p39"/>
           <p:cNvSpPr txBox="1"/>
           <p:nvPr>
             <p:ph idx="1" type="body"/>
@@ -13255,8 +13803,8 @@
         </p:nvSpPr>
         <p:spPr>
           <a:xfrm>
-            <a:off x="729450" y="2078875"/>
-            <a:ext cx="7688700" cy="2261100"/>
+            <a:off x="729450" y="2205775"/>
+            <a:ext cx="7688700" cy="2134200"/>
           </a:xfrm>
           <a:prstGeom prst="rect">
             <a:avLst/>
@@ -13268,7 +13816,7 @@
           </a:bodyPr>
           <a:lstStyle/>
           <a:p>
-            <a:pPr indent="0" lvl="0" marL="0" rtl="0" algn="l">
+            <a:pPr indent="0" lvl="0" marL="0" rtl="0" algn="just">
               <a:spcBef>
                 <a:spcPts val="0"/>
               </a:spcBef>
@@ -13278,40 +13826,13 @@
               <a:buNone/>
             </a:pPr>
             <a:r>
-              <a:t/>
+              <a:rPr lang="en"/>
+              <a:t>The graph shown in the next slide helps us visually analyze the difference between New Vaccinations and New Vaccinations per million. From which you can observe like suppose for Asia, the increase in new vaccinations is drastic and has spiked even more since March 2021. But, if we take a look at New Vaccinations per Million then it comes 3rd to 4th among the six continents (Antarctica not included), this is due to the population in Asia is 456 crores, which is more than half of the world population. This means that the increase in vaccinations should increase even more to meet up with the population of the continent.</a:t>
             </a:r>
             <a:endParaRPr/>
           </a:p>
         </p:txBody>
       </p:sp>
-      <p:pic>
-        <p:nvPicPr>
-          <p:cNvPr id="253" name="Google Shape;253;p39"/>
-          <p:cNvPicPr preferRelativeResize="0"/>
-          <p:nvPr/>
-        </p:nvPicPr>
-        <p:blipFill>
-          <a:blip r:embed="rId3">
-            <a:alphaModFix/>
-          </a:blip>
-          <a:stretch>
-            <a:fillRect/>
-          </a:stretch>
-        </p:blipFill>
-        <p:spPr>
-          <a:xfrm>
-            <a:off x="410613" y="0"/>
-            <a:ext cx="8322773" cy="5143499"/>
-          </a:xfrm>
-          <a:prstGeom prst="rect">
-            <a:avLst/>
-          </a:prstGeom>
-          <a:noFill/>
-          <a:ln>
-            <a:noFill/>
-          </a:ln>
-        </p:spPr>
-      </p:pic>
     </p:spTree>
   </p:cSld>
   <p:clrMapOvr>
@@ -13325,7 +13846,7 @@
   <p:cSld>
     <p:spTree>
       <p:nvGrpSpPr>
-        <p:cNvPr id="257" name="Shape 257"/>
+        <p:cNvPr id="255" name="Shape 255"/>
         <p:cNvGrpSpPr/>
         <p:nvPr/>
       </p:nvGrpSpPr>
@@ -13339,7 +13860,7 @@
       </p:grpSpPr>
       <p:sp>
         <p:nvSpPr>
-          <p:cNvPr id="258" name="Google Shape;258;p40"/>
+          <p:cNvPr id="256" name="Google Shape;256;p40"/>
           <p:cNvSpPr txBox="1"/>
           <p:nvPr>
             <p:ph type="title"/>
@@ -13370,8 +13891,7 @@
               <a:buNone/>
             </a:pPr>
             <a:r>
-              <a:rPr lang="en"/>
-              <a:t>DATA AUGMENTATION</a:t>
+              <a:t/>
             </a:r>
             <a:endParaRPr/>
           </a:p>
@@ -13379,7 +13899,7 @@
       </p:sp>
       <p:sp>
         <p:nvSpPr>
-          <p:cNvPr id="259" name="Google Shape;259;p40"/>
+          <p:cNvPr id="257" name="Google Shape;257;p40"/>
           <p:cNvSpPr txBox="1"/>
           <p:nvPr>
             <p:ph idx="1" type="body"/>
@@ -13405,90 +13925,45 @@
                 <a:spcPts val="0"/>
               </a:spcBef>
               <a:spcAft>
-                <a:spcPts val="0"/>
+                <a:spcPts val="1200"/>
               </a:spcAft>
               <a:buNone/>
             </a:pPr>
             <a:r>
-              <a:rPr lang="en" sz="1500">
-                <a:latin typeface="Raleway Thin"/>
-                <a:ea typeface="Raleway Thin"/>
-                <a:cs typeface="Raleway Thin"/>
-                <a:sym typeface="Raleway Thin"/>
-              </a:rPr>
-              <a:t>To increase the accuracy of the X-rays, we performed data augmentation techniques like </a:t>
-            </a:r>
-            <a:r>
-              <a:rPr lang="en" sz="1500">
-                <a:latin typeface="Raleway Thin"/>
-                <a:ea typeface="Raleway Thin"/>
-                <a:cs typeface="Raleway Thin"/>
-                <a:sym typeface="Raleway Thin"/>
-              </a:rPr>
-              <a:t>using</a:t>
-            </a:r>
-            <a:r>
-              <a:rPr lang="en" sz="1500">
-                <a:latin typeface="Raleway Thin"/>
-                <a:ea typeface="Raleway Thin"/>
-                <a:cs typeface="Raleway Thin"/>
-                <a:sym typeface="Raleway Thin"/>
-              </a:rPr>
-              <a:t> zooming in to the image by 10%, providing a shear range of 0.1 or 10% and performing vertical flips. This would enable the model to </a:t>
-            </a:r>
-            <a:r>
-              <a:rPr lang="en" sz="1500">
-                <a:latin typeface="Raleway Thin"/>
-                <a:ea typeface="Raleway Thin"/>
-                <a:cs typeface="Raleway Thin"/>
-                <a:sym typeface="Raleway Thin"/>
-              </a:rPr>
-              <a:t>perceive</a:t>
-            </a:r>
-            <a:r>
-              <a:rPr lang="en" sz="1500">
-                <a:latin typeface="Raleway Thin"/>
-                <a:ea typeface="Raleway Thin"/>
-                <a:cs typeface="Raleway Thin"/>
-                <a:sym typeface="Raleway Thin"/>
-              </a:rPr>
-              <a:t> the image as humans do.</a:t>
-            </a:r>
-            <a:endParaRPr sz="1500">
-              <a:latin typeface="Raleway Thin"/>
-              <a:ea typeface="Raleway Thin"/>
-              <a:cs typeface="Raleway Thin"/>
-              <a:sym typeface="Raleway Thin"/>
-            </a:endParaRPr>
-          </a:p>
-          <a:p>
-            <a:pPr indent="0" lvl="0" marL="0" rtl="0" algn="l">
-              <a:spcBef>
-                <a:spcPts val="1200"/>
-              </a:spcBef>
-              <a:spcAft>
-                <a:spcPts val="1200"/>
-              </a:spcAft>
-              <a:buNone/>
-            </a:pPr>
-            <a:r>
-              <a:rPr lang="en" sz="1500">
-                <a:latin typeface="Raleway Thin"/>
-                <a:ea typeface="Raleway Thin"/>
-                <a:cs typeface="Raleway Thin"/>
-                <a:sym typeface="Raleway Thin"/>
-              </a:rPr>
-              <a:t>The next slide has an example of these tasks:</a:t>
-            </a:r>
-            <a:endParaRPr sz="1500">
-              <a:latin typeface="Raleway Thin"/>
-              <a:ea typeface="Raleway Thin"/>
-              <a:cs typeface="Raleway Thin"/>
-              <a:sym typeface="Raleway Thin"/>
-            </a:endParaRPr>
+              <a:t/>
+            </a:r>
+            <a:endParaRPr/>
           </a:p>
         </p:txBody>
       </p:sp>
+      <p:pic>
+        <p:nvPicPr>
+          <p:cNvPr id="258" name="Google Shape;258;p40"/>
+          <p:cNvPicPr preferRelativeResize="0"/>
+          <p:nvPr/>
+        </p:nvPicPr>
+        <p:blipFill>
+          <a:blip r:embed="rId3">
+            <a:alphaModFix/>
+          </a:blip>
+          <a:stretch>
+            <a:fillRect/>
+          </a:stretch>
+        </p:blipFill>
+        <p:spPr>
+          <a:xfrm>
+            <a:off x="410613" y="0"/>
+            <a:ext cx="8322773" cy="5143499"/>
+          </a:xfrm>
+          <a:prstGeom prst="rect">
+            <a:avLst/>
+          </a:prstGeom>
+          <a:noFill/>
+          <a:ln>
+            <a:noFill/>
+          </a:ln>
+        </p:spPr>
+      </p:pic>
     </p:spTree>
   </p:cSld>
   <p:clrMapOvr>
@@ -13502,7 +13977,7 @@
   <p:cSld>
     <p:spTree>
       <p:nvGrpSpPr>
-        <p:cNvPr id="263" name="Shape 263"/>
+        <p:cNvPr id="262" name="Shape 262"/>
         <p:cNvGrpSpPr/>
         <p:nvPr/>
       </p:nvGrpSpPr>
@@ -13516,7 +13991,7 @@
       </p:grpSpPr>
       <p:sp>
         <p:nvSpPr>
-          <p:cNvPr id="264" name="Google Shape;264;p41"/>
+          <p:cNvPr id="263" name="Google Shape;263;p41"/>
           <p:cNvSpPr txBox="1"/>
           <p:nvPr>
             <p:ph type="title"/>
@@ -13547,7 +14022,8 @@
               <a:buNone/>
             </a:pPr>
             <a:r>
-              <a:t/>
+              <a:rPr lang="en"/>
+              <a:t>DATA AUGMENTATION</a:t>
             </a:r>
             <a:endParaRPr/>
           </a:p>
@@ -13555,7 +14031,7 @@
       </p:sp>
       <p:sp>
         <p:nvSpPr>
-          <p:cNvPr id="265" name="Google Shape;265;p41"/>
+          <p:cNvPr id="264" name="Google Shape;264;p41"/>
           <p:cNvSpPr txBox="1"/>
           <p:nvPr>
             <p:ph idx="1" type="body"/>
@@ -13581,45 +14057,99 @@
                 <a:spcPts val="0"/>
               </a:spcBef>
               <a:spcAft>
+                <a:spcPts val="0"/>
+              </a:spcAft>
+              <a:buNone/>
+            </a:pPr>
+            <a:r>
+              <a:rPr lang="en" sz="1500">
+                <a:latin typeface="Raleway Thin"/>
+                <a:ea typeface="Raleway Thin"/>
+                <a:cs typeface="Raleway Thin"/>
+                <a:sym typeface="Raleway Thin"/>
+              </a:rPr>
+              <a:t>Total images used were 10484 and all images were resized to 224x224 pixels. </a:t>
+            </a:r>
+            <a:r>
+              <a:rPr lang="en" sz="1500">
+                <a:latin typeface="Raleway Thin"/>
+                <a:ea typeface="Raleway Thin"/>
+                <a:cs typeface="Raleway Thin"/>
+                <a:sym typeface="Raleway Thin"/>
+              </a:rPr>
+              <a:t>To increase the accuracy of the X-rays, we performed data augmentation techniques like </a:t>
+            </a:r>
+            <a:r>
+              <a:rPr lang="en" sz="1500">
+                <a:latin typeface="Raleway Thin"/>
+                <a:ea typeface="Raleway Thin"/>
+                <a:cs typeface="Raleway Thin"/>
+                <a:sym typeface="Raleway Thin"/>
+              </a:rPr>
+              <a:t>using</a:t>
+            </a:r>
+            <a:r>
+              <a:rPr lang="en" sz="1500">
+                <a:latin typeface="Raleway Thin"/>
+                <a:ea typeface="Raleway Thin"/>
+                <a:cs typeface="Raleway Thin"/>
+                <a:sym typeface="Raleway Thin"/>
+              </a:rPr>
+              <a:t> zooming in to the image by 10%, providing a shear range of 0.1 or 10% and performing vertical flips. This would enable the model to </a:t>
+            </a:r>
+            <a:r>
+              <a:rPr lang="en" sz="1500">
+                <a:latin typeface="Raleway Thin"/>
+                <a:ea typeface="Raleway Thin"/>
+                <a:cs typeface="Raleway Thin"/>
+                <a:sym typeface="Raleway Thin"/>
+              </a:rPr>
+              <a:t>perceive</a:t>
+            </a:r>
+            <a:r>
+              <a:rPr lang="en" sz="1500">
+                <a:latin typeface="Raleway Thin"/>
+                <a:ea typeface="Raleway Thin"/>
+                <a:cs typeface="Raleway Thin"/>
+                <a:sym typeface="Raleway Thin"/>
+              </a:rPr>
+              <a:t> the image as humans do.</a:t>
+            </a:r>
+            <a:endParaRPr sz="1500">
+              <a:latin typeface="Raleway Thin"/>
+              <a:ea typeface="Raleway Thin"/>
+              <a:cs typeface="Raleway Thin"/>
+              <a:sym typeface="Raleway Thin"/>
+            </a:endParaRPr>
+          </a:p>
+          <a:p>
+            <a:pPr indent="0" lvl="0" marL="0" rtl="0" algn="l">
+              <a:spcBef>
                 <a:spcPts val="1200"/>
+              </a:spcBef>
+              <a:spcAft>
+                <a:spcPts val="1200"/>
               </a:spcAft>
               <a:buNone/>
             </a:pPr>
             <a:r>
-              <a:t/>
-            </a:r>
-            <a:endParaRPr/>
+              <a:rPr lang="en" sz="1500">
+                <a:latin typeface="Raleway Thin"/>
+                <a:ea typeface="Raleway Thin"/>
+                <a:cs typeface="Raleway Thin"/>
+                <a:sym typeface="Raleway Thin"/>
+              </a:rPr>
+              <a:t>The next slide has an example of these tasks:</a:t>
+            </a:r>
+            <a:endParaRPr sz="1500">
+              <a:latin typeface="Raleway Thin"/>
+              <a:ea typeface="Raleway Thin"/>
+              <a:cs typeface="Raleway Thin"/>
+              <a:sym typeface="Raleway Thin"/>
+            </a:endParaRPr>
           </a:p>
         </p:txBody>
       </p:sp>
-      <p:pic>
-        <p:nvPicPr>
-          <p:cNvPr id="266" name="Google Shape;266;p41"/>
-          <p:cNvPicPr preferRelativeResize="0"/>
-          <p:nvPr/>
-        </p:nvPicPr>
-        <p:blipFill>
-          <a:blip r:embed="rId3">
-            <a:alphaModFix/>
-          </a:blip>
-          <a:stretch>
-            <a:fillRect/>
-          </a:stretch>
-        </p:blipFill>
-        <p:spPr>
-          <a:xfrm>
-            <a:off x="89075" y="139300"/>
-            <a:ext cx="8965851" cy="4441025"/>
-          </a:xfrm>
-          <a:prstGeom prst="rect">
-            <a:avLst/>
-          </a:prstGeom>
-          <a:noFill/>
-          <a:ln>
-            <a:noFill/>
-          </a:ln>
-        </p:spPr>
-      </p:pic>
     </p:spTree>
   </p:cSld>
   <p:clrMapOvr>
@@ -13727,7 +14257,7 @@
                 <a:cs typeface="Raleway Thin"/>
                 <a:sym typeface="Raleway Thin"/>
               </a:rPr>
-              <a:t>Current way of testing while very useful is very time taking. While researchers are trying other methods, some found that the chest X-ray of a person with COVID had some distinct features from that of a person infected with Pneumonia and those who had no diseases. It could hence also be able to predict whether a person has COVID or not.</a:t>
+              <a:t>Current way of testing while very useful is very time taking. While researchers are trying other methods, some found that the chest X-ray of a person with COVID had some distinct features from that of a person infected with Pneumonia and those who had no diseases and could also save time. It could hence also be able to predict whether a person has COVID or not.</a:t>
             </a:r>
             <a:endParaRPr sz="1500">
               <a:solidFill>
@@ -13754,7 +14284,7 @@
   <p:cSld>
     <p:spTree>
       <p:nvGrpSpPr>
-        <p:cNvPr id="270" name="Shape 270"/>
+        <p:cNvPr id="268" name="Shape 268"/>
         <p:cNvGrpSpPr/>
         <p:nvPr/>
       </p:nvGrpSpPr>
@@ -13768,7 +14298,7 @@
       </p:grpSpPr>
       <p:sp>
         <p:nvSpPr>
-          <p:cNvPr id="271" name="Google Shape;271;p42"/>
+          <p:cNvPr id="269" name="Google Shape;269;p42"/>
           <p:cNvSpPr txBox="1"/>
           <p:nvPr>
             <p:ph type="title"/>
@@ -13776,7 +14306,7 @@
         </p:nvSpPr>
         <p:spPr>
           <a:xfrm>
-            <a:off x="727650" y="568575"/>
+            <a:off x="729450" y="1318650"/>
             <a:ext cx="7688700" cy="535200"/>
           </a:xfrm>
           <a:prstGeom prst="rect">
@@ -13799,8 +14329,7 @@
               <a:buNone/>
             </a:pPr>
             <a:r>
-              <a:rPr lang="en"/>
-              <a:t>CNN Model - Architecture</a:t>
+              <a:t/>
             </a:r>
             <a:endParaRPr/>
           </a:p>
@@ -13808,7 +14337,7 @@
       </p:sp>
       <p:sp>
         <p:nvSpPr>
-          <p:cNvPr id="272" name="Google Shape;272;p42"/>
+          <p:cNvPr id="270" name="Google Shape;270;p42"/>
           <p:cNvSpPr txBox="1"/>
           <p:nvPr>
             <p:ph idx="1" type="body"/>
@@ -13847,7 +14376,7 @@
       </p:sp>
       <p:pic>
         <p:nvPicPr>
-          <p:cNvPr id="273" name="Google Shape;273;p42"/>
+          <p:cNvPr id="271" name="Google Shape;271;p42"/>
           <p:cNvPicPr preferRelativeResize="0"/>
           <p:nvPr/>
         </p:nvPicPr>
@@ -13861,8 +14390,8 @@
         </p:blipFill>
         <p:spPr>
           <a:xfrm>
-            <a:off x="-64275" y="1523163"/>
-            <a:ext cx="9144000" cy="3533074"/>
+            <a:off x="89075" y="139300"/>
+            <a:ext cx="8965851" cy="4441025"/>
           </a:xfrm>
           <a:prstGeom prst="rect">
             <a:avLst/>
@@ -13886,7 +14415,7 @@
   <p:cSld>
     <p:spTree>
       <p:nvGrpSpPr>
-        <p:cNvPr id="277" name="Shape 277"/>
+        <p:cNvPr id="275" name="Shape 275"/>
         <p:cNvGrpSpPr/>
         <p:nvPr/>
       </p:nvGrpSpPr>
@@ -13900,7 +14429,7 @@
       </p:grpSpPr>
       <p:sp>
         <p:nvSpPr>
-          <p:cNvPr id="278" name="Google Shape;278;p43"/>
+          <p:cNvPr id="276" name="Google Shape;276;p43"/>
           <p:cNvSpPr txBox="1"/>
           <p:nvPr>
             <p:ph type="title"/>
@@ -13908,7 +14437,7 @@
         </p:nvSpPr>
         <p:spPr>
           <a:xfrm>
-            <a:off x="729450" y="1318650"/>
+            <a:off x="675875" y="525700"/>
             <a:ext cx="7688700" cy="535200"/>
           </a:xfrm>
           <a:prstGeom prst="rect">
@@ -13931,7 +14460,8 @@
               <a:buNone/>
             </a:pPr>
             <a:r>
-              <a:t/>
+              <a:rPr lang="en"/>
+              <a:t>MODELING PIPELINE</a:t>
             </a:r>
             <a:endParaRPr/>
           </a:p>
@@ -13939,7 +14469,7 @@
       </p:sp>
       <p:sp>
         <p:nvSpPr>
-          <p:cNvPr id="279" name="Google Shape;279;p43"/>
+          <p:cNvPr id="277" name="Google Shape;277;p43"/>
           <p:cNvSpPr txBox="1"/>
           <p:nvPr>
             <p:ph idx="1" type="body"/>
@@ -13947,7 +14477,7 @@
         </p:nvSpPr>
         <p:spPr>
           <a:xfrm>
-            <a:off x="729450" y="2078875"/>
+            <a:off x="727650" y="1441200"/>
             <a:ext cx="7688700" cy="2261100"/>
           </a:xfrm>
           <a:prstGeom prst="rect">
@@ -13970,7 +14500,12 @@
               <a:buNone/>
             </a:pPr>
             <a:r>
-              <a:t/>
+              <a:rPr b="1" lang="en"/>
+              <a:t>First approach: </a:t>
+            </a:r>
+            <a:r>
+              <a:rPr lang="en"/>
+              <a:t>To begin with, we designed our own CNN model consisting of a total of 21 layers. These layers comprised of Conv2D, MaxPool2D, BatchNormalization, Dropout, Dense and Flatten. The accuracy achieved in this case is shown in the graph:</a:t>
             </a:r>
             <a:endParaRPr/>
           </a:p>
@@ -13978,7 +14513,7 @@
       </p:sp>
       <p:pic>
         <p:nvPicPr>
-          <p:cNvPr id="280" name="Google Shape;280;p43"/>
+          <p:cNvPr id="278" name="Google Shape;278;p43"/>
           <p:cNvPicPr preferRelativeResize="0"/>
           <p:nvPr/>
         </p:nvPicPr>
@@ -13992,8 +14527,8 @@
         </p:blipFill>
         <p:spPr>
           <a:xfrm>
-            <a:off x="2420694" y="0"/>
-            <a:ext cx="4655011" cy="5143500"/>
+            <a:off x="1622826" y="2369400"/>
+            <a:ext cx="5342325" cy="2720525"/>
           </a:xfrm>
           <a:prstGeom prst="rect">
             <a:avLst/>
@@ -14017,7 +14552,7 @@
   <p:cSld>
     <p:spTree>
       <p:nvGrpSpPr>
-        <p:cNvPr id="284" name="Shape 284"/>
+        <p:cNvPr id="282" name="Shape 282"/>
         <p:cNvGrpSpPr/>
         <p:nvPr/>
       </p:nvGrpSpPr>
@@ -14031,7 +14566,7 @@
       </p:grpSpPr>
       <p:sp>
         <p:nvSpPr>
-          <p:cNvPr id="285" name="Google Shape;285;p44"/>
+          <p:cNvPr id="283" name="Google Shape;283;p44"/>
           <p:cNvSpPr txBox="1"/>
           <p:nvPr>
             <p:ph type="title"/>
@@ -14070,7 +14605,7 @@
       </p:sp>
       <p:sp>
         <p:nvSpPr>
-          <p:cNvPr id="286" name="Google Shape;286;p44"/>
+          <p:cNvPr id="284" name="Google Shape;284;p44"/>
           <p:cNvSpPr txBox="1"/>
           <p:nvPr>
             <p:ph idx="1" type="body"/>
@@ -14101,40 +14636,21 @@
               <a:buNone/>
             </a:pPr>
             <a:r>
-              <a:t/>
+              <a:rPr lang="en"/>
+              <a:t>Now while the final val_accuracy reaches 92.61% after 20 epochs, it showed some fluctuation in the val_accuracy. The accuracy was steadily increasing however the val_accuracy was not stable. This meant that the  </a:t>
+            </a:r>
+            <a:r>
+              <a:rPr lang="en"/>
+              <a:t>model</a:t>
+            </a:r>
+            <a:r>
+              <a:rPr lang="en"/>
+              <a:t> was performing well in some cases but very poorly in others. Hence we decided to use other models. We employed several pre-trained models.</a:t>
             </a:r>
             <a:endParaRPr/>
           </a:p>
         </p:txBody>
       </p:sp>
-      <p:pic>
-        <p:nvPicPr>
-          <p:cNvPr id="287" name="Google Shape;287;p44"/>
-          <p:cNvPicPr preferRelativeResize="0"/>
-          <p:nvPr/>
-        </p:nvPicPr>
-        <p:blipFill>
-          <a:blip r:embed="rId3">
-            <a:alphaModFix/>
-          </a:blip>
-          <a:stretch>
-            <a:fillRect/>
-          </a:stretch>
-        </p:blipFill>
-        <p:spPr>
-          <a:xfrm>
-            <a:off x="2493124" y="0"/>
-            <a:ext cx="4161353" cy="5143500"/>
-          </a:xfrm>
-          <a:prstGeom prst="rect">
-            <a:avLst/>
-          </a:prstGeom>
-          <a:noFill/>
-          <a:ln>
-            <a:noFill/>
-          </a:ln>
-        </p:spPr>
-      </p:pic>
     </p:spTree>
   </p:cSld>
   <p:clrMapOvr>
@@ -14148,7 +14664,7 @@
   <p:cSld>
     <p:spTree>
       <p:nvGrpSpPr>
-        <p:cNvPr id="291" name="Shape 291"/>
+        <p:cNvPr id="288" name="Shape 288"/>
         <p:cNvGrpSpPr/>
         <p:nvPr/>
       </p:nvGrpSpPr>
@@ -14162,7 +14678,7 @@
       </p:grpSpPr>
       <p:sp>
         <p:nvSpPr>
-          <p:cNvPr id="292" name="Google Shape;292;p45"/>
+          <p:cNvPr id="289" name="Google Shape;289;p45"/>
           <p:cNvSpPr txBox="1"/>
           <p:nvPr>
             <p:ph type="title"/>
@@ -14193,7 +14709,8 @@
               <a:buNone/>
             </a:pPr>
             <a:r>
-              <a:t/>
+              <a:rPr lang="en"/>
+              <a:t>Pretrained Models Applied:</a:t>
             </a:r>
             <a:endParaRPr/>
           </a:p>
@@ -14201,7 +14718,7 @@
       </p:sp>
       <p:sp>
         <p:nvSpPr>
-          <p:cNvPr id="293" name="Google Shape;293;p45"/>
+          <p:cNvPr id="290" name="Google Shape;290;p45"/>
           <p:cNvSpPr txBox="1"/>
           <p:nvPr>
             <p:ph idx="1" type="body"/>
@@ -14227,45 +14744,70 @@
                 <a:spcPts val="0"/>
               </a:spcBef>
               <a:spcAft>
+                <a:spcPts val="0"/>
+              </a:spcAft>
+              <a:buNone/>
+            </a:pPr>
+            <a:r>
+              <a:rPr lang="en"/>
+              <a:t>Pretrained models are models which </a:t>
+            </a:r>
+            <a:r>
+              <a:rPr lang="en"/>
+              <a:t>have</a:t>
+            </a:r>
+            <a:r>
+              <a:rPr lang="en"/>
+              <a:t> already been built for carrying out several tasks and do not have to be constructed from scratch. These models are very extensively built and can work very well on most of the datasets.</a:t>
+            </a:r>
+            <a:endParaRPr/>
+          </a:p>
+          <a:p>
+            <a:pPr indent="0" lvl="0" marL="0" rtl="0" algn="l">
+              <a:spcBef>
                 <a:spcPts val="1200"/>
+              </a:spcBef>
+              <a:spcAft>
+                <a:spcPts val="1200"/>
               </a:spcAft>
               <a:buNone/>
             </a:pPr>
             <a:r>
-              <a:t/>
+              <a:rPr lang="en"/>
+              <a:t>We used the following pretrained models:</a:t>
+            </a:r>
+            <a:br>
+              <a:rPr lang="en"/>
+            </a:br>
+            <a:r>
+              <a:rPr lang="en"/>
+              <a:t>1. EfficientNetB3</a:t>
+            </a:r>
+            <a:br>
+              <a:rPr lang="en"/>
+            </a:br>
+            <a:r>
+              <a:rPr lang="en"/>
+              <a:t>2. VGG16</a:t>
+            </a:r>
+            <a:br>
+              <a:rPr lang="en"/>
+            </a:br>
+            <a:r>
+              <a:rPr lang="en"/>
+              <a:t>3. ResNet152</a:t>
+            </a:r>
+            <a:br>
+              <a:rPr lang="en"/>
+            </a:br>
+            <a:r>
+              <a:rPr lang="en"/>
+              <a:t>4. MobileNetV2</a:t>
             </a:r>
             <a:endParaRPr/>
           </a:p>
         </p:txBody>
       </p:sp>
-      <p:pic>
-        <p:nvPicPr>
-          <p:cNvPr id="294" name="Google Shape;294;p45"/>
-          <p:cNvPicPr preferRelativeResize="0"/>
-          <p:nvPr/>
-        </p:nvPicPr>
-        <p:blipFill>
-          <a:blip r:embed="rId3">
-            <a:alphaModFix/>
-          </a:blip>
-          <a:stretch>
-            <a:fillRect/>
-          </a:stretch>
-        </p:blipFill>
-        <p:spPr>
-          <a:xfrm>
-            <a:off x="1356225" y="0"/>
-            <a:ext cx="6431550" cy="5143500"/>
-          </a:xfrm>
-          <a:prstGeom prst="rect">
-            <a:avLst/>
-          </a:prstGeom>
-          <a:noFill/>
-          <a:ln>
-            <a:noFill/>
-          </a:ln>
-        </p:spPr>
-      </p:pic>
     </p:spTree>
   </p:cSld>
   <p:clrMapOvr>
@@ -14279,7 +14821,7 @@
   <p:cSld>
     <p:spTree>
       <p:nvGrpSpPr>
-        <p:cNvPr id="298" name="Shape 298"/>
+        <p:cNvPr id="294" name="Shape 294"/>
         <p:cNvGrpSpPr/>
         <p:nvPr/>
       </p:nvGrpSpPr>
@@ -14293,7 +14835,7 @@
       </p:grpSpPr>
       <p:sp>
         <p:nvSpPr>
-          <p:cNvPr id="299" name="Google Shape;299;p46"/>
+          <p:cNvPr id="295" name="Google Shape;295;p46"/>
           <p:cNvSpPr txBox="1"/>
           <p:nvPr>
             <p:ph type="title"/>
@@ -14301,7 +14843,7 @@
         </p:nvSpPr>
         <p:spPr>
           <a:xfrm>
-            <a:off x="727650" y="504250"/>
+            <a:off x="665150" y="525700"/>
             <a:ext cx="7688700" cy="535200"/>
           </a:xfrm>
           <a:prstGeom prst="rect">
@@ -14314,18 +14856,19 @@
           </a:bodyPr>
           <a:lstStyle/>
           <a:p>
-            <a:pPr indent="0" lvl="0" marL="0" rtl="0" algn="l">
-              <a:spcBef>
-                <a:spcPts val="0"/>
-              </a:spcBef>
-              <a:spcAft>
-                <a:spcPts val="0"/>
-              </a:spcAft>
-              <a:buNone/>
+            <a:pPr indent="-377190" lvl="0" marL="457200" rtl="0" algn="l">
+              <a:spcBef>
+                <a:spcPts val="0"/>
+              </a:spcBef>
+              <a:spcAft>
+                <a:spcPts val="0"/>
+              </a:spcAft>
+              <a:buSzPct val="100000"/>
+              <a:buAutoNum type="arabicPeriod"/>
             </a:pPr>
             <a:r>
               <a:rPr lang="en"/>
-              <a:t>Accuracy at the moment</a:t>
+              <a:t>EfficientNetB3</a:t>
             </a:r>
             <a:endParaRPr/>
           </a:p>
@@ -14333,7 +14876,7 @@
       </p:sp>
       <p:sp>
         <p:nvSpPr>
-          <p:cNvPr id="300" name="Google Shape;300;p46"/>
+          <p:cNvPr id="296" name="Google Shape;296;p46"/>
           <p:cNvSpPr txBox="1"/>
           <p:nvPr>
             <p:ph idx="1" type="body"/>
@@ -14341,8 +14884,8 @@
         </p:nvSpPr>
         <p:spPr>
           <a:xfrm>
-            <a:off x="729450" y="2078875"/>
-            <a:ext cx="7688700" cy="2261100"/>
+            <a:off x="793750" y="1441200"/>
+            <a:ext cx="8078700" cy="3509400"/>
           </a:xfrm>
           <a:prstGeom prst="rect">
             <a:avLst/>
@@ -14350,13 +14893,188 @@
         </p:spPr>
         <p:txBody>
           <a:bodyPr anchorCtr="0" anchor="t" bIns="91425" lIns="91425" spcFirstLastPara="1" rIns="91425" wrap="square" tIns="91425">
-            <a:normAutofit/>
+            <a:normAutofit lnSpcReduction="10000"/>
           </a:bodyPr>
           <a:lstStyle/>
           <a:p>
+            <a:pPr indent="0" lvl="0" marL="0" rtl="0" algn="just">
+              <a:spcBef>
+                <a:spcPts val="1200"/>
+              </a:spcBef>
+              <a:spcAft>
+                <a:spcPts val="0"/>
+              </a:spcAft>
+              <a:buNone/>
+            </a:pPr>
+            <a:r>
+              <a:rPr b="1" lang="en">
+                <a:solidFill>
+                  <a:srgbClr val="000000"/>
+                </a:solidFill>
+                <a:highlight>
+                  <a:srgbClr val="FFFFFF"/>
+                </a:highlight>
+              </a:rPr>
+              <a:t>EfficientNet</a:t>
+            </a:r>
+            <a:r>
+              <a:rPr lang="en">
+                <a:solidFill>
+                  <a:srgbClr val="000000"/>
+                </a:solidFill>
+                <a:highlight>
+                  <a:srgbClr val="FFFFFF"/>
+                </a:highlight>
+              </a:rPr>
+              <a:t> is a convolutional neural network architecture and scaling method that uniformly scales all dimensions of depth/width/resolution using a </a:t>
+            </a:r>
+            <a:r>
+              <a:rPr i="1" lang="en">
+                <a:solidFill>
+                  <a:srgbClr val="000000"/>
+                </a:solidFill>
+                <a:highlight>
+                  <a:srgbClr val="FFFFFF"/>
+                </a:highlight>
+              </a:rPr>
+              <a:t>compound coefficient</a:t>
+            </a:r>
+            <a:r>
+              <a:rPr lang="en">
+                <a:solidFill>
+                  <a:srgbClr val="000000"/>
+                </a:solidFill>
+                <a:highlight>
+                  <a:srgbClr val="FFFFFF"/>
+                </a:highlight>
+              </a:rPr>
+              <a:t>. Unlike conventional practice that arbitrarily scales these factors, the EfficientNet scaling method uniformly scales network width, depth, and resolution with a set of fixed scaling coefficients. Given below are the layers in EfficientNet.</a:t>
+            </a:r>
+            <a:endParaRPr>
+              <a:solidFill>
+                <a:srgbClr val="000000"/>
+              </a:solidFill>
+              <a:highlight>
+                <a:srgbClr val="FFFFFF"/>
+              </a:highlight>
+            </a:endParaRPr>
+          </a:p>
+          <a:p>
+            <a:pPr indent="0" lvl="0" marL="0" rtl="0" algn="just">
+              <a:spcBef>
+                <a:spcPts val="1200"/>
+              </a:spcBef>
+              <a:spcAft>
+                <a:spcPts val="0"/>
+              </a:spcAft>
+              <a:buNone/>
+            </a:pPr>
+            <a:r>
+              <a:t/>
+            </a:r>
+            <a:endParaRPr>
+              <a:solidFill>
+                <a:srgbClr val="000000"/>
+              </a:solidFill>
+              <a:highlight>
+                <a:srgbClr val="FFFFFF"/>
+              </a:highlight>
+            </a:endParaRPr>
+          </a:p>
+          <a:p>
+            <a:pPr indent="0" lvl="0" marL="0" rtl="0" algn="just">
+              <a:spcBef>
+                <a:spcPts val="1200"/>
+              </a:spcBef>
+              <a:spcAft>
+                <a:spcPts val="0"/>
+              </a:spcAft>
+              <a:buNone/>
+            </a:pPr>
+            <a:r>
+              <a:t/>
+            </a:r>
+            <a:endParaRPr>
+              <a:solidFill>
+                <a:srgbClr val="000000"/>
+              </a:solidFill>
+              <a:highlight>
+                <a:srgbClr val="FFFFFF"/>
+              </a:highlight>
+            </a:endParaRPr>
+          </a:p>
+          <a:p>
+            <a:pPr indent="0" lvl="0" marL="0" rtl="0" algn="just">
+              <a:spcBef>
+                <a:spcPts val="1200"/>
+              </a:spcBef>
+              <a:spcAft>
+                <a:spcPts val="0"/>
+              </a:spcAft>
+              <a:buNone/>
+            </a:pPr>
+            <a:r>
+              <a:t/>
+            </a:r>
+            <a:endParaRPr>
+              <a:solidFill>
+                <a:srgbClr val="000000"/>
+              </a:solidFill>
+              <a:highlight>
+                <a:srgbClr val="FFFFFF"/>
+              </a:highlight>
+            </a:endParaRPr>
+          </a:p>
+          <a:p>
+            <a:pPr indent="0" lvl="0" marL="0" rtl="0" algn="just">
+              <a:spcBef>
+                <a:spcPts val="1200"/>
+              </a:spcBef>
+              <a:spcAft>
+                <a:spcPts val="0"/>
+              </a:spcAft>
+              <a:buNone/>
+            </a:pPr>
+            <a:r>
+              <a:t/>
+            </a:r>
+            <a:endParaRPr>
+              <a:solidFill>
+                <a:srgbClr val="000000"/>
+              </a:solidFill>
+              <a:highlight>
+                <a:srgbClr val="FFFFFF"/>
+              </a:highlight>
+            </a:endParaRPr>
+          </a:p>
+          <a:p>
+            <a:pPr indent="0" lvl="0" marL="0" rtl="0" algn="just">
+              <a:spcBef>
+                <a:spcPts val="1200"/>
+              </a:spcBef>
+              <a:spcAft>
+                <a:spcPts val="0"/>
+              </a:spcAft>
+              <a:buNone/>
+            </a:pPr>
+            <a:r>
+              <a:rPr lang="en">
+                <a:solidFill>
+                  <a:srgbClr val="000000"/>
+                </a:solidFill>
+              </a:rPr>
+              <a:t>With our pipeline using imagenet, a batch size of 32, learning rate of 1e-4 and 10 epochs, the highest validation accuracy attained is 98.6%</a:t>
+            </a:r>
+            <a:endParaRPr>
+              <a:solidFill>
+                <a:srgbClr val="000000"/>
+              </a:solidFill>
+            </a:endParaRPr>
+          </a:p>
+          <a:p>
             <a:pPr indent="0" lvl="0" marL="0" rtl="0" algn="l">
               <a:spcBef>
-                <a:spcPts val="0"/>
+                <a:spcPts val="1200"/>
               </a:spcBef>
               <a:spcAft>
                 <a:spcPts val="1200"/>
@@ -14372,7 +15090,7 @@
       </p:sp>
       <p:pic>
         <p:nvPicPr>
-          <p:cNvPr id="301" name="Google Shape;301;p46"/>
+          <p:cNvPr id="297" name="Google Shape;297;p46"/>
           <p:cNvPicPr preferRelativeResize="0"/>
           <p:nvPr/>
         </p:nvPicPr>
@@ -14386,8 +15104,8 @@
         </p:blipFill>
         <p:spPr>
           <a:xfrm>
-            <a:off x="1245400" y="1318075"/>
-            <a:ext cx="6901750" cy="3514675"/>
+            <a:off x="1396575" y="2483613"/>
+            <a:ext cx="5943600" cy="1247775"/>
           </a:xfrm>
           <a:prstGeom prst="rect">
             <a:avLst/>
@@ -14411,7 +15129,7 @@
   <p:cSld>
     <p:spTree>
       <p:nvGrpSpPr>
-        <p:cNvPr id="305" name="Shape 305"/>
+        <p:cNvPr id="301" name="Shape 301"/>
         <p:cNvGrpSpPr/>
         <p:nvPr/>
       </p:nvGrpSpPr>
@@ -14425,7 +15143,7 @@
       </p:grpSpPr>
       <p:sp>
         <p:nvSpPr>
-          <p:cNvPr id="306" name="Google Shape;306;p47"/>
+          <p:cNvPr id="302" name="Google Shape;302;p47"/>
           <p:cNvSpPr txBox="1"/>
           <p:nvPr>
             <p:ph type="title"/>
@@ -14433,7 +15151,7 @@
         </p:nvSpPr>
         <p:spPr>
           <a:xfrm>
-            <a:off x="729450" y="1318650"/>
+            <a:off x="727650" y="568575"/>
             <a:ext cx="7688700" cy="535200"/>
           </a:xfrm>
           <a:prstGeom prst="rect">
@@ -14457,7 +15175,7 @@
             </a:pPr>
             <a:r>
               <a:rPr lang="en"/>
-              <a:t>Conclusion</a:t>
+              <a:t>2. VGG16</a:t>
             </a:r>
             <a:endParaRPr/>
           </a:p>
@@ -14465,7 +15183,7 @@
       </p:sp>
       <p:sp>
         <p:nvSpPr>
-          <p:cNvPr id="307" name="Google Shape;307;p47"/>
+          <p:cNvPr id="303" name="Google Shape;303;p47"/>
           <p:cNvSpPr txBox="1"/>
           <p:nvPr>
             <p:ph idx="1" type="body"/>
@@ -14473,7 +15191,7 @@
         </p:nvSpPr>
         <p:spPr>
           <a:xfrm>
-            <a:off x="729450" y="2078875"/>
+            <a:off x="727650" y="1441200"/>
             <a:ext cx="7688700" cy="2261100"/>
           </a:xfrm>
           <a:prstGeom prst="rect">
@@ -14496,20 +15214,1598 @@
               <a:buNone/>
             </a:pPr>
             <a:r>
-              <a:rPr lang="en" sz="1500">
-                <a:latin typeface="Raleway Thin"/>
-                <a:ea typeface="Raleway Thin"/>
-                <a:cs typeface="Raleway Thin"/>
-                <a:sym typeface="Raleway Thin"/>
+              <a:rPr lang="en">
+                <a:solidFill>
+                  <a:schemeClr val="dk2"/>
+                </a:solidFill>
               </a:rPr>
-              <a:t>The accuracy at the moment with respect to the validation set is 92.61%. With better techniques, more advanced data augmentation and better layering, we are aiming for a higher accuracy.</a:t>
-            </a:r>
-            <a:endParaRPr sz="1500">
-              <a:latin typeface="Raleway Thin"/>
-              <a:ea typeface="Raleway Thin"/>
-              <a:cs typeface="Raleway Thin"/>
-              <a:sym typeface="Raleway Thin"/>
+              <a:t>It is one of the best pretrained models and can achieve excellent accuracy. </a:t>
+            </a:r>
+            <a:r>
+              <a:rPr lang="en">
+                <a:solidFill>
+                  <a:schemeClr val="dk2"/>
+                </a:solidFill>
+                <a:highlight>
+                  <a:srgbClr val="FFFFFF"/>
+                </a:highlight>
+              </a:rPr>
+              <a:t>The model achieves 92.7% top-5 test accuracy in ImageNet, which is a dataset of over 14 million images belonging to 1000 classes. While working very well with some other datasets, the model didn’t perform very well with signs of overfitting.  It gave an accuracy of 91.13%. Hence this model too was not selected as the final model.</a:t>
+            </a:r>
+            <a:r>
+              <a:rPr lang="en" sz="1100">
+                <a:solidFill>
+                  <a:schemeClr val="dk2"/>
+                </a:solidFill>
+                <a:highlight>
+                  <a:srgbClr val="FFFFFF"/>
+                </a:highlight>
+                <a:latin typeface="Times New Roman"/>
+                <a:ea typeface="Times New Roman"/>
+                <a:cs typeface="Times New Roman"/>
+                <a:sym typeface="Times New Roman"/>
+              </a:rPr>
+              <a:t> </a:t>
+            </a:r>
+            <a:r>
+              <a:rPr lang="en">
+                <a:solidFill>
+                  <a:schemeClr val="dk2"/>
+                </a:solidFill>
+              </a:rPr>
+              <a:t>The layers are given below:</a:t>
+            </a:r>
+            <a:br>
+              <a:rPr lang="en">
+                <a:solidFill>
+                  <a:schemeClr val="dk2"/>
+                </a:solidFill>
+              </a:rPr>
+            </a:br>
+            <a:endParaRPr>
+              <a:solidFill>
+                <a:schemeClr val="dk2"/>
+              </a:solidFill>
             </a:endParaRPr>
+          </a:p>
+        </p:txBody>
+      </p:sp>
+      <p:pic>
+        <p:nvPicPr>
+          <p:cNvPr id="304" name="Google Shape;304;p47"/>
+          <p:cNvPicPr preferRelativeResize="0"/>
+          <p:nvPr/>
+        </p:nvPicPr>
+        <p:blipFill>
+          <a:blip r:embed="rId3">
+            <a:alphaModFix/>
+          </a:blip>
+          <a:stretch>
+            <a:fillRect/>
+          </a:stretch>
+        </p:blipFill>
+        <p:spPr>
+          <a:xfrm>
+            <a:off x="1482325" y="2727225"/>
+            <a:ext cx="5943600" cy="1457325"/>
+          </a:xfrm>
+          <a:prstGeom prst="rect">
+            <a:avLst/>
+          </a:prstGeom>
+          <a:noFill/>
+          <a:ln>
+            <a:noFill/>
+          </a:ln>
+        </p:spPr>
+      </p:pic>
+    </p:spTree>
+  </p:cSld>
+  <p:clrMapOvr>
+    <a:masterClrMapping/>
+  </p:clrMapOvr>
+</p:sld>
+</file>
+
+<file path=ppt/slides/slide36.xml><?xml version="1.0" encoding="utf-8"?>
+<p:sld xmlns:a="http://schemas.openxmlformats.org/drawingml/2006/main" xmlns:r="http://schemas.openxmlformats.org/officeDocument/2006/relationships" xmlns:mc="http://schemas.openxmlformats.org/markup-compatibility/2006" xmlns:mv="urn:schemas-microsoft-com:mac:vml" xmlns:p="http://schemas.openxmlformats.org/presentationml/2006/main" xmlns:c="http://schemas.openxmlformats.org/drawingml/2006/chart" xmlns:dgm="http://schemas.openxmlformats.org/drawingml/2006/diagram" xmlns:o="urn:schemas-microsoft-com:office:office" xmlns:v="urn:schemas-microsoft-com:vml" xmlns:pvml="urn:schemas-microsoft-com:office:powerpoint" xmlns:com="http://schemas.openxmlformats.org/drawingml/2006/compatibility" xmlns:p14="http://schemas.microsoft.com/office/powerpoint/2010/main" xmlns:p15="http://schemas.microsoft.com/office/powerpoint/2012/main" xmlns:ahyp="http://schemas.microsoft.com/office/drawing/2018/hyperlinkcolor">
+  <p:cSld>
+    <p:spTree>
+      <p:nvGrpSpPr>
+        <p:cNvPr id="308" name="Shape 308"/>
+        <p:cNvGrpSpPr/>
+        <p:nvPr/>
+      </p:nvGrpSpPr>
+      <p:grpSpPr>
+        <a:xfrm>
+          <a:off x="0" y="0"/>
+          <a:ext cx="0" cy="0"/>
+          <a:chOff x="0" y="0"/>
+          <a:chExt cx="0" cy="0"/>
+        </a:xfrm>
+      </p:grpSpPr>
+      <p:sp>
+        <p:nvSpPr>
+          <p:cNvPr id="309" name="Google Shape;309;p48"/>
+          <p:cNvSpPr txBox="1"/>
+          <p:nvPr>
+            <p:ph type="title"/>
+          </p:nvPr>
+        </p:nvSpPr>
+        <p:spPr>
+          <a:xfrm>
+            <a:off x="727650" y="536400"/>
+            <a:ext cx="7688700" cy="535200"/>
+          </a:xfrm>
+          <a:prstGeom prst="rect">
+            <a:avLst/>
+          </a:prstGeom>
+        </p:spPr>
+        <p:txBody>
+          <a:bodyPr anchorCtr="0" anchor="t" bIns="91425" lIns="91425" spcFirstLastPara="1" rIns="91425" wrap="square" tIns="91425">
+            <a:normAutofit fontScale="90000"/>
+          </a:bodyPr>
+          <a:lstStyle/>
+          <a:p>
+            <a:pPr indent="0" lvl="0" marL="0" rtl="0" algn="l">
+              <a:spcBef>
+                <a:spcPts val="0"/>
+              </a:spcBef>
+              <a:spcAft>
+                <a:spcPts val="0"/>
+              </a:spcAft>
+              <a:buNone/>
+            </a:pPr>
+            <a:r>
+              <a:rPr lang="en"/>
+              <a:t>3. ResNet152</a:t>
+            </a:r>
+            <a:endParaRPr/>
+          </a:p>
+        </p:txBody>
+      </p:sp>
+      <p:sp>
+        <p:nvSpPr>
+          <p:cNvPr id="310" name="Google Shape;310;p48"/>
+          <p:cNvSpPr txBox="1"/>
+          <p:nvPr>
+            <p:ph idx="1" type="body"/>
+          </p:nvPr>
+        </p:nvSpPr>
+        <p:spPr>
+          <a:xfrm>
+            <a:off x="772300" y="1500250"/>
+            <a:ext cx="7688700" cy="2261100"/>
+          </a:xfrm>
+          <a:prstGeom prst="rect">
+            <a:avLst/>
+          </a:prstGeom>
+        </p:spPr>
+        <p:txBody>
+          <a:bodyPr anchorCtr="0" anchor="t" bIns="91425" lIns="91425" spcFirstLastPara="1" rIns="91425" wrap="square" tIns="91425">
+            <a:normAutofit/>
+          </a:bodyPr>
+          <a:lstStyle/>
+          <a:p>
+            <a:pPr indent="0" lvl="0" marL="0" rtl="0" algn="just">
+              <a:spcBef>
+                <a:spcPts val="1200"/>
+              </a:spcBef>
+              <a:spcAft>
+                <a:spcPts val="0"/>
+              </a:spcAft>
+              <a:buNone/>
+            </a:pPr>
+            <a:r>
+              <a:rPr b="1" lang="en">
+                <a:solidFill>
+                  <a:schemeClr val="dk2"/>
+                </a:solidFill>
+                <a:highlight>
+                  <a:srgbClr val="FFFFFF"/>
+                </a:highlight>
+              </a:rPr>
+              <a:t>ResNet</a:t>
+            </a:r>
+            <a:r>
+              <a:rPr lang="en">
+                <a:solidFill>
+                  <a:schemeClr val="dk2"/>
+                </a:solidFill>
+                <a:highlight>
+                  <a:srgbClr val="FFFFFF"/>
+                </a:highlight>
+              </a:rPr>
+              <a:t> can have a very deep network of up to </a:t>
+            </a:r>
+            <a:r>
+              <a:rPr b="1" lang="en">
+                <a:solidFill>
+                  <a:schemeClr val="dk2"/>
+                </a:solidFill>
+                <a:highlight>
+                  <a:srgbClr val="FFFFFF"/>
+                </a:highlight>
+              </a:rPr>
+              <a:t>152</a:t>
+            </a:r>
+            <a:r>
+              <a:rPr lang="en">
+                <a:solidFill>
+                  <a:schemeClr val="dk2"/>
+                </a:solidFill>
+                <a:highlight>
+                  <a:srgbClr val="FFFFFF"/>
+                </a:highlight>
+              </a:rPr>
+              <a:t> layers by learning the residual representation functions instead of learning the signal representation directly. Given below is the architecture for ResNet152. Validation accuracy achieved with this was 93.14%. Given below are the layers in this model:</a:t>
+            </a:r>
+            <a:endParaRPr>
+              <a:solidFill>
+                <a:schemeClr val="dk2"/>
+              </a:solidFill>
+              <a:highlight>
+                <a:srgbClr val="FFFFFF"/>
+              </a:highlight>
+            </a:endParaRPr>
+          </a:p>
+          <a:p>
+            <a:pPr indent="0" lvl="0" marL="0" rtl="0" algn="just">
+              <a:spcBef>
+                <a:spcPts val="1200"/>
+              </a:spcBef>
+              <a:spcAft>
+                <a:spcPts val="1200"/>
+              </a:spcAft>
+              <a:buNone/>
+            </a:pPr>
+            <a:r>
+              <a:t/>
+            </a:r>
+            <a:endParaRPr sz="1200">
+              <a:solidFill>
+                <a:srgbClr val="202124"/>
+              </a:solidFill>
+              <a:highlight>
+                <a:srgbClr val="FFFFFF"/>
+              </a:highlight>
+              <a:latin typeface="Times New Roman"/>
+              <a:ea typeface="Times New Roman"/>
+              <a:cs typeface="Times New Roman"/>
+              <a:sym typeface="Times New Roman"/>
+            </a:endParaRPr>
+          </a:p>
+        </p:txBody>
+      </p:sp>
+      <p:pic>
+        <p:nvPicPr>
+          <p:cNvPr id="311" name="Google Shape;311;p48"/>
+          <p:cNvPicPr preferRelativeResize="0"/>
+          <p:nvPr/>
+        </p:nvPicPr>
+        <p:blipFill>
+          <a:blip r:embed="rId3">
+            <a:alphaModFix/>
+          </a:blip>
+          <a:stretch>
+            <a:fillRect/>
+          </a:stretch>
+        </p:blipFill>
+        <p:spPr>
+          <a:xfrm>
+            <a:off x="1264425" y="2571738"/>
+            <a:ext cx="6229350" cy="2047875"/>
+          </a:xfrm>
+          <a:prstGeom prst="rect">
+            <a:avLst/>
+          </a:prstGeom>
+          <a:noFill/>
+          <a:ln>
+            <a:noFill/>
+          </a:ln>
+        </p:spPr>
+      </p:pic>
+    </p:spTree>
+  </p:cSld>
+  <p:clrMapOvr>
+    <a:masterClrMapping/>
+  </p:clrMapOvr>
+</p:sld>
+</file>
+
+<file path=ppt/slides/slide37.xml><?xml version="1.0" encoding="utf-8"?>
+<p:sld xmlns:a="http://schemas.openxmlformats.org/drawingml/2006/main" xmlns:r="http://schemas.openxmlformats.org/officeDocument/2006/relationships" xmlns:mc="http://schemas.openxmlformats.org/markup-compatibility/2006" xmlns:mv="urn:schemas-microsoft-com:mac:vml" xmlns:p="http://schemas.openxmlformats.org/presentationml/2006/main" xmlns:c="http://schemas.openxmlformats.org/drawingml/2006/chart" xmlns:dgm="http://schemas.openxmlformats.org/drawingml/2006/diagram" xmlns:o="urn:schemas-microsoft-com:office:office" xmlns:v="urn:schemas-microsoft-com:vml" xmlns:pvml="urn:schemas-microsoft-com:office:powerpoint" xmlns:com="http://schemas.openxmlformats.org/drawingml/2006/compatibility" xmlns:p14="http://schemas.microsoft.com/office/powerpoint/2010/main" xmlns:p15="http://schemas.microsoft.com/office/powerpoint/2012/main" xmlns:ahyp="http://schemas.microsoft.com/office/drawing/2018/hyperlinkcolor">
+  <p:cSld>
+    <p:spTree>
+      <p:nvGrpSpPr>
+        <p:cNvPr id="315" name="Shape 315"/>
+        <p:cNvGrpSpPr/>
+        <p:nvPr/>
+      </p:nvGrpSpPr>
+      <p:grpSpPr>
+        <a:xfrm>
+          <a:off x="0" y="0"/>
+          <a:ext cx="0" cy="0"/>
+          <a:chOff x="0" y="0"/>
+          <a:chExt cx="0" cy="0"/>
+        </a:xfrm>
+      </p:grpSpPr>
+      <p:sp>
+        <p:nvSpPr>
+          <p:cNvPr id="316" name="Google Shape;316;p49"/>
+          <p:cNvSpPr txBox="1"/>
+          <p:nvPr>
+            <p:ph type="title"/>
+          </p:nvPr>
+        </p:nvSpPr>
+        <p:spPr>
+          <a:xfrm>
+            <a:off x="582413" y="514975"/>
+            <a:ext cx="7688700" cy="535200"/>
+          </a:xfrm>
+          <a:prstGeom prst="rect">
+            <a:avLst/>
+          </a:prstGeom>
+        </p:spPr>
+        <p:txBody>
+          <a:bodyPr anchorCtr="0" anchor="t" bIns="91425" lIns="91425" spcFirstLastPara="1" rIns="91425" wrap="square" tIns="91425">
+            <a:normAutofit fontScale="90000"/>
+          </a:bodyPr>
+          <a:lstStyle/>
+          <a:p>
+            <a:pPr indent="0" lvl="0" marL="0" rtl="0" algn="l">
+              <a:spcBef>
+                <a:spcPts val="0"/>
+              </a:spcBef>
+              <a:spcAft>
+                <a:spcPts val="0"/>
+              </a:spcAft>
+              <a:buNone/>
+            </a:pPr>
+            <a:r>
+              <a:rPr lang="en"/>
+              <a:t>Analysis</a:t>
+            </a:r>
+            <a:endParaRPr/>
+          </a:p>
+        </p:txBody>
+      </p:sp>
+      <p:sp>
+        <p:nvSpPr>
+          <p:cNvPr id="317" name="Google Shape;317;p49"/>
+          <p:cNvSpPr txBox="1"/>
+          <p:nvPr>
+            <p:ph idx="1" type="body"/>
+          </p:nvPr>
+        </p:nvSpPr>
+        <p:spPr>
+          <a:xfrm>
+            <a:off x="582425" y="1441200"/>
+            <a:ext cx="7688700" cy="2261100"/>
+          </a:xfrm>
+          <a:prstGeom prst="rect">
+            <a:avLst/>
+          </a:prstGeom>
+        </p:spPr>
+        <p:txBody>
+          <a:bodyPr anchorCtr="0" anchor="t" bIns="91425" lIns="91425" spcFirstLastPara="1" rIns="91425" wrap="square" tIns="91425">
+            <a:normAutofit/>
+          </a:bodyPr>
+          <a:lstStyle/>
+          <a:p>
+            <a:pPr indent="0" lvl="0" marL="0" rtl="0" algn="just">
+              <a:spcBef>
+                <a:spcPts val="1200"/>
+              </a:spcBef>
+              <a:spcAft>
+                <a:spcPts val="0"/>
+              </a:spcAft>
+              <a:buNone/>
+            </a:pPr>
+            <a:r>
+              <a:rPr lang="en">
+                <a:solidFill>
+                  <a:srgbClr val="000000"/>
+                </a:solidFill>
+              </a:rPr>
+              <a:t>Since the results from EfficientNetB3 model in the form of accuracy was the best,  it was selected as the best model.The figure shows the epochs that the model ran. There were a total of 10 epochs that were run on this model and provided an accuracy of 98.6%. </a:t>
+            </a:r>
+            <a:endParaRPr>
+              <a:solidFill>
+                <a:srgbClr val="000000"/>
+              </a:solidFill>
+            </a:endParaRPr>
+          </a:p>
+          <a:p>
+            <a:pPr indent="0" lvl="0" marL="0" rtl="0" algn="l">
+              <a:spcBef>
+                <a:spcPts val="1200"/>
+              </a:spcBef>
+              <a:spcAft>
+                <a:spcPts val="1200"/>
+              </a:spcAft>
+              <a:buNone/>
+            </a:pPr>
+            <a:r>
+              <a:t/>
+            </a:r>
+            <a:endParaRPr/>
+          </a:p>
+        </p:txBody>
+      </p:sp>
+      <p:pic>
+        <p:nvPicPr>
+          <p:cNvPr id="318" name="Google Shape;318;p49"/>
+          <p:cNvPicPr preferRelativeResize="0"/>
+          <p:nvPr/>
+        </p:nvPicPr>
+        <p:blipFill>
+          <a:blip r:embed="rId3">
+            <a:alphaModFix/>
+          </a:blip>
+          <a:stretch>
+            <a:fillRect/>
+          </a:stretch>
+        </p:blipFill>
+        <p:spPr>
+          <a:xfrm>
+            <a:off x="1550200" y="2257413"/>
+            <a:ext cx="5667375" cy="2886075"/>
+          </a:xfrm>
+          <a:prstGeom prst="rect">
+            <a:avLst/>
+          </a:prstGeom>
+          <a:noFill/>
+          <a:ln>
+            <a:noFill/>
+          </a:ln>
+        </p:spPr>
+      </p:pic>
+    </p:spTree>
+  </p:cSld>
+  <p:clrMapOvr>
+    <a:masterClrMapping/>
+  </p:clrMapOvr>
+</p:sld>
+</file>
+
+<file path=ppt/slides/slide38.xml><?xml version="1.0" encoding="utf-8"?>
+<p:sld xmlns:a="http://schemas.openxmlformats.org/drawingml/2006/main" xmlns:r="http://schemas.openxmlformats.org/officeDocument/2006/relationships" xmlns:mc="http://schemas.openxmlformats.org/markup-compatibility/2006" xmlns:mv="urn:schemas-microsoft-com:mac:vml" xmlns:p="http://schemas.openxmlformats.org/presentationml/2006/main" xmlns:c="http://schemas.openxmlformats.org/drawingml/2006/chart" xmlns:dgm="http://schemas.openxmlformats.org/drawingml/2006/diagram" xmlns:o="urn:schemas-microsoft-com:office:office" xmlns:v="urn:schemas-microsoft-com:vml" xmlns:pvml="urn:schemas-microsoft-com:office:powerpoint" xmlns:com="http://schemas.openxmlformats.org/drawingml/2006/compatibility" xmlns:p14="http://schemas.microsoft.com/office/powerpoint/2010/main" xmlns:p15="http://schemas.microsoft.com/office/powerpoint/2012/main" xmlns:ahyp="http://schemas.microsoft.com/office/drawing/2018/hyperlinkcolor">
+  <p:cSld>
+    <p:spTree>
+      <p:nvGrpSpPr>
+        <p:cNvPr id="322" name="Shape 322"/>
+        <p:cNvGrpSpPr/>
+        <p:nvPr/>
+      </p:nvGrpSpPr>
+      <p:grpSpPr>
+        <a:xfrm>
+          <a:off x="0" y="0"/>
+          <a:ext cx="0" cy="0"/>
+          <a:chOff x="0" y="0"/>
+          <a:chExt cx="0" cy="0"/>
+        </a:xfrm>
+      </p:grpSpPr>
+      <p:sp>
+        <p:nvSpPr>
+          <p:cNvPr id="323" name="Google Shape;323;p50"/>
+          <p:cNvSpPr txBox="1"/>
+          <p:nvPr>
+            <p:ph type="title"/>
+          </p:nvPr>
+        </p:nvSpPr>
+        <p:spPr>
+          <a:xfrm>
+            <a:off x="793750" y="1318650"/>
+            <a:ext cx="7688700" cy="535200"/>
+          </a:xfrm>
+          <a:prstGeom prst="rect">
+            <a:avLst/>
+          </a:prstGeom>
+        </p:spPr>
+        <p:txBody>
+          <a:bodyPr anchorCtr="0" anchor="t" bIns="91425" lIns="91425" spcFirstLastPara="1" rIns="91425" wrap="square" tIns="91425">
+            <a:normAutofit fontScale="90000"/>
+          </a:bodyPr>
+          <a:lstStyle/>
+          <a:p>
+            <a:pPr indent="0" lvl="0" marL="0" rtl="0" algn="l">
+              <a:spcBef>
+                <a:spcPts val="0"/>
+              </a:spcBef>
+              <a:spcAft>
+                <a:spcPts val="0"/>
+              </a:spcAft>
+              <a:buNone/>
+            </a:pPr>
+            <a:r>
+              <a:rPr lang="en"/>
+              <a:t>Final Accuracies</a:t>
+            </a:r>
+            <a:endParaRPr/>
+          </a:p>
+        </p:txBody>
+      </p:sp>
+      <p:sp>
+        <p:nvSpPr>
+          <p:cNvPr id="324" name="Google Shape;324;p50"/>
+          <p:cNvSpPr txBox="1"/>
+          <p:nvPr>
+            <p:ph idx="1" type="body"/>
+          </p:nvPr>
+        </p:nvSpPr>
+        <p:spPr>
+          <a:xfrm>
+            <a:off x="793750" y="1923950"/>
+            <a:ext cx="7688700" cy="2261100"/>
+          </a:xfrm>
+          <a:prstGeom prst="rect">
+            <a:avLst/>
+          </a:prstGeom>
+        </p:spPr>
+        <p:txBody>
+          <a:bodyPr anchorCtr="0" anchor="t" bIns="91425" lIns="91425" spcFirstLastPara="1" rIns="91425" wrap="square" tIns="91425">
+            <a:normAutofit/>
+          </a:bodyPr>
+          <a:lstStyle/>
+          <a:p>
+            <a:pPr indent="0" lvl="0" marL="0" rtl="0" algn="l">
+              <a:spcBef>
+                <a:spcPts val="0"/>
+              </a:spcBef>
+              <a:spcAft>
+                <a:spcPts val="1200"/>
+              </a:spcAft>
+              <a:buNone/>
+            </a:pPr>
+            <a:r>
+              <a:rPr lang="en"/>
+              <a:t>The table below gives a description of the final accuracies achieved from the models:</a:t>
+            </a:r>
+            <a:br>
+              <a:rPr lang="en"/>
+            </a:br>
+            <a:endParaRPr/>
+          </a:p>
+        </p:txBody>
+      </p:sp>
+      <p:graphicFrame>
+        <p:nvGraphicFramePr>
+          <p:cNvPr id="325" name="Google Shape;325;p50"/>
+          <p:cNvGraphicFramePr/>
+          <p:nvPr/>
+        </p:nvGraphicFramePr>
+        <p:xfrm>
+          <a:off x="877500" y="2468175"/>
+          <a:ext cx="3000000" cy="3000000"/>
+        </p:xfrm>
+        <a:graphic>
+          <a:graphicData uri="http://schemas.openxmlformats.org/drawingml/2006/table">
+            <a:tbl>
+              <a:tblPr>
+                <a:noFill/>
+                <a:tableStyleId>{23346908-5D19-40A7-988C-3925966CD6F1}</a:tableStyleId>
+              </a:tblPr>
+              <a:tblGrid>
+                <a:gridCol w="3619500"/>
+                <a:gridCol w="3619500"/>
+              </a:tblGrid>
+              <a:tr h="381000">
+                <a:tc>
+                  <a:txBody>
+                    <a:bodyPr/>
+                    <a:lstStyle/>
+                    <a:p>
+                      <a:pPr indent="0" lvl="0" marL="0" rtl="0" algn="l">
+                        <a:lnSpc>
+                          <a:spcPct val="115000"/>
+                        </a:lnSpc>
+                        <a:spcBef>
+                          <a:spcPts val="1200"/>
+                        </a:spcBef>
+                        <a:spcAft>
+                          <a:spcPts val="1200"/>
+                        </a:spcAft>
+                        <a:buNone/>
+                      </a:pPr>
+                      <a:r>
+                        <a:rPr lang="en">
+                          <a:latin typeface="Lato"/>
+                          <a:ea typeface="Lato"/>
+                          <a:cs typeface="Lato"/>
+                          <a:sym typeface="Lato"/>
+                        </a:rPr>
+                        <a:t>MODEL</a:t>
+                      </a:r>
+                      <a:endParaRPr>
+                        <a:latin typeface="Lato"/>
+                        <a:ea typeface="Lato"/>
+                        <a:cs typeface="Lato"/>
+                        <a:sym typeface="Lato"/>
+                      </a:endParaRPr>
+                    </a:p>
+                  </a:txBody>
+                  <a:tcPr marT="63500" marB="63500" marR="63500" marL="63500">
+                    <a:lnL cap="flat" cmpd="sng" w="12625">
+                      <a:solidFill>
+                        <a:srgbClr val="000000"/>
+                      </a:solidFill>
+                      <a:prstDash val="solid"/>
+                      <a:round/>
+                      <a:headEnd len="sm" w="sm" type="none"/>
+                      <a:tailEnd len="sm" w="sm" type="none"/>
+                    </a:lnL>
+                    <a:lnR cap="flat" cmpd="sng" w="12625">
+                      <a:solidFill>
+                        <a:srgbClr val="000000"/>
+                      </a:solidFill>
+                      <a:prstDash val="solid"/>
+                      <a:round/>
+                      <a:headEnd len="sm" w="sm" type="none"/>
+                      <a:tailEnd len="sm" w="sm" type="none"/>
+                    </a:lnR>
+                    <a:lnT cap="flat" cmpd="sng" w="12625">
+                      <a:solidFill>
+                        <a:srgbClr val="000000"/>
+                      </a:solidFill>
+                      <a:prstDash val="solid"/>
+                      <a:round/>
+                      <a:headEnd len="sm" w="sm" type="none"/>
+                      <a:tailEnd len="sm" w="sm" type="none"/>
+                    </a:lnT>
+                    <a:lnB cap="flat" cmpd="sng" w="12625">
+                      <a:solidFill>
+                        <a:srgbClr val="000000"/>
+                      </a:solidFill>
+                      <a:prstDash val="solid"/>
+                      <a:round/>
+                      <a:headEnd len="sm" w="sm" type="none"/>
+                      <a:tailEnd len="sm" w="sm" type="none"/>
+                    </a:lnB>
+                  </a:tcPr>
+                </a:tc>
+                <a:tc>
+                  <a:txBody>
+                    <a:bodyPr/>
+                    <a:lstStyle/>
+                    <a:p>
+                      <a:pPr indent="0" lvl="0" marL="0" rtl="0" algn="l">
+                        <a:lnSpc>
+                          <a:spcPct val="115000"/>
+                        </a:lnSpc>
+                        <a:spcBef>
+                          <a:spcPts val="1200"/>
+                        </a:spcBef>
+                        <a:spcAft>
+                          <a:spcPts val="1200"/>
+                        </a:spcAft>
+                        <a:buNone/>
+                      </a:pPr>
+                      <a:r>
+                        <a:rPr lang="en">
+                          <a:latin typeface="Lato"/>
+                          <a:ea typeface="Lato"/>
+                          <a:cs typeface="Lato"/>
+                          <a:sym typeface="Lato"/>
+                        </a:rPr>
+                        <a:t>VALIDATION ACCURACY</a:t>
+                      </a:r>
+                      <a:endParaRPr>
+                        <a:latin typeface="Lato"/>
+                        <a:ea typeface="Lato"/>
+                        <a:cs typeface="Lato"/>
+                        <a:sym typeface="Lato"/>
+                      </a:endParaRPr>
+                    </a:p>
+                  </a:txBody>
+                  <a:tcPr marT="63500" marB="63500" marR="63500" marL="63500">
+                    <a:lnL cap="flat" cmpd="sng" w="12625">
+                      <a:solidFill>
+                        <a:srgbClr val="000000"/>
+                      </a:solidFill>
+                      <a:prstDash val="solid"/>
+                      <a:round/>
+                      <a:headEnd len="sm" w="sm" type="none"/>
+                      <a:tailEnd len="sm" w="sm" type="none"/>
+                    </a:lnL>
+                    <a:lnR cap="flat" cmpd="sng" w="12625">
+                      <a:solidFill>
+                        <a:srgbClr val="000000"/>
+                      </a:solidFill>
+                      <a:prstDash val="solid"/>
+                      <a:round/>
+                      <a:headEnd len="sm" w="sm" type="none"/>
+                      <a:tailEnd len="sm" w="sm" type="none"/>
+                    </a:lnR>
+                    <a:lnT cap="flat" cmpd="sng" w="12625">
+                      <a:solidFill>
+                        <a:srgbClr val="000000"/>
+                      </a:solidFill>
+                      <a:prstDash val="solid"/>
+                      <a:round/>
+                      <a:headEnd len="sm" w="sm" type="none"/>
+                      <a:tailEnd len="sm" w="sm" type="none"/>
+                    </a:lnT>
+                    <a:lnB cap="flat" cmpd="sng" w="12625">
+                      <a:solidFill>
+                        <a:srgbClr val="000000"/>
+                      </a:solidFill>
+                      <a:prstDash val="solid"/>
+                      <a:round/>
+                      <a:headEnd len="sm" w="sm" type="none"/>
+                      <a:tailEnd len="sm" w="sm" type="none"/>
+                    </a:lnB>
+                  </a:tcPr>
+                </a:tc>
+              </a:tr>
+              <a:tr h="381000">
+                <a:tc>
+                  <a:txBody>
+                    <a:bodyPr/>
+                    <a:lstStyle/>
+                    <a:p>
+                      <a:pPr indent="0" lvl="0" marL="0" rtl="0" algn="l">
+                        <a:lnSpc>
+                          <a:spcPct val="115000"/>
+                        </a:lnSpc>
+                        <a:spcBef>
+                          <a:spcPts val="1200"/>
+                        </a:spcBef>
+                        <a:spcAft>
+                          <a:spcPts val="1200"/>
+                        </a:spcAft>
+                        <a:buNone/>
+                      </a:pPr>
+                      <a:r>
+                        <a:rPr lang="en">
+                          <a:latin typeface="Lato"/>
+                          <a:ea typeface="Lato"/>
+                          <a:cs typeface="Lato"/>
+                          <a:sym typeface="Lato"/>
+                        </a:rPr>
+                        <a:t>EfficientNetB3</a:t>
+                      </a:r>
+                      <a:endParaRPr>
+                        <a:latin typeface="Lato"/>
+                        <a:ea typeface="Lato"/>
+                        <a:cs typeface="Lato"/>
+                        <a:sym typeface="Lato"/>
+                      </a:endParaRPr>
+                    </a:p>
+                  </a:txBody>
+                  <a:tcPr marT="63500" marB="63500" marR="63500" marL="63500">
+                    <a:lnL cap="flat" cmpd="sng" w="12625">
+                      <a:solidFill>
+                        <a:srgbClr val="000000"/>
+                      </a:solidFill>
+                      <a:prstDash val="solid"/>
+                      <a:round/>
+                      <a:headEnd len="sm" w="sm" type="none"/>
+                      <a:tailEnd len="sm" w="sm" type="none"/>
+                    </a:lnL>
+                    <a:lnR cap="flat" cmpd="sng" w="12625">
+                      <a:solidFill>
+                        <a:srgbClr val="000000"/>
+                      </a:solidFill>
+                      <a:prstDash val="solid"/>
+                      <a:round/>
+                      <a:headEnd len="sm" w="sm" type="none"/>
+                      <a:tailEnd len="sm" w="sm" type="none"/>
+                    </a:lnR>
+                    <a:lnT cap="flat" cmpd="sng" w="12625">
+                      <a:solidFill>
+                        <a:srgbClr val="000000"/>
+                      </a:solidFill>
+                      <a:prstDash val="solid"/>
+                      <a:round/>
+                      <a:headEnd len="sm" w="sm" type="none"/>
+                      <a:tailEnd len="sm" w="sm" type="none"/>
+                    </a:lnT>
+                    <a:lnB cap="flat" cmpd="sng" w="12625">
+                      <a:solidFill>
+                        <a:srgbClr val="000000"/>
+                      </a:solidFill>
+                      <a:prstDash val="solid"/>
+                      <a:round/>
+                      <a:headEnd len="sm" w="sm" type="none"/>
+                      <a:tailEnd len="sm" w="sm" type="none"/>
+                    </a:lnB>
+                  </a:tcPr>
+                </a:tc>
+                <a:tc>
+                  <a:txBody>
+                    <a:bodyPr/>
+                    <a:lstStyle/>
+                    <a:p>
+                      <a:pPr indent="0" lvl="0" marL="0" rtl="0" algn="l">
+                        <a:lnSpc>
+                          <a:spcPct val="115000"/>
+                        </a:lnSpc>
+                        <a:spcBef>
+                          <a:spcPts val="1200"/>
+                        </a:spcBef>
+                        <a:spcAft>
+                          <a:spcPts val="1200"/>
+                        </a:spcAft>
+                        <a:buNone/>
+                      </a:pPr>
+                      <a:r>
+                        <a:rPr lang="en">
+                          <a:latin typeface="Lato"/>
+                          <a:ea typeface="Lato"/>
+                          <a:cs typeface="Lato"/>
+                          <a:sym typeface="Lato"/>
+                        </a:rPr>
+                        <a:t>98.60%</a:t>
+                      </a:r>
+                      <a:endParaRPr>
+                        <a:latin typeface="Lato"/>
+                        <a:ea typeface="Lato"/>
+                        <a:cs typeface="Lato"/>
+                        <a:sym typeface="Lato"/>
+                      </a:endParaRPr>
+                    </a:p>
+                  </a:txBody>
+                  <a:tcPr marT="63500" marB="63500" marR="63500" marL="63500">
+                    <a:lnL cap="flat" cmpd="sng" w="12625">
+                      <a:solidFill>
+                        <a:srgbClr val="000000"/>
+                      </a:solidFill>
+                      <a:prstDash val="solid"/>
+                      <a:round/>
+                      <a:headEnd len="sm" w="sm" type="none"/>
+                      <a:tailEnd len="sm" w="sm" type="none"/>
+                    </a:lnL>
+                    <a:lnR cap="flat" cmpd="sng" w="12625">
+                      <a:solidFill>
+                        <a:srgbClr val="000000"/>
+                      </a:solidFill>
+                      <a:prstDash val="solid"/>
+                      <a:round/>
+                      <a:headEnd len="sm" w="sm" type="none"/>
+                      <a:tailEnd len="sm" w="sm" type="none"/>
+                    </a:lnR>
+                    <a:lnT cap="flat" cmpd="sng" w="12625">
+                      <a:solidFill>
+                        <a:srgbClr val="000000"/>
+                      </a:solidFill>
+                      <a:prstDash val="solid"/>
+                      <a:round/>
+                      <a:headEnd len="sm" w="sm" type="none"/>
+                      <a:tailEnd len="sm" w="sm" type="none"/>
+                    </a:lnT>
+                    <a:lnB cap="flat" cmpd="sng" w="12625">
+                      <a:solidFill>
+                        <a:srgbClr val="000000"/>
+                      </a:solidFill>
+                      <a:prstDash val="solid"/>
+                      <a:round/>
+                      <a:headEnd len="sm" w="sm" type="none"/>
+                      <a:tailEnd len="sm" w="sm" type="none"/>
+                    </a:lnB>
+                  </a:tcPr>
+                </a:tc>
+              </a:tr>
+              <a:tr h="381000">
+                <a:tc>
+                  <a:txBody>
+                    <a:bodyPr/>
+                    <a:lstStyle/>
+                    <a:p>
+                      <a:pPr indent="0" lvl="0" marL="0" rtl="0" algn="l">
+                        <a:lnSpc>
+                          <a:spcPct val="115000"/>
+                        </a:lnSpc>
+                        <a:spcBef>
+                          <a:spcPts val="1200"/>
+                        </a:spcBef>
+                        <a:spcAft>
+                          <a:spcPts val="1200"/>
+                        </a:spcAft>
+                        <a:buNone/>
+                      </a:pPr>
+                      <a:r>
+                        <a:rPr lang="en">
+                          <a:latin typeface="Lato"/>
+                          <a:ea typeface="Lato"/>
+                          <a:cs typeface="Lato"/>
+                          <a:sym typeface="Lato"/>
+                        </a:rPr>
+                        <a:t>ResNet152</a:t>
+                      </a:r>
+                      <a:endParaRPr>
+                        <a:latin typeface="Lato"/>
+                        <a:ea typeface="Lato"/>
+                        <a:cs typeface="Lato"/>
+                        <a:sym typeface="Lato"/>
+                      </a:endParaRPr>
+                    </a:p>
+                  </a:txBody>
+                  <a:tcPr marT="63500" marB="63500" marR="63500" marL="63500">
+                    <a:lnL cap="flat" cmpd="sng" w="12625">
+                      <a:solidFill>
+                        <a:srgbClr val="000000"/>
+                      </a:solidFill>
+                      <a:prstDash val="solid"/>
+                      <a:round/>
+                      <a:headEnd len="sm" w="sm" type="none"/>
+                      <a:tailEnd len="sm" w="sm" type="none"/>
+                    </a:lnL>
+                    <a:lnR cap="flat" cmpd="sng" w="12625">
+                      <a:solidFill>
+                        <a:srgbClr val="000000"/>
+                      </a:solidFill>
+                      <a:prstDash val="solid"/>
+                      <a:round/>
+                      <a:headEnd len="sm" w="sm" type="none"/>
+                      <a:tailEnd len="sm" w="sm" type="none"/>
+                    </a:lnR>
+                    <a:lnT cap="flat" cmpd="sng" w="12625">
+                      <a:solidFill>
+                        <a:srgbClr val="000000"/>
+                      </a:solidFill>
+                      <a:prstDash val="solid"/>
+                      <a:round/>
+                      <a:headEnd len="sm" w="sm" type="none"/>
+                      <a:tailEnd len="sm" w="sm" type="none"/>
+                    </a:lnT>
+                    <a:lnB cap="flat" cmpd="sng" w="12625">
+                      <a:solidFill>
+                        <a:srgbClr val="000000"/>
+                      </a:solidFill>
+                      <a:prstDash val="solid"/>
+                      <a:round/>
+                      <a:headEnd len="sm" w="sm" type="none"/>
+                      <a:tailEnd len="sm" w="sm" type="none"/>
+                    </a:lnB>
+                  </a:tcPr>
+                </a:tc>
+                <a:tc>
+                  <a:txBody>
+                    <a:bodyPr/>
+                    <a:lstStyle/>
+                    <a:p>
+                      <a:pPr indent="0" lvl="0" marL="0" rtl="0" algn="l">
+                        <a:lnSpc>
+                          <a:spcPct val="115000"/>
+                        </a:lnSpc>
+                        <a:spcBef>
+                          <a:spcPts val="1200"/>
+                        </a:spcBef>
+                        <a:spcAft>
+                          <a:spcPts val="1200"/>
+                        </a:spcAft>
+                        <a:buNone/>
+                      </a:pPr>
+                      <a:r>
+                        <a:rPr lang="en">
+                          <a:latin typeface="Lato"/>
+                          <a:ea typeface="Lato"/>
+                          <a:cs typeface="Lato"/>
+                          <a:sym typeface="Lato"/>
+                        </a:rPr>
+                        <a:t>93.18%</a:t>
+                      </a:r>
+                      <a:endParaRPr>
+                        <a:latin typeface="Lato"/>
+                        <a:ea typeface="Lato"/>
+                        <a:cs typeface="Lato"/>
+                        <a:sym typeface="Lato"/>
+                      </a:endParaRPr>
+                    </a:p>
+                  </a:txBody>
+                  <a:tcPr marT="63500" marB="63500" marR="63500" marL="63500">
+                    <a:lnL cap="flat" cmpd="sng" w="12625">
+                      <a:solidFill>
+                        <a:srgbClr val="000000"/>
+                      </a:solidFill>
+                      <a:prstDash val="solid"/>
+                      <a:round/>
+                      <a:headEnd len="sm" w="sm" type="none"/>
+                      <a:tailEnd len="sm" w="sm" type="none"/>
+                    </a:lnL>
+                    <a:lnR cap="flat" cmpd="sng" w="12625">
+                      <a:solidFill>
+                        <a:srgbClr val="000000"/>
+                      </a:solidFill>
+                      <a:prstDash val="solid"/>
+                      <a:round/>
+                      <a:headEnd len="sm" w="sm" type="none"/>
+                      <a:tailEnd len="sm" w="sm" type="none"/>
+                    </a:lnR>
+                    <a:lnT cap="flat" cmpd="sng" w="12625">
+                      <a:solidFill>
+                        <a:srgbClr val="000000"/>
+                      </a:solidFill>
+                      <a:prstDash val="solid"/>
+                      <a:round/>
+                      <a:headEnd len="sm" w="sm" type="none"/>
+                      <a:tailEnd len="sm" w="sm" type="none"/>
+                    </a:lnT>
+                    <a:lnB cap="flat" cmpd="sng" w="12625">
+                      <a:solidFill>
+                        <a:srgbClr val="000000"/>
+                      </a:solidFill>
+                      <a:prstDash val="solid"/>
+                      <a:round/>
+                      <a:headEnd len="sm" w="sm" type="none"/>
+                      <a:tailEnd len="sm" w="sm" type="none"/>
+                    </a:lnB>
+                  </a:tcPr>
+                </a:tc>
+              </a:tr>
+              <a:tr h="381000">
+                <a:tc>
+                  <a:txBody>
+                    <a:bodyPr/>
+                    <a:lstStyle/>
+                    <a:p>
+                      <a:pPr indent="0" lvl="0" marL="0" rtl="0" algn="l">
+                        <a:lnSpc>
+                          <a:spcPct val="115000"/>
+                        </a:lnSpc>
+                        <a:spcBef>
+                          <a:spcPts val="1200"/>
+                        </a:spcBef>
+                        <a:spcAft>
+                          <a:spcPts val="1200"/>
+                        </a:spcAft>
+                        <a:buNone/>
+                      </a:pPr>
+                      <a:r>
+                        <a:rPr lang="en">
+                          <a:latin typeface="Lato"/>
+                          <a:ea typeface="Lato"/>
+                          <a:cs typeface="Lato"/>
+                          <a:sym typeface="Lato"/>
+                        </a:rPr>
+                        <a:t>Custom CNN</a:t>
+                      </a:r>
+                      <a:endParaRPr>
+                        <a:latin typeface="Lato"/>
+                        <a:ea typeface="Lato"/>
+                        <a:cs typeface="Lato"/>
+                        <a:sym typeface="Lato"/>
+                      </a:endParaRPr>
+                    </a:p>
+                  </a:txBody>
+                  <a:tcPr marT="63500" marB="63500" marR="63500" marL="63500">
+                    <a:lnL cap="flat" cmpd="sng" w="12625">
+                      <a:solidFill>
+                        <a:srgbClr val="000000"/>
+                      </a:solidFill>
+                      <a:prstDash val="solid"/>
+                      <a:round/>
+                      <a:headEnd len="sm" w="sm" type="none"/>
+                      <a:tailEnd len="sm" w="sm" type="none"/>
+                    </a:lnL>
+                    <a:lnR cap="flat" cmpd="sng" w="12625">
+                      <a:solidFill>
+                        <a:srgbClr val="000000"/>
+                      </a:solidFill>
+                      <a:prstDash val="solid"/>
+                      <a:round/>
+                      <a:headEnd len="sm" w="sm" type="none"/>
+                      <a:tailEnd len="sm" w="sm" type="none"/>
+                    </a:lnR>
+                    <a:lnT cap="flat" cmpd="sng" w="12625">
+                      <a:solidFill>
+                        <a:srgbClr val="000000"/>
+                      </a:solidFill>
+                      <a:prstDash val="solid"/>
+                      <a:round/>
+                      <a:headEnd len="sm" w="sm" type="none"/>
+                      <a:tailEnd len="sm" w="sm" type="none"/>
+                    </a:lnT>
+                    <a:lnB cap="flat" cmpd="sng" w="12625">
+                      <a:solidFill>
+                        <a:srgbClr val="000000"/>
+                      </a:solidFill>
+                      <a:prstDash val="solid"/>
+                      <a:round/>
+                      <a:headEnd len="sm" w="sm" type="none"/>
+                      <a:tailEnd len="sm" w="sm" type="none"/>
+                    </a:lnB>
+                  </a:tcPr>
+                </a:tc>
+                <a:tc>
+                  <a:txBody>
+                    <a:bodyPr/>
+                    <a:lstStyle/>
+                    <a:p>
+                      <a:pPr indent="0" lvl="0" marL="0" rtl="0" algn="l">
+                        <a:lnSpc>
+                          <a:spcPct val="115000"/>
+                        </a:lnSpc>
+                        <a:spcBef>
+                          <a:spcPts val="1200"/>
+                        </a:spcBef>
+                        <a:spcAft>
+                          <a:spcPts val="1200"/>
+                        </a:spcAft>
+                        <a:buNone/>
+                      </a:pPr>
+                      <a:r>
+                        <a:rPr lang="en">
+                          <a:latin typeface="Lato"/>
+                          <a:ea typeface="Lato"/>
+                          <a:cs typeface="Lato"/>
+                          <a:sym typeface="Lato"/>
+                        </a:rPr>
+                        <a:t>92.61%</a:t>
+                      </a:r>
+                      <a:endParaRPr>
+                        <a:latin typeface="Lato"/>
+                        <a:ea typeface="Lato"/>
+                        <a:cs typeface="Lato"/>
+                        <a:sym typeface="Lato"/>
+                      </a:endParaRPr>
+                    </a:p>
+                  </a:txBody>
+                  <a:tcPr marT="63500" marB="63500" marR="63500" marL="63500">
+                    <a:lnL cap="flat" cmpd="sng" w="12625">
+                      <a:solidFill>
+                        <a:srgbClr val="000000"/>
+                      </a:solidFill>
+                      <a:prstDash val="solid"/>
+                      <a:round/>
+                      <a:headEnd len="sm" w="sm" type="none"/>
+                      <a:tailEnd len="sm" w="sm" type="none"/>
+                    </a:lnL>
+                    <a:lnR cap="flat" cmpd="sng" w="12625">
+                      <a:solidFill>
+                        <a:srgbClr val="000000"/>
+                      </a:solidFill>
+                      <a:prstDash val="solid"/>
+                      <a:round/>
+                      <a:headEnd len="sm" w="sm" type="none"/>
+                      <a:tailEnd len="sm" w="sm" type="none"/>
+                    </a:lnR>
+                    <a:lnT cap="flat" cmpd="sng" w="12625">
+                      <a:solidFill>
+                        <a:srgbClr val="000000"/>
+                      </a:solidFill>
+                      <a:prstDash val="solid"/>
+                      <a:round/>
+                      <a:headEnd len="sm" w="sm" type="none"/>
+                      <a:tailEnd len="sm" w="sm" type="none"/>
+                    </a:lnT>
+                    <a:lnB cap="flat" cmpd="sng" w="12625">
+                      <a:solidFill>
+                        <a:srgbClr val="000000"/>
+                      </a:solidFill>
+                      <a:prstDash val="solid"/>
+                      <a:round/>
+                      <a:headEnd len="sm" w="sm" type="none"/>
+                      <a:tailEnd len="sm" w="sm" type="none"/>
+                    </a:lnB>
+                  </a:tcPr>
+                </a:tc>
+              </a:tr>
+              <a:tr h="381000">
+                <a:tc>
+                  <a:txBody>
+                    <a:bodyPr/>
+                    <a:lstStyle/>
+                    <a:p>
+                      <a:pPr indent="0" lvl="0" marL="0" rtl="0" algn="l">
+                        <a:lnSpc>
+                          <a:spcPct val="115000"/>
+                        </a:lnSpc>
+                        <a:spcBef>
+                          <a:spcPts val="1200"/>
+                        </a:spcBef>
+                        <a:spcAft>
+                          <a:spcPts val="1200"/>
+                        </a:spcAft>
+                        <a:buNone/>
+                      </a:pPr>
+                      <a:r>
+                        <a:rPr lang="en">
+                          <a:latin typeface="Lato"/>
+                          <a:ea typeface="Lato"/>
+                          <a:cs typeface="Lato"/>
+                          <a:sym typeface="Lato"/>
+                        </a:rPr>
+                        <a:t>VGG16</a:t>
+                      </a:r>
+                      <a:endParaRPr>
+                        <a:latin typeface="Lato"/>
+                        <a:ea typeface="Lato"/>
+                        <a:cs typeface="Lato"/>
+                        <a:sym typeface="Lato"/>
+                      </a:endParaRPr>
+                    </a:p>
+                  </a:txBody>
+                  <a:tcPr marT="63500" marB="63500" marR="63500" marL="63500">
+                    <a:lnL cap="flat" cmpd="sng" w="12625">
+                      <a:solidFill>
+                        <a:srgbClr val="000000"/>
+                      </a:solidFill>
+                      <a:prstDash val="solid"/>
+                      <a:round/>
+                      <a:headEnd len="sm" w="sm" type="none"/>
+                      <a:tailEnd len="sm" w="sm" type="none"/>
+                    </a:lnL>
+                    <a:lnR cap="flat" cmpd="sng" w="12625">
+                      <a:solidFill>
+                        <a:srgbClr val="000000"/>
+                      </a:solidFill>
+                      <a:prstDash val="solid"/>
+                      <a:round/>
+                      <a:headEnd len="sm" w="sm" type="none"/>
+                      <a:tailEnd len="sm" w="sm" type="none"/>
+                    </a:lnR>
+                    <a:lnT cap="flat" cmpd="sng" w="12625">
+                      <a:solidFill>
+                        <a:srgbClr val="000000"/>
+                      </a:solidFill>
+                      <a:prstDash val="solid"/>
+                      <a:round/>
+                      <a:headEnd len="sm" w="sm" type="none"/>
+                      <a:tailEnd len="sm" w="sm" type="none"/>
+                    </a:lnT>
+                    <a:lnB cap="flat" cmpd="sng" w="12625">
+                      <a:solidFill>
+                        <a:srgbClr val="000000"/>
+                      </a:solidFill>
+                      <a:prstDash val="solid"/>
+                      <a:round/>
+                      <a:headEnd len="sm" w="sm" type="none"/>
+                      <a:tailEnd len="sm" w="sm" type="none"/>
+                    </a:lnB>
+                  </a:tcPr>
+                </a:tc>
+                <a:tc>
+                  <a:txBody>
+                    <a:bodyPr/>
+                    <a:lstStyle/>
+                    <a:p>
+                      <a:pPr indent="0" lvl="0" marL="0" rtl="0" algn="l">
+                        <a:lnSpc>
+                          <a:spcPct val="115000"/>
+                        </a:lnSpc>
+                        <a:spcBef>
+                          <a:spcPts val="1200"/>
+                        </a:spcBef>
+                        <a:spcAft>
+                          <a:spcPts val="1200"/>
+                        </a:spcAft>
+                        <a:buNone/>
+                      </a:pPr>
+                      <a:r>
+                        <a:rPr lang="en">
+                          <a:latin typeface="Lato"/>
+                          <a:ea typeface="Lato"/>
+                          <a:cs typeface="Lato"/>
+                          <a:sym typeface="Lato"/>
+                        </a:rPr>
+                        <a:t>91.13%</a:t>
+                      </a:r>
+                      <a:endParaRPr>
+                        <a:latin typeface="Lato"/>
+                        <a:ea typeface="Lato"/>
+                        <a:cs typeface="Lato"/>
+                        <a:sym typeface="Lato"/>
+                      </a:endParaRPr>
+                    </a:p>
+                  </a:txBody>
+                  <a:tcPr marT="63500" marB="63500" marR="63500" marL="63500">
+                    <a:lnL cap="flat" cmpd="sng" w="12625">
+                      <a:solidFill>
+                        <a:srgbClr val="000000"/>
+                      </a:solidFill>
+                      <a:prstDash val="solid"/>
+                      <a:round/>
+                      <a:headEnd len="sm" w="sm" type="none"/>
+                      <a:tailEnd len="sm" w="sm" type="none"/>
+                    </a:lnL>
+                    <a:lnR cap="flat" cmpd="sng" w="12625">
+                      <a:solidFill>
+                        <a:srgbClr val="000000"/>
+                      </a:solidFill>
+                      <a:prstDash val="solid"/>
+                      <a:round/>
+                      <a:headEnd len="sm" w="sm" type="none"/>
+                      <a:tailEnd len="sm" w="sm" type="none"/>
+                    </a:lnR>
+                    <a:lnT cap="flat" cmpd="sng" w="12625">
+                      <a:solidFill>
+                        <a:srgbClr val="000000"/>
+                      </a:solidFill>
+                      <a:prstDash val="solid"/>
+                      <a:round/>
+                      <a:headEnd len="sm" w="sm" type="none"/>
+                      <a:tailEnd len="sm" w="sm" type="none"/>
+                    </a:lnT>
+                    <a:lnB cap="flat" cmpd="sng" w="12625">
+                      <a:solidFill>
+                        <a:srgbClr val="000000"/>
+                      </a:solidFill>
+                      <a:prstDash val="solid"/>
+                      <a:round/>
+                      <a:headEnd len="sm" w="sm" type="none"/>
+                      <a:tailEnd len="sm" w="sm" type="none"/>
+                    </a:lnB>
+                  </a:tcPr>
+                </a:tc>
+              </a:tr>
+              <a:tr h="381000">
+                <a:tc>
+                  <a:txBody>
+                    <a:bodyPr/>
+                    <a:lstStyle/>
+                    <a:p>
+                      <a:pPr indent="0" lvl="0" marL="0" rtl="0" algn="l">
+                        <a:lnSpc>
+                          <a:spcPct val="115000"/>
+                        </a:lnSpc>
+                        <a:spcBef>
+                          <a:spcPts val="1200"/>
+                        </a:spcBef>
+                        <a:spcAft>
+                          <a:spcPts val="1200"/>
+                        </a:spcAft>
+                        <a:buNone/>
+                      </a:pPr>
+                      <a:r>
+                        <a:rPr lang="en">
+                          <a:latin typeface="Lato"/>
+                          <a:ea typeface="Lato"/>
+                          <a:cs typeface="Lato"/>
+                          <a:sym typeface="Lato"/>
+                        </a:rPr>
+                        <a:t>MobileNetV2</a:t>
+                      </a:r>
+                      <a:endParaRPr>
+                        <a:latin typeface="Lato"/>
+                        <a:ea typeface="Lato"/>
+                        <a:cs typeface="Lato"/>
+                        <a:sym typeface="Lato"/>
+                      </a:endParaRPr>
+                    </a:p>
+                  </a:txBody>
+                  <a:tcPr marT="63500" marB="63500" marR="63500" marL="63500">
+                    <a:lnL cap="flat" cmpd="sng" w="12625">
+                      <a:solidFill>
+                        <a:srgbClr val="000000"/>
+                      </a:solidFill>
+                      <a:prstDash val="solid"/>
+                      <a:round/>
+                      <a:headEnd len="sm" w="sm" type="none"/>
+                      <a:tailEnd len="sm" w="sm" type="none"/>
+                    </a:lnL>
+                    <a:lnR cap="flat" cmpd="sng" w="12625">
+                      <a:solidFill>
+                        <a:srgbClr val="000000"/>
+                      </a:solidFill>
+                      <a:prstDash val="solid"/>
+                      <a:round/>
+                      <a:headEnd len="sm" w="sm" type="none"/>
+                      <a:tailEnd len="sm" w="sm" type="none"/>
+                    </a:lnR>
+                    <a:lnT cap="flat" cmpd="sng" w="12625">
+                      <a:solidFill>
+                        <a:srgbClr val="000000"/>
+                      </a:solidFill>
+                      <a:prstDash val="solid"/>
+                      <a:round/>
+                      <a:headEnd len="sm" w="sm" type="none"/>
+                      <a:tailEnd len="sm" w="sm" type="none"/>
+                    </a:lnT>
+                    <a:lnB cap="flat" cmpd="sng" w="12625">
+                      <a:solidFill>
+                        <a:srgbClr val="000000"/>
+                      </a:solidFill>
+                      <a:prstDash val="solid"/>
+                      <a:round/>
+                      <a:headEnd len="sm" w="sm" type="none"/>
+                      <a:tailEnd len="sm" w="sm" type="none"/>
+                    </a:lnB>
+                  </a:tcPr>
+                </a:tc>
+                <a:tc>
+                  <a:txBody>
+                    <a:bodyPr/>
+                    <a:lstStyle/>
+                    <a:p>
+                      <a:pPr indent="0" lvl="0" marL="0" rtl="0" algn="l">
+                        <a:lnSpc>
+                          <a:spcPct val="115000"/>
+                        </a:lnSpc>
+                        <a:spcBef>
+                          <a:spcPts val="1200"/>
+                        </a:spcBef>
+                        <a:spcAft>
+                          <a:spcPts val="1200"/>
+                        </a:spcAft>
+                        <a:buNone/>
+                      </a:pPr>
+                      <a:r>
+                        <a:rPr lang="en">
+                          <a:latin typeface="Lato"/>
+                          <a:ea typeface="Lato"/>
+                          <a:cs typeface="Lato"/>
+                          <a:sym typeface="Lato"/>
+                        </a:rPr>
+                        <a:t>88.56%</a:t>
+                      </a:r>
+                      <a:endParaRPr>
+                        <a:latin typeface="Lato"/>
+                        <a:ea typeface="Lato"/>
+                        <a:cs typeface="Lato"/>
+                        <a:sym typeface="Lato"/>
+                      </a:endParaRPr>
+                    </a:p>
+                  </a:txBody>
+                  <a:tcPr marT="63500" marB="63500" marR="63500" marL="63500">
+                    <a:lnL cap="flat" cmpd="sng" w="12625">
+                      <a:solidFill>
+                        <a:srgbClr val="000000"/>
+                      </a:solidFill>
+                      <a:prstDash val="solid"/>
+                      <a:round/>
+                      <a:headEnd len="sm" w="sm" type="none"/>
+                      <a:tailEnd len="sm" w="sm" type="none"/>
+                    </a:lnL>
+                    <a:lnR cap="flat" cmpd="sng" w="12625">
+                      <a:solidFill>
+                        <a:srgbClr val="000000"/>
+                      </a:solidFill>
+                      <a:prstDash val="solid"/>
+                      <a:round/>
+                      <a:headEnd len="sm" w="sm" type="none"/>
+                      <a:tailEnd len="sm" w="sm" type="none"/>
+                    </a:lnR>
+                    <a:lnT cap="flat" cmpd="sng" w="12625">
+                      <a:solidFill>
+                        <a:srgbClr val="000000"/>
+                      </a:solidFill>
+                      <a:prstDash val="solid"/>
+                      <a:round/>
+                      <a:headEnd len="sm" w="sm" type="none"/>
+                      <a:tailEnd len="sm" w="sm" type="none"/>
+                    </a:lnT>
+                    <a:lnB cap="flat" cmpd="sng" w="12625">
+                      <a:solidFill>
+                        <a:srgbClr val="000000"/>
+                      </a:solidFill>
+                      <a:prstDash val="solid"/>
+                      <a:round/>
+                      <a:headEnd len="sm" w="sm" type="none"/>
+                      <a:tailEnd len="sm" w="sm" type="none"/>
+                    </a:lnB>
+                  </a:tcPr>
+                </a:tc>
+              </a:tr>
+            </a:tbl>
+          </a:graphicData>
+        </a:graphic>
+      </p:graphicFrame>
+    </p:spTree>
+  </p:cSld>
+  <p:clrMapOvr>
+    <a:masterClrMapping/>
+  </p:clrMapOvr>
+</p:sld>
+</file>
+
+<file path=ppt/slides/slide39.xml><?xml version="1.0" encoding="utf-8"?>
+<p:sld xmlns:a="http://schemas.openxmlformats.org/drawingml/2006/main" xmlns:r="http://schemas.openxmlformats.org/officeDocument/2006/relationships" xmlns:mc="http://schemas.openxmlformats.org/markup-compatibility/2006" xmlns:mv="urn:schemas-microsoft-com:mac:vml" xmlns:p="http://schemas.openxmlformats.org/presentationml/2006/main" xmlns:c="http://schemas.openxmlformats.org/drawingml/2006/chart" xmlns:dgm="http://schemas.openxmlformats.org/drawingml/2006/diagram" xmlns:o="urn:schemas-microsoft-com:office:office" xmlns:v="urn:schemas-microsoft-com:vml" xmlns:pvml="urn:schemas-microsoft-com:office:powerpoint" xmlns:com="http://schemas.openxmlformats.org/drawingml/2006/compatibility" xmlns:p14="http://schemas.microsoft.com/office/powerpoint/2010/main" xmlns:p15="http://schemas.microsoft.com/office/powerpoint/2012/main" xmlns:ahyp="http://schemas.microsoft.com/office/drawing/2018/hyperlinkcolor">
+  <p:cSld>
+    <p:spTree>
+      <p:nvGrpSpPr>
+        <p:cNvPr id="329" name="Shape 329"/>
+        <p:cNvGrpSpPr/>
+        <p:nvPr/>
+      </p:nvGrpSpPr>
+      <p:grpSpPr>
+        <a:xfrm>
+          <a:off x="0" y="0"/>
+          <a:ext cx="0" cy="0"/>
+          <a:chOff x="0" y="0"/>
+          <a:chExt cx="0" cy="0"/>
+        </a:xfrm>
+      </p:grpSpPr>
+      <p:sp>
+        <p:nvSpPr>
+          <p:cNvPr id="330" name="Google Shape;330;p51"/>
+          <p:cNvSpPr txBox="1"/>
+          <p:nvPr>
+            <p:ph type="title"/>
+          </p:nvPr>
+        </p:nvSpPr>
+        <p:spPr>
+          <a:xfrm>
+            <a:off x="729450" y="1318650"/>
+            <a:ext cx="7688700" cy="535200"/>
+          </a:xfrm>
+          <a:prstGeom prst="rect">
+            <a:avLst/>
+          </a:prstGeom>
+        </p:spPr>
+        <p:txBody>
+          <a:bodyPr anchorCtr="0" anchor="t" bIns="91425" lIns="91425" spcFirstLastPara="1" rIns="91425" wrap="square" tIns="91425">
+            <a:normAutofit fontScale="90000"/>
+          </a:bodyPr>
+          <a:lstStyle/>
+          <a:p>
+            <a:pPr indent="0" lvl="0" marL="0" rtl="0" algn="l">
+              <a:spcBef>
+                <a:spcPts val="0"/>
+              </a:spcBef>
+              <a:spcAft>
+                <a:spcPts val="0"/>
+              </a:spcAft>
+              <a:buNone/>
+            </a:pPr>
+            <a:r>
+              <a:rPr lang="en"/>
+              <a:t>CONCLUSION</a:t>
+            </a:r>
+            <a:endParaRPr/>
+          </a:p>
+        </p:txBody>
+      </p:sp>
+      <p:sp>
+        <p:nvSpPr>
+          <p:cNvPr id="331" name="Google Shape;331;p51"/>
+          <p:cNvSpPr txBox="1"/>
+          <p:nvPr>
+            <p:ph idx="1" type="body"/>
+          </p:nvPr>
+        </p:nvSpPr>
+        <p:spPr>
+          <a:xfrm>
+            <a:off x="729450" y="2078875"/>
+            <a:ext cx="7688700" cy="2261100"/>
+          </a:xfrm>
+          <a:prstGeom prst="rect">
+            <a:avLst/>
+          </a:prstGeom>
+        </p:spPr>
+        <p:txBody>
+          <a:bodyPr anchorCtr="0" anchor="t" bIns="91425" lIns="91425" spcFirstLastPara="1" rIns="91425" wrap="square" tIns="91425">
+            <a:normAutofit/>
+          </a:bodyPr>
+          <a:lstStyle/>
+          <a:p>
+            <a:pPr indent="0" lvl="0" marL="0" rtl="0" algn="just">
+              <a:spcBef>
+                <a:spcPts val="1200"/>
+              </a:spcBef>
+              <a:spcAft>
+                <a:spcPts val="0"/>
+              </a:spcAft>
+              <a:buNone/>
+            </a:pPr>
+            <a:r>
+              <a:rPr lang="en">
+                <a:solidFill>
+                  <a:srgbClr val="000000"/>
+                </a:solidFill>
+              </a:rPr>
+              <a:t>COVID-19 pandemic has posed a lot of challenges for people all over the world. With not much information available, it gets increasingly difficult to deal with the disease. However with such technological advances, we are able to correctly extract the features of this disease. Using X-Rays is one efficient way to understand more about the disease. Deep Learning has already made tremendous success in this field and has efficient use with this dataset. EfficientNetB3 algorithm proved to be the most helpful in identifying the minute differences between the three classes.</a:t>
+            </a:r>
+            <a:endParaRPr>
+              <a:solidFill>
+                <a:srgbClr val="000000"/>
+              </a:solidFill>
+            </a:endParaRPr>
+          </a:p>
+          <a:p>
+            <a:pPr indent="0" lvl="0" marL="0" rtl="0" algn="l">
+              <a:spcBef>
+                <a:spcPts val="1200"/>
+              </a:spcBef>
+              <a:spcAft>
+                <a:spcPts val="1200"/>
+              </a:spcAft>
+              <a:buNone/>
+            </a:pPr>
+            <a:r>
+              <a:t/>
+            </a:r>
+            <a:endParaRPr/>
           </a:p>
         </p:txBody>
       </p:sp>
@@ -15473,87 +17769,9 @@
           <a:chExt cx="0" cy="0"/>
         </a:xfrm>
       </p:grpSpPr>
-      <p:sp>
-        <p:nvSpPr>
-          <p:cNvPr id="122" name="Google Shape;122;p19"/>
-          <p:cNvSpPr txBox="1"/>
-          <p:nvPr>
-            <p:ph type="title"/>
-          </p:nvPr>
-        </p:nvSpPr>
-        <p:spPr>
-          <a:xfrm>
-            <a:off x="729450" y="1318650"/>
-            <a:ext cx="7688700" cy="535200"/>
-          </a:xfrm>
-          <a:prstGeom prst="rect">
-            <a:avLst/>
-          </a:prstGeom>
-        </p:spPr>
-        <p:txBody>
-          <a:bodyPr anchorCtr="0" anchor="t" bIns="91425" lIns="91425" spcFirstLastPara="1" rIns="91425" wrap="square" tIns="91425">
-            <a:normAutofit fontScale="90000"/>
-          </a:bodyPr>
-          <a:lstStyle/>
-          <a:p>
-            <a:pPr indent="0" lvl="0" marL="0" rtl="0" algn="l">
-              <a:spcBef>
-                <a:spcPts val="0"/>
-              </a:spcBef>
-              <a:spcAft>
-                <a:spcPts val="0"/>
-              </a:spcAft>
-              <a:buNone/>
-            </a:pPr>
-            <a:r>
-              <a:t/>
-            </a:r>
-            <a:endParaRPr/>
-          </a:p>
-        </p:txBody>
-      </p:sp>
-      <p:sp>
-        <p:nvSpPr>
-          <p:cNvPr id="123" name="Google Shape;123;p19"/>
-          <p:cNvSpPr txBox="1"/>
-          <p:nvPr>
-            <p:ph idx="1" type="body"/>
-          </p:nvPr>
-        </p:nvSpPr>
-        <p:spPr>
-          <a:xfrm>
-            <a:off x="729450" y="2078875"/>
-            <a:ext cx="7688700" cy="2261100"/>
-          </a:xfrm>
-          <a:prstGeom prst="rect">
-            <a:avLst/>
-          </a:prstGeom>
-        </p:spPr>
-        <p:txBody>
-          <a:bodyPr anchorCtr="0" anchor="t" bIns="91425" lIns="91425" spcFirstLastPara="1" rIns="91425" wrap="square" tIns="91425">
-            <a:normAutofit/>
-          </a:bodyPr>
-          <a:lstStyle/>
-          <a:p>
-            <a:pPr indent="0" lvl="0" marL="0" rtl="0" algn="l">
-              <a:spcBef>
-                <a:spcPts val="0"/>
-              </a:spcBef>
-              <a:spcAft>
-                <a:spcPts val="1200"/>
-              </a:spcAft>
-              <a:buNone/>
-            </a:pPr>
-            <a:r>
-              <a:t/>
-            </a:r>
-            <a:endParaRPr/>
-          </a:p>
-        </p:txBody>
-      </p:sp>
       <p:pic>
         <p:nvPicPr>
-          <p:cNvPr id="124" name="Google Shape;124;p19"/>
+          <p:cNvPr id="122" name="Google Shape;122;p19"/>
           <p:cNvPicPr preferRelativeResize="0"/>
           <p:nvPr/>
         </p:nvPicPr>
@@ -15567,8 +17785,8 @@
         </p:blipFill>
         <p:spPr>
           <a:xfrm>
-            <a:off x="467525" y="0"/>
-            <a:ext cx="8212549" cy="5143500"/>
+            <a:off x="3254363" y="152400"/>
+            <a:ext cx="2635275" cy="4838701"/>
           </a:xfrm>
           <a:prstGeom prst="rect">
             <a:avLst/>
@@ -15592,7 +17810,7 @@
   <p:cSld>
     <p:spTree>
       <p:nvGrpSpPr>
-        <p:cNvPr id="128" name="Shape 128"/>
+        <p:cNvPr id="126" name="Shape 126"/>
         <p:cNvGrpSpPr/>
         <p:nvPr/>
       </p:nvGrpSpPr>
@@ -15606,7 +17824,7 @@
       </p:grpSpPr>
       <p:sp>
         <p:nvSpPr>
-          <p:cNvPr id="129" name="Google Shape;129;p20"/>
+          <p:cNvPr id="127" name="Google Shape;127;p20"/>
           <p:cNvSpPr txBox="1"/>
           <p:nvPr>
             <p:ph type="title"/>
@@ -15637,8 +17855,7 @@
               <a:buNone/>
             </a:pPr>
             <a:r>
-              <a:rPr lang="en"/>
-              <a:t>Research Paper</a:t>
+              <a:t/>
             </a:r>
             <a:endParaRPr/>
           </a:p>
@@ -15646,7 +17863,7 @@
       </p:sp>
       <p:sp>
         <p:nvSpPr>
-          <p:cNvPr id="130" name="Google Shape;130;p20"/>
+          <p:cNvPr id="128" name="Google Shape;128;p20"/>
           <p:cNvSpPr txBox="1"/>
           <p:nvPr>
             <p:ph idx="1" type="body"/>
@@ -15663,68 +17880,13 @@
         </p:spPr>
         <p:txBody>
           <a:bodyPr anchorCtr="0" anchor="t" bIns="91425" lIns="91425" spcFirstLastPara="1" rIns="91425" wrap="square" tIns="91425">
-            <a:normAutofit fontScale="77500" lnSpcReduction="20000"/>
+            <a:normAutofit/>
           </a:bodyPr>
           <a:lstStyle/>
           <a:p>
-            <a:pPr indent="0" lvl="0" marL="0" rtl="0" algn="just">
-              <a:spcBef>
-                <a:spcPts val="0"/>
-              </a:spcBef>
-              <a:spcAft>
-                <a:spcPts val="0"/>
-              </a:spcAft>
-              <a:buNone/>
-            </a:pPr>
-            <a:r>
-              <a:rPr b="1" lang="en" sz="1754">
-                <a:solidFill>
-                  <a:srgbClr val="000000"/>
-                </a:solidFill>
-                <a:latin typeface="Raleway"/>
-                <a:ea typeface="Raleway"/>
-                <a:cs typeface="Raleway"/>
-                <a:sym typeface="Raleway"/>
-              </a:rPr>
-              <a:t>EMCNet: Automated COVID-19 diagnosis from X-ray images using convolutional neural network and ensemble of machine learning classifiers - Prottoy Saha *, Muhammad Sheikh Sadi, Md. Milon Islam</a:t>
-            </a:r>
-            <a:br>
-              <a:rPr b="1" lang="en" sz="1754">
-                <a:solidFill>
-                  <a:srgbClr val="000000"/>
-                </a:solidFill>
-                <a:latin typeface="Raleway"/>
-                <a:ea typeface="Raleway"/>
-                <a:cs typeface="Raleway"/>
-                <a:sym typeface="Raleway"/>
-              </a:rPr>
-            </a:br>
-            <a:r>
-              <a:rPr lang="en" sz="1754">
-                <a:solidFill>
-                  <a:srgbClr val="000000"/>
-                </a:solidFill>
-                <a:latin typeface="Raleway Thin"/>
-                <a:ea typeface="Raleway Thin"/>
-                <a:cs typeface="Raleway Thin"/>
-                <a:sym typeface="Raleway Thin"/>
-              </a:rPr>
-              <a:t>Findings:  four ML classifiers were combined to develop an ensemble of classifiers, which ensures better results for the dataset of various sizes and resolutions  The models were trained and tested with a dataset of 1320 images where recent developing systems have conducted their research with comparatively small COVID-19 datasets. The model showed excellent performance with 98.91% accuracy, 100% precision, 97.82% recall, and 98.89% F1-score.</a:t>
-            </a:r>
-            <a:endParaRPr sz="1754">
-              <a:solidFill>
-                <a:srgbClr val="000000"/>
-              </a:solidFill>
-              <a:latin typeface="Raleway Thin"/>
-              <a:ea typeface="Raleway Thin"/>
-              <a:cs typeface="Raleway Thin"/>
-              <a:sym typeface="Raleway Thin"/>
-            </a:endParaRPr>
-          </a:p>
-          <a:p>
             <a:pPr indent="0" lvl="0" marL="0" rtl="0" algn="l">
               <a:spcBef>
-                <a:spcPts val="1200"/>
+                <a:spcPts val="0"/>
               </a:spcBef>
               <a:spcAft>
                 <a:spcPts val="1200"/>
@@ -15738,6 +17900,34 @@
           </a:p>
         </p:txBody>
       </p:sp>
+      <p:pic>
+        <p:nvPicPr>
+          <p:cNvPr id="129" name="Google Shape;129;p20"/>
+          <p:cNvPicPr preferRelativeResize="0"/>
+          <p:nvPr/>
+        </p:nvPicPr>
+        <p:blipFill>
+          <a:blip r:embed="rId3">
+            <a:alphaModFix/>
+          </a:blip>
+          <a:stretch>
+            <a:fillRect/>
+          </a:stretch>
+        </p:blipFill>
+        <p:spPr>
+          <a:xfrm>
+            <a:off x="467525" y="0"/>
+            <a:ext cx="8212549" cy="5143500"/>
+          </a:xfrm>
+          <a:prstGeom prst="rect">
+            <a:avLst/>
+          </a:prstGeom>
+          <a:noFill/>
+          <a:ln>
+            <a:noFill/>
+          </a:ln>
+        </p:spPr>
+      </p:pic>
     </p:spTree>
   </p:cSld>
   <p:clrMapOvr>
@@ -15751,7 +17941,7 @@
   <p:cSld>
     <p:spTree>
       <p:nvGrpSpPr>
-        <p:cNvPr id="134" name="Shape 134"/>
+        <p:cNvPr id="133" name="Shape 133"/>
         <p:cNvGrpSpPr/>
         <p:nvPr/>
       </p:nvGrpSpPr>
@@ -15765,7 +17955,7 @@
       </p:grpSpPr>
       <p:sp>
         <p:nvSpPr>
-          <p:cNvPr id="135" name="Google Shape;135;p21"/>
+          <p:cNvPr id="134" name="Google Shape;134;p21"/>
           <p:cNvSpPr txBox="1"/>
           <p:nvPr>
             <p:ph type="title"/>
@@ -15805,7 +17995,7 @@
       </p:sp>
       <p:sp>
         <p:nvSpPr>
-          <p:cNvPr id="136" name="Google Shape;136;p21"/>
+          <p:cNvPr id="135" name="Google Shape;135;p21"/>
           <p:cNvSpPr txBox="1"/>
           <p:nvPr>
             <p:ph idx="1" type="body"/>
@@ -15822,7 +18012,7 @@
         </p:spPr>
         <p:txBody>
           <a:bodyPr anchorCtr="0" anchor="t" bIns="91425" lIns="91425" spcFirstLastPara="1" rIns="91425" wrap="square" tIns="91425">
-            <a:normAutofit fontScale="85000" lnSpcReduction="10000"/>
+            <a:normAutofit fontScale="77500" lnSpcReduction="20000"/>
           </a:bodyPr>
           <a:lstStyle/>
           <a:p>
@@ -15836,7 +18026,7 @@
               <a:buNone/>
             </a:pPr>
             <a:r>
-              <a:rPr b="1" lang="en" sz="1725">
+              <a:rPr b="1" lang="en" sz="1754">
                 <a:solidFill>
                   <a:srgbClr val="000000"/>
                 </a:solidFill>
@@ -15845,10 +18035,10 @@
                 <a:cs typeface="Raleway"/>
                 <a:sym typeface="Raleway"/>
               </a:rPr>
-              <a:t>Automatic COVID-19 Detection from X-Ray images using Ensemble Learning with Convolutional Neural Network AMIT KUMAR DAS, SAYANTANI GHOSH, SAMIRUDDIN THUNDER , ROHIT DUTTA , SACHIN AGARWAL  and AMLAN CHAKRABARTI </a:t>
+              <a:t>EMCNet: Automated COVID-19 diagnosis from X-ray images using convolutional neural network and ensemble of machine learning classifiers - Prottoy Saha *, Muhammad Sheikh Sadi, Md. Milon Islam</a:t>
             </a:r>
             <a:br>
-              <a:rPr b="1" lang="en" sz="1725">
+              <a:rPr b="1" lang="en" sz="1754">
                 <a:solidFill>
                   <a:srgbClr val="000000"/>
                 </a:solidFill>
@@ -15859,7 +18049,7 @@
               </a:rPr>
             </a:br>
             <a:r>
-              <a:rPr lang="en" sz="1725">
+              <a:rPr lang="en" sz="1754">
                 <a:solidFill>
                   <a:srgbClr val="000000"/>
                 </a:solidFill>
@@ -15868,9 +18058,9 @@
                 <a:cs typeface="Raleway Thin"/>
                 <a:sym typeface="Raleway Thin"/>
               </a:rPr>
-              <a:t>Findings: three state-of-the-art deep learning models have been adopted and ensembled. The proposed model has achieved a classification accuracy of 95.7%. Even more important fact is it has given a sensitivity of 98%.</a:t>
-            </a:r>
-            <a:endParaRPr sz="1725">
+              <a:t>Findings:  four ML classifiers were combined to develop an ensemble of classifiers, which ensures better results for the dataset of various sizes and resolutions  The models were trained and tested with a dataset of 1320 images where recent developing systems have conducted their research with comparatively small COVID-19 datasets. The model showed excellent performance with 98.91% accuracy, 100% precision, 97.82% recall, and 98.89% F1-score.</a:t>
+            </a:r>
+            <a:endParaRPr sz="1754">
               <a:solidFill>
                 <a:srgbClr val="000000"/>
               </a:solidFill>
@@ -15879,21 +18069,6 @@
               <a:cs typeface="Raleway Thin"/>
               <a:sym typeface="Raleway Thin"/>
             </a:endParaRPr>
-          </a:p>
-          <a:p>
-            <a:pPr indent="0" lvl="0" marL="0" rtl="0" algn="l">
-              <a:spcBef>
-                <a:spcPts val="1200"/>
-              </a:spcBef>
-              <a:spcAft>
-                <a:spcPts val="0"/>
-              </a:spcAft>
-              <a:buNone/>
-            </a:pPr>
-            <a:r>
-              <a:t/>
-            </a:r>
-            <a:endParaRPr/>
           </a:p>
           <a:p>
             <a:pPr indent="0" lvl="0" marL="0" rtl="0" algn="l">
